--- a/MidtermPj_2018440017_김민석(제출용).pptx
+++ b/MidtermPj_2018440017_김민석(제출용).pptx
@@ -15,11 +15,11 @@
     <p:sldId id="292" r:id="rId6"/>
     <p:sldId id="293" r:id="rId7"/>
     <p:sldId id="294" r:id="rId8"/>
-    <p:sldId id="295" r:id="rId9"/>
-    <p:sldId id="297" r:id="rId10"/>
-    <p:sldId id="302" r:id="rId11"/>
-    <p:sldId id="303" r:id="rId12"/>
-    <p:sldId id="304" r:id="rId13"/>
+    <p:sldId id="297" r:id="rId9"/>
+    <p:sldId id="302" r:id="rId10"/>
+    <p:sldId id="303" r:id="rId11"/>
+    <p:sldId id="304" r:id="rId12"/>
+    <p:sldId id="306" r:id="rId13"/>
   </p:sldIdLst>
   <p:sldSz cx="12192000" cy="6858000"/>
   <p:notesSz cx="6858000" cy="9144000"/>
@@ -208,7 +208,7 @@
           <a:p>
             <a:fld id="{26D3A4F0-466E-3B4A-8EC0-4A7E716EBDAE}" type="datetimeFigureOut">
               <a:rPr kumimoji="1" lang="ko-Kore-KR" altLang="en-US" smtClean="0"/>
-              <a:t>2023. 11. 20.</a:t>
+              <a:t>2023. 11. 22.</a:t>
             </a:fld>
             <a:endParaRPr kumimoji="1" lang="ko-Kore-KR" altLang="en-US"/>
           </a:p>
@@ -625,7 +625,7 @@
           <a:p>
             <a:fld id="{9E17A8AF-36B6-8448-8D25-A4C256415445}" type="slidenum">
               <a:rPr kumimoji="1" lang="ko-Kore-KR" altLang="en-US" smtClean="0"/>
-              <a:t>8</a:t>
+              <a:t>7</a:t>
             </a:fld>
             <a:endParaRPr kumimoji="1" lang="ko-Kore-KR" altLang="en-US"/>
           </a:p>
@@ -709,7 +709,7 @@
           <a:p>
             <a:fld id="{9E17A8AF-36B6-8448-8D25-A4C256415445}" type="slidenum">
               <a:rPr kumimoji="1" lang="ko-Kore-KR" altLang="en-US" smtClean="0"/>
-              <a:t>9</a:t>
+              <a:t>8</a:t>
             </a:fld>
             <a:endParaRPr kumimoji="1" lang="ko-Kore-KR" altLang="en-US"/>
           </a:p>
@@ -793,7 +793,7 @@
           <a:p>
             <a:fld id="{9E17A8AF-36B6-8448-8D25-A4C256415445}" type="slidenum">
               <a:rPr kumimoji="1" lang="ko-Kore-KR" altLang="en-US" smtClean="0"/>
-              <a:t>10</a:t>
+              <a:t>9</a:t>
             </a:fld>
             <a:endParaRPr kumimoji="1" lang="ko-Kore-KR" altLang="en-US"/>
           </a:p>
@@ -803,6 +803,150 @@
     <p:extLst>
       <p:ext uri="{BB962C8B-B14F-4D97-AF65-F5344CB8AC3E}">
         <p14:creationId xmlns:p14="http://schemas.microsoft.com/office/powerpoint/2010/main" val="658441775"/>
+      </p:ext>
+    </p:extLst>
+  </p:cSld>
+  <p:clrMapOvr>
+    <a:masterClrMapping/>
+  </p:clrMapOvr>
+</p:notes>
+</file>
+
+<file path=ppt/notesSlides/notesSlide5.xml><?xml version="1.0" encoding="utf-8"?>
+<p:notes xmlns:a="http://schemas.openxmlformats.org/drawingml/2006/main" xmlns:r="http://schemas.openxmlformats.org/officeDocument/2006/relationships" xmlns:p="http://schemas.openxmlformats.org/presentationml/2006/main">
+  <p:cSld>
+    <p:spTree>
+      <p:nvGrpSpPr>
+        <p:cNvPr id="1" name=""/>
+        <p:cNvGrpSpPr/>
+        <p:nvPr/>
+      </p:nvGrpSpPr>
+      <p:grpSpPr>
+        <a:xfrm>
+          <a:off x="0" y="0"/>
+          <a:ext cx="0" cy="0"/>
+          <a:chOff x="0" y="0"/>
+          <a:chExt cx="0" cy="0"/>
+        </a:xfrm>
+      </p:grpSpPr>
+      <p:sp>
+        <p:nvSpPr>
+          <p:cNvPr id="2" name="슬라이드 이미지 개체 틀 1"/>
+          <p:cNvSpPr>
+            <a:spLocks noGrp="1" noRot="1" noChangeAspect="1"/>
+          </p:cNvSpPr>
+          <p:nvPr>
+            <p:ph type="sldImg"/>
+          </p:nvPr>
+        </p:nvSpPr>
+        <p:spPr/>
+      </p:sp>
+      <p:sp>
+        <p:nvSpPr>
+          <p:cNvPr id="3" name="슬라이드 노트 개체 틀 2"/>
+          <p:cNvSpPr>
+            <a:spLocks noGrp="1"/>
+          </p:cNvSpPr>
+          <p:nvPr>
+            <p:ph type="body" idx="1"/>
+          </p:nvPr>
+        </p:nvSpPr>
+        <p:spPr/>
+        <p:txBody>
+          <a:bodyPr/>
+          <a:lstStyle/>
+          <a:p>
+            <a:endParaRPr kumimoji="1" lang="ko-Kore-KR" altLang="en-US" dirty="0"/>
+          </a:p>
+        </p:txBody>
+      </p:sp>
+      <p:sp>
+        <p:nvSpPr>
+          <p:cNvPr id="4" name="슬라이드 번호 개체 틀 3"/>
+          <p:cNvSpPr>
+            <a:spLocks noGrp="1"/>
+          </p:cNvSpPr>
+          <p:nvPr>
+            <p:ph type="sldNum" sz="quarter" idx="5"/>
+          </p:nvPr>
+        </p:nvSpPr>
+        <p:spPr/>
+        <p:txBody>
+          <a:bodyPr/>
+          <a:lstStyle/>
+          <a:p>
+            <a:pPr marL="0" marR="0" lvl="0" indent="0" algn="r" defTabSz="914400" rtl="0" eaLnBrk="1" fontAlgn="auto" latinLnBrk="0" hangingPunct="1">
+              <a:lnSpc>
+                <a:spcPct val="100000"/>
+              </a:lnSpc>
+              <a:spcBef>
+                <a:spcPts val="0"/>
+              </a:spcBef>
+              <a:spcAft>
+                <a:spcPts val="0"/>
+              </a:spcAft>
+              <a:buClrTx/>
+              <a:buSzTx/>
+              <a:buFontTx/>
+              <a:buNone/>
+              <a:tabLst/>
+              <a:defRPr/>
+            </a:pPr>
+            <a:fld id="{9E17A8AF-36B6-8448-8D25-A4C256415445}" type="slidenum">
+              <a:rPr kumimoji="1" lang="ko-Kore-KR" altLang="en-US" sz="1200" b="0" i="0" u="none" strike="noStrike" kern="1200" cap="none" spc="0" normalizeH="0" baseline="0" noProof="0" smtClean="0">
+                <a:ln>
+                  <a:noFill/>
+                </a:ln>
+                <a:solidFill>
+                  <a:prstClr val="black"/>
+                </a:solidFill>
+                <a:effectLst/>
+                <a:uLnTx/>
+                <a:uFillTx/>
+                <a:latin typeface="Calibri" panose="020F0502020204030204"/>
+                <a:ea typeface="+mn-ea"/>
+                <a:cs typeface="+mn-cs"/>
+              </a:rPr>
+              <a:pPr marL="0" marR="0" lvl="0" indent="0" algn="r" defTabSz="914400" rtl="0" eaLnBrk="1" fontAlgn="auto" latinLnBrk="0" hangingPunct="1">
+                <a:lnSpc>
+                  <a:spcPct val="100000"/>
+                </a:lnSpc>
+                <a:spcBef>
+                  <a:spcPts val="0"/>
+                </a:spcBef>
+                <a:spcAft>
+                  <a:spcPts val="0"/>
+                </a:spcAft>
+                <a:buClrTx/>
+                <a:buSzTx/>
+                <a:buFontTx/>
+                <a:buNone/>
+                <a:tabLst/>
+                <a:defRPr/>
+              </a:pPr>
+              <a:t>11</a:t>
+            </a:fld>
+            <a:endParaRPr kumimoji="1" lang="ko-Kore-KR" altLang="en-US" sz="1200" b="0" i="0" u="none" strike="noStrike" kern="1200" cap="none" spc="0" normalizeH="0" baseline="0" noProof="0">
+              <a:ln>
+                <a:noFill/>
+              </a:ln>
+              <a:solidFill>
+                <a:prstClr val="black"/>
+              </a:solidFill>
+              <a:effectLst/>
+              <a:uLnTx/>
+              <a:uFillTx/>
+              <a:latin typeface="Calibri" panose="020F0502020204030204"/>
+              <a:ea typeface="+mn-ea"/>
+              <a:cs typeface="+mn-cs"/>
+            </a:endParaRPr>
+          </a:p>
+        </p:txBody>
+      </p:sp>
+    </p:spTree>
+    <p:extLst>
+      <p:ext uri="{BB962C8B-B14F-4D97-AF65-F5344CB8AC3E}">
+        <p14:creationId xmlns:p14="http://schemas.microsoft.com/office/powerpoint/2010/main" val="1107209878"/>
       </p:ext>
     </p:extLst>
   </p:cSld>
@@ -961,7 +1105,7 @@
           <a:p>
             <a:fld id="{027A7598-B55D-EE4A-8E49-BD9F5713F660}" type="datetime1">
               <a:rPr kumimoji="1" lang="ko-KR" altLang="en-US" smtClean="0"/>
-              <a:t>2023. 11. 20.</a:t>
+              <a:t>2023. 11. 22.</a:t>
             </a:fld>
             <a:endParaRPr kumimoji="1" lang="ko-Kore-KR" altLang="en-US"/>
           </a:p>
@@ -1161,7 +1305,7 @@
           <a:p>
             <a:fld id="{309CB8BC-8557-614A-8B73-E7BAECDDC0E1}" type="datetime1">
               <a:rPr kumimoji="1" lang="ko-KR" altLang="en-US" smtClean="0"/>
-              <a:t>2023. 11. 20.</a:t>
+              <a:t>2023. 11. 22.</a:t>
             </a:fld>
             <a:endParaRPr kumimoji="1" lang="ko-Kore-KR" altLang="en-US"/>
           </a:p>
@@ -1371,7 +1515,7 @@
           <a:p>
             <a:fld id="{220F62BD-76AE-734D-A5D5-C51F27076480}" type="datetime1">
               <a:rPr kumimoji="1" lang="ko-KR" altLang="en-US" smtClean="0"/>
-              <a:t>2023. 11. 20.</a:t>
+              <a:t>2023. 11. 22.</a:t>
             </a:fld>
             <a:endParaRPr kumimoji="1" lang="ko-Kore-KR" altLang="en-US"/>
           </a:p>
@@ -1587,7 +1731,7 @@
           <a:p>
             <a:fld id="{0E5D238F-1442-B942-849C-C96489B049B6}" type="datetime1">
               <a:rPr lang="ko-KR" altLang="en-US" smtClean="0"/>
-              <a:t>2023. 11. 20.</a:t>
+              <a:t>2023. 11. 22.</a:t>
             </a:fld>
             <a:endParaRPr lang="en-US"/>
           </a:p>
@@ -1780,7 +1924,7 @@
           <a:p>
             <a:fld id="{6BF06F2F-1FBF-4A47-AA5F-83353DBCFAEE}" type="datetime1">
               <a:rPr lang="ko-KR" altLang="en-US" smtClean="0"/>
-              <a:t>2023. 11. 20.</a:t>
+              <a:t>2023. 11. 22.</a:t>
             </a:fld>
             <a:endParaRPr lang="en-US"/>
           </a:p>
@@ -2016,7 +2160,7 @@
           <a:p>
             <a:fld id="{F99B5203-1D04-DE41-9ADA-EBD44BADE523}" type="datetime1">
               <a:rPr lang="ko-KR" altLang="en-US" smtClean="0"/>
-              <a:t>2023. 11. 20.</a:t>
+              <a:t>2023. 11. 22.</a:t>
             </a:fld>
             <a:endParaRPr lang="en-US"/>
           </a:p>
@@ -2180,7 +2324,7 @@
           <a:p>
             <a:fld id="{925D80E5-5959-4043-8EC7-4FA04F6E4093}" type="datetime1">
               <a:rPr lang="ko-KR" altLang="en-US" smtClean="0"/>
-              <a:t>2023. 11. 20.</a:t>
+              <a:t>2023. 11. 22.</a:t>
             </a:fld>
             <a:endParaRPr lang="en-US"/>
           </a:p>
@@ -2315,7 +2459,7 @@
           <a:p>
             <a:fld id="{D1E4D4B3-1763-3545-928E-6A69C4C7D563}" type="datetime1">
               <a:rPr lang="ko-KR" altLang="en-US" smtClean="0"/>
-              <a:t>2023. 11. 20.</a:t>
+              <a:t>2023. 11. 22.</a:t>
             </a:fld>
             <a:endParaRPr lang="en-US"/>
           </a:p>
@@ -2504,7 +2648,7 @@
           <a:p>
             <a:fld id="{50B0030B-8A17-D44C-BA20-38E308247ACB}" type="datetime1">
               <a:rPr kumimoji="1" lang="ko-KR" altLang="en-US" smtClean="0"/>
-              <a:t>2023. 11. 20.</a:t>
+              <a:t>2023. 11. 22.</a:t>
             </a:fld>
             <a:endParaRPr kumimoji="1" lang="ko-Kore-KR" altLang="en-US"/>
           </a:p>
@@ -2780,7 +2924,7 @@
           <a:p>
             <a:fld id="{68A0C62B-C75B-044F-B053-215EB5AC3A0E}" type="datetime1">
               <a:rPr kumimoji="1" lang="ko-KR" altLang="en-US" smtClean="0"/>
-              <a:t>2023. 11. 20.</a:t>
+              <a:t>2023. 11. 22.</a:t>
             </a:fld>
             <a:endParaRPr kumimoji="1" lang="ko-Kore-KR" altLang="en-US"/>
           </a:p>
@@ -3048,7 +3192,7 @@
           <a:p>
             <a:fld id="{3122A40D-060C-8D44-80FE-DDD745C5ACB9}" type="datetime1">
               <a:rPr kumimoji="1" lang="ko-KR" altLang="en-US" smtClean="0"/>
-              <a:t>2023. 11. 20.</a:t>
+              <a:t>2023. 11. 22.</a:t>
             </a:fld>
             <a:endParaRPr kumimoji="1" lang="ko-Kore-KR" altLang="en-US"/>
           </a:p>
@@ -3468,7 +3612,7 @@
           <a:p>
             <a:fld id="{5D04D848-C5A5-994E-AC33-3C97AFA5B6B9}" type="datetime1">
               <a:rPr kumimoji="1" lang="ko-KR" altLang="en-US" smtClean="0"/>
-              <a:t>2023. 11. 20.</a:t>
+              <a:t>2023. 11. 22.</a:t>
             </a:fld>
             <a:endParaRPr kumimoji="1" lang="ko-Kore-KR" altLang="en-US"/>
           </a:p>
@@ -3615,7 +3759,7 @@
           <a:p>
             <a:fld id="{24129749-32ED-E841-8724-892C1F91EAA2}" type="datetime1">
               <a:rPr kumimoji="1" lang="ko-KR" altLang="en-US" smtClean="0"/>
-              <a:t>2023. 11. 20.</a:t>
+              <a:t>2023. 11. 22.</a:t>
             </a:fld>
             <a:endParaRPr kumimoji="1" lang="ko-Kore-KR" altLang="en-US"/>
           </a:p>
@@ -3728,7 +3872,7 @@
           <a:p>
             <a:fld id="{E23753C6-368F-8846-8FB6-FD59AB20389F}" type="datetime1">
               <a:rPr kumimoji="1" lang="ko-KR" altLang="en-US" smtClean="0"/>
-              <a:t>2023. 11. 20.</a:t>
+              <a:t>2023. 11. 22.</a:t>
             </a:fld>
             <a:endParaRPr kumimoji="1" lang="ko-Kore-KR" altLang="en-US"/>
           </a:p>
@@ -4041,7 +4185,7 @@
           <a:p>
             <a:fld id="{01934D68-E7DE-F444-8DAA-16B4D6C2FA38}" type="datetime1">
               <a:rPr kumimoji="1" lang="ko-KR" altLang="en-US" smtClean="0"/>
-              <a:t>2023. 11. 20.</a:t>
+              <a:t>2023. 11. 22.</a:t>
             </a:fld>
             <a:endParaRPr kumimoji="1" lang="ko-Kore-KR" altLang="en-US"/>
           </a:p>
@@ -4335,7 +4479,7 @@
           <a:p>
             <a:fld id="{6A2DCAF8-E8FE-064E-B137-95C0A75ED937}" type="datetime1">
               <a:rPr kumimoji="1" lang="ko-KR" altLang="en-US" smtClean="0"/>
-              <a:t>2023. 11. 20.</a:t>
+              <a:t>2023. 11. 22.</a:t>
             </a:fld>
             <a:endParaRPr kumimoji="1" lang="ko-Kore-KR" altLang="en-US"/>
           </a:p>
@@ -4578,7 +4722,7 @@
           <a:p>
             <a:fld id="{1704101D-FA49-4342-9DFE-FFB9AF547331}" type="datetime1">
               <a:rPr kumimoji="1" lang="ko-KR" altLang="en-US" smtClean="0"/>
-              <a:t>2023. 11. 20.</a:t>
+              <a:t>2023. 11. 22.</a:t>
             </a:fld>
             <a:endParaRPr kumimoji="1" lang="ko-Kore-KR" altLang="en-US"/>
           </a:p>
@@ -5227,7 +5371,7 @@
           <a:p>
             <a:fld id="{18D0D0C9-E318-B445-A68B-AF3BB07CD36F}" type="datetime1">
               <a:rPr lang="ko-KR" altLang="en-US" smtClean="0"/>
-              <a:t>2023. 11. 20.</a:t>
+              <a:t>2023. 11. 22.</a:t>
             </a:fld>
             <a:endParaRPr lang="en-US"/>
           </a:p>
@@ -5632,10 +5776,10 @@
       </p:grpSpPr>
       <p:sp>
         <p:nvSpPr>
-          <p:cNvPr id="2" name="슬라이드 번호 개체 틀 1">
+          <p:cNvPr id="2" name="제목 1">
             <a:extLst>
               <a:ext uri="{FF2B5EF4-FFF2-40B4-BE49-F238E27FC236}">
-                <a16:creationId xmlns:a16="http://schemas.microsoft.com/office/drawing/2014/main" id="{C899270C-4370-FE2E-8C38-C9A5AA37650D}"/>
+                <a16:creationId xmlns:a16="http://schemas.microsoft.com/office/drawing/2014/main" id="{BB39ED08-279B-7103-B03C-252A13B1E158}"/>
               </a:ext>
             </a:extLst>
           </p:cNvPr>
@@ -5643,730 +5787,40 @@
             <a:spLocks noGrp="1"/>
           </p:cNvSpPr>
           <p:nvPr>
-            <p:ph type="sldNum" sz="quarter" idx="7"/>
+            <p:ph type="ctrTitle"/>
           </p:nvPr>
-        </p:nvSpPr>
-        <p:spPr/>
-        <p:txBody>
-          <a:bodyPr/>
-          <a:lstStyle/>
-          <a:p>
-            <a:pPr marL="38100">
-              <a:lnSpc>
-                <a:spcPts val="1240"/>
-              </a:lnSpc>
-            </a:pPr>
-            <a:fld id="{81D60167-4931-47E6-BA6A-407CBD079E47}" type="slidenum">
-              <a:rPr lang="en-US" altLang="ko-Kore-KR" smtClean="0"/>
-              <a:pPr marL="38100">
-                <a:lnSpc>
-                  <a:spcPts val="1240"/>
-                </a:lnSpc>
-              </a:pPr>
-              <a:t>10</a:t>
-            </a:fld>
-            <a:endParaRPr lang="en-US" altLang="ko-Kore-KR" dirty="0"/>
-          </a:p>
-        </p:txBody>
-      </p:sp>
-      <p:sp>
-        <p:nvSpPr>
-          <p:cNvPr id="3" name="TextBox 2">
-            <a:extLst>
-              <a:ext uri="{FF2B5EF4-FFF2-40B4-BE49-F238E27FC236}">
-                <a16:creationId xmlns:a16="http://schemas.microsoft.com/office/drawing/2014/main" id="{4690B63D-9B58-E203-0BB9-26FA1A8E48A7}"/>
-              </a:ext>
-            </a:extLst>
-          </p:cNvPr>
-          <p:cNvSpPr txBox="1"/>
-          <p:nvPr/>
         </p:nvSpPr>
         <p:spPr>
           <a:xfrm>
-            <a:off x="744937" y="661086"/>
-            <a:ext cx="1946367" cy="769441"/>
+            <a:off x="1524000" y="2235200"/>
+            <a:ext cx="9144000" cy="2387600"/>
           </a:xfrm>
-          <a:prstGeom prst="rect">
-            <a:avLst/>
-          </a:prstGeom>
-          <a:noFill/>
         </p:spPr>
         <p:txBody>
-          <a:bodyPr wrap="none" rtlCol="0">
-            <a:spAutoFit/>
-          </a:bodyPr>
+          <a:bodyPr anchor="ctr" anchorCtr="1"/>
           <a:lstStyle/>
           <a:p>
             <a:r>
-              <a:rPr kumimoji="1" lang="en-US" altLang="ko-KR" sz="4400" dirty="0">
+              <a:rPr kumimoji="1" lang="en-US" altLang="ko-Kore-KR" b="1" dirty="0">
                 <a:latin typeface="+mj-ea"/>
-                <a:ea typeface="+mj-ea"/>
               </a:rPr>
-              <a:t>5. </a:t>
-            </a:r>
-            <a:r>
-              <a:rPr kumimoji="1" lang="ko-KR" altLang="en-US" sz="4400" dirty="0">
+              <a:t>Q &amp; A</a:t>
+            </a:r>
+            <a:br>
+              <a:rPr kumimoji="1" lang="en-US" altLang="ko-Kore-KR" dirty="0">
                 <a:latin typeface="+mj-ea"/>
-                <a:ea typeface="+mj-ea"/>
               </a:rPr>
-              <a:t>결론</a:t>
-            </a:r>
-            <a:endParaRPr kumimoji="1" lang="ko-Kore-KR" altLang="en-US" sz="4400" dirty="0">
+            </a:br>
+            <a:endParaRPr kumimoji="1" lang="ko-Kore-KR" altLang="en-US" sz="4000" dirty="0">
               <a:latin typeface="+mj-ea"/>
-              <a:ea typeface="+mj-ea"/>
             </a:endParaRPr>
-          </a:p>
-        </p:txBody>
-      </p:sp>
-      <p:sp>
-        <p:nvSpPr>
-          <p:cNvPr id="12" name="TextBox 11">
-            <a:extLst>
-              <a:ext uri="{FF2B5EF4-FFF2-40B4-BE49-F238E27FC236}">
-                <a16:creationId xmlns:a16="http://schemas.microsoft.com/office/drawing/2014/main" id="{131A2E7A-3A05-1CE2-2DFB-E054BFD8AC5B}"/>
-              </a:ext>
-            </a:extLst>
-          </p:cNvPr>
-          <p:cNvSpPr txBox="1"/>
-          <p:nvPr/>
-        </p:nvSpPr>
-        <p:spPr>
-          <a:xfrm>
-            <a:off x="623212" y="2026589"/>
-            <a:ext cx="9549409" cy="369332"/>
-          </a:xfrm>
-          <a:prstGeom prst="rect">
-            <a:avLst/>
-          </a:prstGeom>
-          <a:noFill/>
-        </p:spPr>
-        <p:txBody>
-          <a:bodyPr wrap="none" rtlCol="0">
-            <a:spAutoFit/>
-          </a:bodyPr>
-          <a:lstStyle/>
-          <a:p>
-            <a:r>
-              <a:rPr lang="ko-Kore-KR" altLang="en-US" dirty="0">
-                <a:solidFill>
-                  <a:srgbClr val="222222"/>
-                </a:solidFill>
-                <a:latin typeface="Arial" panose="020B0604020202020204" pitchFamily="34" charset="0"/>
-              </a:rPr>
-              <a:t>✓ 개선사항으로</a:t>
-            </a:r>
-            <a:r>
-              <a:rPr lang="ko-KR" altLang="en-US" dirty="0">
-                <a:solidFill>
-                  <a:srgbClr val="222222"/>
-                </a:solidFill>
-                <a:latin typeface="Arial" panose="020B0604020202020204" pitchFamily="34" charset="0"/>
-              </a:rPr>
-              <a:t>는 </a:t>
-            </a:r>
-            <a:r>
-              <a:rPr kumimoji="1" lang="ko-KR" altLang="en-US" b="1" dirty="0"/>
-              <a:t>중복된 결과를 처리하면 더욱 깔끔한 출력</a:t>
-            </a:r>
-            <a:r>
-              <a:rPr kumimoji="1" lang="ko-KR" altLang="en-US" dirty="0"/>
-              <a:t>이 나올 수 있을 것으로 생각된다</a:t>
-            </a:r>
-            <a:r>
-              <a:rPr kumimoji="1" lang="en-US" altLang="ko-KR" dirty="0"/>
-              <a:t>.</a:t>
-            </a:r>
-            <a:endParaRPr kumimoji="1" lang="ko-Kore-KR" altLang="en-US" dirty="0"/>
-          </a:p>
-        </p:txBody>
-      </p:sp>
-      <p:sp>
-        <p:nvSpPr>
-          <p:cNvPr id="16" name="TextBox 15">
-            <a:extLst>
-              <a:ext uri="{FF2B5EF4-FFF2-40B4-BE49-F238E27FC236}">
-                <a16:creationId xmlns:a16="http://schemas.microsoft.com/office/drawing/2014/main" id="{70EE8D22-78BE-2ABA-3CD7-1002E372475C}"/>
-              </a:ext>
-            </a:extLst>
-          </p:cNvPr>
-          <p:cNvSpPr txBox="1"/>
-          <p:nvPr/>
-        </p:nvSpPr>
-        <p:spPr>
-          <a:xfrm>
-            <a:off x="623212" y="1499192"/>
-            <a:ext cx="7713074" cy="369332"/>
-          </a:xfrm>
-          <a:prstGeom prst="rect">
-            <a:avLst/>
-          </a:prstGeom>
-          <a:noFill/>
-        </p:spPr>
-        <p:txBody>
-          <a:bodyPr wrap="none" rtlCol="0">
-            <a:spAutoFit/>
-          </a:bodyPr>
-          <a:lstStyle/>
-          <a:p>
-            <a:r>
-              <a:rPr lang="ko-Kore-KR" altLang="en-US" dirty="0">
-                <a:solidFill>
-                  <a:srgbClr val="222222"/>
-                </a:solidFill>
-                <a:latin typeface="Arial" panose="020B0604020202020204" pitchFamily="34" charset="0"/>
-              </a:rPr>
-              <a:t>✓ </a:t>
-            </a:r>
-            <a:r>
-              <a:rPr kumimoji="1" lang="en-US" altLang="ko-Kore-KR" dirty="0"/>
-              <a:t>Midterm Scheduling </a:t>
-            </a:r>
-            <a:r>
-              <a:rPr kumimoji="1" lang="ko-KR" altLang="en-US" dirty="0"/>
-              <a:t>문제를 </a:t>
-            </a:r>
-            <a:r>
-              <a:rPr kumimoji="1" lang="en-US" altLang="ko-KR" b="1" dirty="0"/>
-              <a:t>m-Coloring</a:t>
-            </a:r>
-            <a:r>
-              <a:rPr kumimoji="1" lang="ko-KR" altLang="en-US" b="1" dirty="0"/>
-              <a:t> 문제로 추상화</a:t>
-            </a:r>
-            <a:r>
-              <a:rPr kumimoji="1" lang="ko-KR" altLang="en-US" dirty="0"/>
-              <a:t>하여 해결할 수 있다</a:t>
-            </a:r>
-            <a:r>
-              <a:rPr kumimoji="1" lang="en-US" altLang="ko-KR" dirty="0"/>
-              <a:t>.</a:t>
-            </a:r>
-            <a:endParaRPr kumimoji="1" lang="ko-Kore-KR" altLang="en-US" dirty="0"/>
-          </a:p>
-        </p:txBody>
-      </p:sp>
-      <p:sp>
-        <p:nvSpPr>
-          <p:cNvPr id="18" name="TextBox 17">
-            <a:extLst>
-              <a:ext uri="{FF2B5EF4-FFF2-40B4-BE49-F238E27FC236}">
-                <a16:creationId xmlns:a16="http://schemas.microsoft.com/office/drawing/2014/main" id="{45A8886F-0CE4-38FB-4CDC-A83FC8C24F8D}"/>
-              </a:ext>
-            </a:extLst>
-          </p:cNvPr>
-          <p:cNvSpPr txBox="1"/>
-          <p:nvPr/>
-        </p:nvSpPr>
-        <p:spPr>
-          <a:xfrm>
-            <a:off x="803462" y="2395921"/>
-            <a:ext cx="6098240" cy="1200329"/>
-          </a:xfrm>
-          <a:prstGeom prst="rect">
-            <a:avLst/>
-          </a:prstGeom>
-          <a:noFill/>
-        </p:spPr>
-        <p:txBody>
-          <a:bodyPr wrap="square">
-            <a:spAutoFit/>
-          </a:bodyPr>
-          <a:lstStyle/>
-          <a:p>
-            <a:r>
-              <a:rPr lang="en" altLang="ko-Kore-KR" dirty="0"/>
-              <a:t>Exam Day 1 -&gt; A</a:t>
-            </a:r>
-          </a:p>
-          <a:p>
-            <a:r>
-              <a:rPr lang="en" altLang="ko-Kore-KR" dirty="0"/>
-              <a:t>Exam Day 2 -&gt; B</a:t>
-            </a:r>
-          </a:p>
-          <a:p>
-            <a:r>
-              <a:rPr lang="en" altLang="ko-Kore-KR" dirty="0"/>
-              <a:t>Exam Day 3 -&gt; C F</a:t>
-            </a:r>
-          </a:p>
-          <a:p>
-            <a:r>
-              <a:rPr lang="en" altLang="ko-Kore-KR" dirty="0"/>
-              <a:t>Exam Day 4 -&gt; D E</a:t>
-            </a:r>
-            <a:endParaRPr lang="ko-Kore-KR" altLang="en-US" dirty="0"/>
-          </a:p>
-        </p:txBody>
-      </p:sp>
-      <p:sp>
-        <p:nvSpPr>
-          <p:cNvPr id="24" name="TextBox 23">
-            <a:extLst>
-              <a:ext uri="{FF2B5EF4-FFF2-40B4-BE49-F238E27FC236}">
-                <a16:creationId xmlns:a16="http://schemas.microsoft.com/office/drawing/2014/main" id="{1B62461E-7A36-E921-57F0-9061A52FF7F7}"/>
-              </a:ext>
-            </a:extLst>
-          </p:cNvPr>
-          <p:cNvSpPr txBox="1"/>
-          <p:nvPr/>
-        </p:nvSpPr>
-        <p:spPr>
-          <a:xfrm>
-            <a:off x="3046880" y="2395920"/>
-            <a:ext cx="6098240" cy="1200329"/>
-          </a:xfrm>
-          <a:prstGeom prst="rect">
-            <a:avLst/>
-          </a:prstGeom>
-          <a:noFill/>
-        </p:spPr>
-        <p:txBody>
-          <a:bodyPr wrap="square">
-            <a:spAutoFit/>
-          </a:bodyPr>
-          <a:lstStyle/>
-          <a:p>
-            <a:r>
-              <a:rPr lang="ko-Kore-KR" altLang="en-US" dirty="0"/>
-              <a:t>Exam Day 1 -&gt; A</a:t>
-            </a:r>
-          </a:p>
-          <a:p>
-            <a:r>
-              <a:rPr lang="ko-Kore-KR" altLang="en-US" dirty="0"/>
-              <a:t>Exam Day 2 -&gt; B</a:t>
-            </a:r>
-          </a:p>
-          <a:p>
-            <a:r>
-              <a:rPr lang="ko-Kore-KR" altLang="en-US" dirty="0"/>
-              <a:t>Exam Day 3 -&gt; D E</a:t>
-            </a:r>
-          </a:p>
-          <a:p>
-            <a:r>
-              <a:rPr lang="ko-Kore-KR" altLang="en-US" dirty="0"/>
-              <a:t>Exam Day 4 -&gt; C F</a:t>
-            </a:r>
-          </a:p>
-        </p:txBody>
-      </p:sp>
-      <p:sp>
-        <p:nvSpPr>
-          <p:cNvPr id="26" name="TextBox 25">
-            <a:extLst>
-              <a:ext uri="{FF2B5EF4-FFF2-40B4-BE49-F238E27FC236}">
-                <a16:creationId xmlns:a16="http://schemas.microsoft.com/office/drawing/2014/main" id="{5E7A1567-0E15-F2A2-CFE3-0627CFDC9E36}"/>
-              </a:ext>
-            </a:extLst>
-          </p:cNvPr>
-          <p:cNvSpPr txBox="1"/>
-          <p:nvPr/>
-        </p:nvSpPr>
-        <p:spPr>
-          <a:xfrm>
-            <a:off x="7637252" y="2395919"/>
-            <a:ext cx="6098240" cy="1200329"/>
-          </a:xfrm>
-          <a:prstGeom prst="rect">
-            <a:avLst/>
-          </a:prstGeom>
-          <a:noFill/>
-        </p:spPr>
-        <p:txBody>
-          <a:bodyPr wrap="square">
-            <a:spAutoFit/>
-          </a:bodyPr>
-          <a:lstStyle/>
-          <a:p>
-            <a:r>
-              <a:rPr lang="ko-Kore-KR" altLang="en-US" dirty="0"/>
-              <a:t>Exam Day 1 -&gt; A</a:t>
-            </a:r>
-          </a:p>
-          <a:p>
-            <a:r>
-              <a:rPr lang="ko-Kore-KR" altLang="en-US" dirty="0"/>
-              <a:t>Exam Day 2 -&gt; C F</a:t>
-            </a:r>
-          </a:p>
-          <a:p>
-            <a:r>
-              <a:rPr lang="ko-Kore-KR" altLang="en-US" dirty="0"/>
-              <a:t>Exam Day 3 -&gt; D E</a:t>
-            </a:r>
-          </a:p>
-          <a:p>
-            <a:r>
-              <a:rPr lang="ko-Kore-KR" altLang="en-US" dirty="0"/>
-              <a:t>Exam Day 4 -&gt; B</a:t>
-            </a:r>
-          </a:p>
-        </p:txBody>
-      </p:sp>
-      <p:sp>
-        <p:nvSpPr>
-          <p:cNvPr id="29" name="TextBox 28">
-            <a:extLst>
-              <a:ext uri="{FF2B5EF4-FFF2-40B4-BE49-F238E27FC236}">
-                <a16:creationId xmlns:a16="http://schemas.microsoft.com/office/drawing/2014/main" id="{70C86C20-AD00-5D8E-B4E7-13973C5F4521}"/>
-              </a:ext>
-            </a:extLst>
-          </p:cNvPr>
-          <p:cNvSpPr txBox="1"/>
-          <p:nvPr/>
-        </p:nvSpPr>
-        <p:spPr>
-          <a:xfrm>
-            <a:off x="5314950" y="2395919"/>
-            <a:ext cx="2006973" cy="1200329"/>
-          </a:xfrm>
-          <a:prstGeom prst="rect">
-            <a:avLst/>
-          </a:prstGeom>
-          <a:noFill/>
-        </p:spPr>
-        <p:txBody>
-          <a:bodyPr wrap="square">
-            <a:spAutoFit/>
-          </a:bodyPr>
-          <a:lstStyle/>
-          <a:p>
-            <a:r>
-              <a:rPr lang="ko-Kore-KR" altLang="en-US" dirty="0"/>
-              <a:t>Exam Day 1 -&gt; A</a:t>
-            </a:r>
-          </a:p>
-          <a:p>
-            <a:r>
-              <a:rPr lang="ko-Kore-KR" altLang="en-US" dirty="0"/>
-              <a:t>Exam Day 2 -&gt; D E</a:t>
-            </a:r>
-          </a:p>
-          <a:p>
-            <a:r>
-              <a:rPr lang="ko-Kore-KR" altLang="en-US" dirty="0"/>
-              <a:t>Exam Day 3 -&gt; B</a:t>
-            </a:r>
-          </a:p>
-          <a:p>
-            <a:r>
-              <a:rPr lang="ko-Kore-KR" altLang="en-US" dirty="0"/>
-              <a:t>Exam Day 4 -&gt; C F</a:t>
-            </a:r>
-          </a:p>
-        </p:txBody>
-      </p:sp>
-      <p:sp>
-        <p:nvSpPr>
-          <p:cNvPr id="30" name="TextBox 29">
-            <a:extLst>
-              <a:ext uri="{FF2B5EF4-FFF2-40B4-BE49-F238E27FC236}">
-                <a16:creationId xmlns:a16="http://schemas.microsoft.com/office/drawing/2014/main" id="{955A198E-30B6-0364-3A05-456F54ECBA83}"/>
-              </a:ext>
-            </a:extLst>
-          </p:cNvPr>
-          <p:cNvSpPr txBox="1"/>
-          <p:nvPr/>
-        </p:nvSpPr>
-        <p:spPr>
-          <a:xfrm>
-            <a:off x="9914377" y="2765251"/>
-            <a:ext cx="554960" cy="369332"/>
-          </a:xfrm>
-          <a:prstGeom prst="rect">
-            <a:avLst/>
-          </a:prstGeom>
-          <a:noFill/>
-        </p:spPr>
-        <p:txBody>
-          <a:bodyPr wrap="none" rtlCol="0">
-            <a:spAutoFit/>
-          </a:bodyPr>
-          <a:lstStyle/>
-          <a:p>
-            <a:r>
-              <a:rPr kumimoji="1" lang="en-US" altLang="ko-Kore-KR" dirty="0"/>
-              <a:t>… …</a:t>
-            </a:r>
-            <a:endParaRPr kumimoji="1" lang="ko-Kore-KR" altLang="en-US" dirty="0"/>
-          </a:p>
-        </p:txBody>
-      </p:sp>
-      <p:sp>
-        <p:nvSpPr>
-          <p:cNvPr id="31" name="TextBox 30">
-            <a:extLst>
-              <a:ext uri="{FF2B5EF4-FFF2-40B4-BE49-F238E27FC236}">
-                <a16:creationId xmlns:a16="http://schemas.microsoft.com/office/drawing/2014/main" id="{062FEAF3-ECE1-2F95-08BB-FD7DE52463B5}"/>
-              </a:ext>
-            </a:extLst>
-          </p:cNvPr>
-          <p:cNvSpPr txBox="1"/>
-          <p:nvPr/>
-        </p:nvSpPr>
-        <p:spPr>
-          <a:xfrm>
-            <a:off x="803462" y="3534583"/>
-            <a:ext cx="5415265" cy="369332"/>
-          </a:xfrm>
-          <a:prstGeom prst="rect">
-            <a:avLst/>
-          </a:prstGeom>
-          <a:noFill/>
-        </p:spPr>
-        <p:txBody>
-          <a:bodyPr wrap="none" rtlCol="0">
-            <a:spAutoFit/>
-          </a:bodyPr>
-          <a:lstStyle/>
-          <a:p>
-            <a:r>
-              <a:rPr kumimoji="1" lang="en-US" altLang="ko-KR" dirty="0"/>
-              <a:t>-&gt;</a:t>
-            </a:r>
-            <a:r>
-              <a:rPr kumimoji="1" lang="ko-KR" altLang="en-US" dirty="0"/>
-              <a:t> 위의 케이스들이 사실상 순서만 바뀐 같은 케이스</a:t>
-            </a:r>
-            <a:r>
-              <a:rPr kumimoji="1" lang="en-US" altLang="ko-KR" dirty="0"/>
-              <a:t>.</a:t>
-            </a:r>
-            <a:endParaRPr kumimoji="1" lang="ko-Kore-KR" altLang="en-US" dirty="0"/>
-          </a:p>
-        </p:txBody>
-      </p:sp>
-      <p:sp>
-        <p:nvSpPr>
-          <p:cNvPr id="32" name="TextBox 31">
-            <a:extLst>
-              <a:ext uri="{FF2B5EF4-FFF2-40B4-BE49-F238E27FC236}">
-                <a16:creationId xmlns:a16="http://schemas.microsoft.com/office/drawing/2014/main" id="{B68C2A64-F76E-BD48-F690-22EFB92FD6F4}"/>
-              </a:ext>
-            </a:extLst>
-          </p:cNvPr>
-          <p:cNvSpPr txBox="1"/>
-          <p:nvPr/>
-        </p:nvSpPr>
-        <p:spPr>
-          <a:xfrm>
-            <a:off x="623212" y="4029711"/>
-            <a:ext cx="10743647" cy="369332"/>
-          </a:xfrm>
-          <a:prstGeom prst="rect">
-            <a:avLst/>
-          </a:prstGeom>
-          <a:noFill/>
-        </p:spPr>
-        <p:txBody>
-          <a:bodyPr wrap="none" rtlCol="0">
-            <a:spAutoFit/>
-          </a:bodyPr>
-          <a:lstStyle/>
-          <a:p>
-            <a:r>
-              <a:rPr lang="ko-Kore-KR" altLang="en-US" dirty="0">
-                <a:solidFill>
-                  <a:srgbClr val="222222"/>
-                </a:solidFill>
-                <a:latin typeface="Arial" panose="020B0604020202020204" pitchFamily="34" charset="0"/>
-              </a:rPr>
-              <a:t>✓ </a:t>
-            </a:r>
-            <a:r>
-              <a:rPr kumimoji="1" lang="ko-KR" altLang="en-US" b="1" dirty="0"/>
-              <a:t>과목 사이의 관계를 기반으로 작성</a:t>
-            </a:r>
-            <a:r>
-              <a:rPr kumimoji="1" lang="ko-KR" altLang="en-US" dirty="0"/>
-              <a:t>한 코드이기 때문에 </a:t>
-            </a:r>
-            <a:r>
-              <a:rPr kumimoji="1" lang="ko-KR" altLang="en-US" b="1" dirty="0"/>
-              <a:t>더 많은 학생</a:t>
-            </a:r>
-            <a:r>
-              <a:rPr kumimoji="1" lang="en-US" altLang="ko-KR" b="1" dirty="0"/>
-              <a:t>,</a:t>
-            </a:r>
-            <a:r>
-              <a:rPr kumimoji="1" lang="ko-KR" altLang="en-US" b="1" dirty="0"/>
-              <a:t> 과목수</a:t>
-            </a:r>
-            <a:r>
-              <a:rPr kumimoji="1" lang="ko-KR" altLang="en-US" dirty="0"/>
-              <a:t>에 대해서도 처리할 수 있다</a:t>
-            </a:r>
-            <a:r>
-              <a:rPr kumimoji="1" lang="en-US" altLang="ko-KR" dirty="0"/>
-              <a:t>.</a:t>
-            </a:r>
-            <a:endParaRPr kumimoji="1" lang="ko-Kore-KR" altLang="en-US" dirty="0"/>
-          </a:p>
-        </p:txBody>
-      </p:sp>
-      <p:pic>
-        <p:nvPicPr>
-          <p:cNvPr id="33" name="그림 32">
-            <a:extLst>
-              <a:ext uri="{FF2B5EF4-FFF2-40B4-BE49-F238E27FC236}">
-                <a16:creationId xmlns:a16="http://schemas.microsoft.com/office/drawing/2014/main" id="{90EABAC0-5844-0817-AC21-A1DA9B8AAFCC}"/>
-              </a:ext>
-            </a:extLst>
-          </p:cNvPr>
-          <p:cNvPicPr>
-            <a:picLocks noChangeAspect="1"/>
-          </p:cNvPicPr>
-          <p:nvPr/>
-        </p:nvPicPr>
-        <p:blipFill>
-          <a:blip r:embed="rId3"/>
-          <a:stretch>
-            <a:fillRect/>
-          </a:stretch>
-        </p:blipFill>
-        <p:spPr>
-          <a:xfrm>
-            <a:off x="1006663" y="4521377"/>
-            <a:ext cx="2235200" cy="863600"/>
-          </a:xfrm>
-          <a:prstGeom prst="rect">
-            <a:avLst/>
-          </a:prstGeom>
-        </p:spPr>
-      </p:pic>
-      <p:pic>
-        <p:nvPicPr>
-          <p:cNvPr id="34" name="그림 33">
-            <a:extLst>
-              <a:ext uri="{FF2B5EF4-FFF2-40B4-BE49-F238E27FC236}">
-                <a16:creationId xmlns:a16="http://schemas.microsoft.com/office/drawing/2014/main" id="{EC7B7BC0-4BAC-2B09-A4D0-FDF840ECEB9B}"/>
-              </a:ext>
-            </a:extLst>
-          </p:cNvPr>
-          <p:cNvPicPr>
-            <a:picLocks noChangeAspect="1"/>
-          </p:cNvPicPr>
-          <p:nvPr/>
-        </p:nvPicPr>
-        <p:blipFill>
-          <a:blip r:embed="rId4"/>
-          <a:stretch>
-            <a:fillRect/>
-          </a:stretch>
-        </p:blipFill>
-        <p:spPr>
-          <a:xfrm>
-            <a:off x="3266515" y="4521376"/>
-            <a:ext cx="962160" cy="2240253"/>
-          </a:xfrm>
-          <a:prstGeom prst="rect">
-            <a:avLst/>
-          </a:prstGeom>
-        </p:spPr>
-      </p:pic>
-      <p:pic>
-        <p:nvPicPr>
-          <p:cNvPr id="35" name="그림 34">
-            <a:extLst>
-              <a:ext uri="{FF2B5EF4-FFF2-40B4-BE49-F238E27FC236}">
-                <a16:creationId xmlns:a16="http://schemas.microsoft.com/office/drawing/2014/main" id="{9AA4E8F9-2365-9543-F101-11DE750BC6B6}"/>
-              </a:ext>
-            </a:extLst>
-          </p:cNvPr>
-          <p:cNvPicPr>
-            <a:picLocks noChangeAspect="1"/>
-          </p:cNvPicPr>
-          <p:nvPr/>
-        </p:nvPicPr>
-        <p:blipFill>
-          <a:blip r:embed="rId5"/>
-          <a:stretch>
-            <a:fillRect/>
-          </a:stretch>
-        </p:blipFill>
-        <p:spPr>
-          <a:xfrm>
-            <a:off x="4253327" y="4507010"/>
-            <a:ext cx="841107" cy="2255992"/>
-          </a:xfrm>
-          <a:prstGeom prst="rect">
-            <a:avLst/>
-          </a:prstGeom>
-        </p:spPr>
-      </p:pic>
-      <p:pic>
-        <p:nvPicPr>
-          <p:cNvPr id="36" name="그림 35">
-            <a:extLst>
-              <a:ext uri="{FF2B5EF4-FFF2-40B4-BE49-F238E27FC236}">
-                <a16:creationId xmlns:a16="http://schemas.microsoft.com/office/drawing/2014/main" id="{57102DB9-5B09-6309-5490-75DB16ED6480}"/>
-              </a:ext>
-            </a:extLst>
-          </p:cNvPr>
-          <p:cNvPicPr>
-            <a:picLocks noChangeAspect="1"/>
-          </p:cNvPicPr>
-          <p:nvPr/>
-        </p:nvPicPr>
-        <p:blipFill>
-          <a:blip r:embed="rId6"/>
-          <a:stretch>
-            <a:fillRect/>
-          </a:stretch>
-        </p:blipFill>
-        <p:spPr>
-          <a:xfrm>
-            <a:off x="5119087" y="4505637"/>
-            <a:ext cx="686606" cy="2255992"/>
-          </a:xfrm>
-          <a:prstGeom prst="rect">
-            <a:avLst/>
-          </a:prstGeom>
-        </p:spPr>
-      </p:pic>
-      <p:sp>
-        <p:nvSpPr>
-          <p:cNvPr id="37" name="TextBox 36">
-            <a:extLst>
-              <a:ext uri="{FF2B5EF4-FFF2-40B4-BE49-F238E27FC236}">
-                <a16:creationId xmlns:a16="http://schemas.microsoft.com/office/drawing/2014/main" id="{FAC02587-E026-DEDA-AEA6-49D48E1D56B7}"/>
-              </a:ext>
-            </a:extLst>
-          </p:cNvPr>
-          <p:cNvSpPr txBox="1"/>
-          <p:nvPr/>
-        </p:nvSpPr>
-        <p:spPr>
-          <a:xfrm>
-            <a:off x="5958459" y="5200311"/>
-            <a:ext cx="554960" cy="369332"/>
-          </a:xfrm>
-          <a:prstGeom prst="rect">
-            <a:avLst/>
-          </a:prstGeom>
-          <a:noFill/>
-        </p:spPr>
-        <p:txBody>
-          <a:bodyPr wrap="none" rtlCol="0">
-            <a:spAutoFit/>
-          </a:bodyPr>
-          <a:lstStyle/>
-          <a:p>
-            <a:r>
-              <a:rPr kumimoji="1" lang="en-US" altLang="ko-Kore-KR" dirty="0"/>
-              <a:t>… …</a:t>
-            </a:r>
-            <a:endParaRPr kumimoji="1" lang="ko-Kore-KR" altLang="en-US" dirty="0"/>
           </a:p>
         </p:txBody>
       </p:sp>
     </p:spTree>
     <p:extLst>
       <p:ext uri="{BB962C8B-B14F-4D97-AF65-F5344CB8AC3E}">
-        <p14:creationId xmlns:p14="http://schemas.microsoft.com/office/powerpoint/2010/main" val="3054897143"/>
+        <p14:creationId xmlns:p14="http://schemas.microsoft.com/office/powerpoint/2010/main" val="564318232"/>
       </p:ext>
     </p:extLst>
   </p:cSld>
@@ -6395,10 +5849,10 @@
       </p:grpSpPr>
       <p:sp>
         <p:nvSpPr>
-          <p:cNvPr id="2" name="제목 1">
+          <p:cNvPr id="2" name="슬라이드 번호 개체 틀 1">
             <a:extLst>
               <a:ext uri="{FF2B5EF4-FFF2-40B4-BE49-F238E27FC236}">
-                <a16:creationId xmlns:a16="http://schemas.microsoft.com/office/drawing/2014/main" id="{BB39ED08-279B-7103-B03C-252A13B1E158}"/>
+                <a16:creationId xmlns:a16="http://schemas.microsoft.com/office/drawing/2014/main" id="{C899270C-4370-FE2E-8C38-C9A5AA37650D}"/>
               </a:ext>
             </a:extLst>
           </p:cNvPr>
@@ -6406,32 +5860,254 @@
             <a:spLocks noGrp="1"/>
           </p:cNvSpPr>
           <p:nvPr>
-            <p:ph type="ctrTitle"/>
+            <p:ph type="sldNum" sz="quarter" idx="7"/>
           </p:nvPr>
+        </p:nvSpPr>
+        <p:spPr/>
+        <p:txBody>
+          <a:bodyPr/>
+          <a:lstStyle/>
+          <a:p>
+            <a:pPr marL="38100" marR="0" lvl="0" indent="0" algn="l" defTabSz="914400" rtl="0" eaLnBrk="1" fontAlgn="auto" latinLnBrk="0" hangingPunct="1">
+              <a:lnSpc>
+                <a:spcPts val="1240"/>
+              </a:lnSpc>
+              <a:spcBef>
+                <a:spcPts val="0"/>
+              </a:spcBef>
+              <a:spcAft>
+                <a:spcPts val="0"/>
+              </a:spcAft>
+              <a:buClrTx/>
+              <a:buSzTx/>
+              <a:buFontTx/>
+              <a:buNone/>
+              <a:tabLst/>
+              <a:defRPr/>
+            </a:pPr>
+            <a:fld id="{81D60167-4931-47E6-BA6A-407CBD079E47}" type="slidenum">
+              <a:rPr kumimoji="0" lang="en-US" altLang="ko-Kore-KR" sz="1200" b="0" i="0" u="none" strike="noStrike" kern="1200" cap="none" spc="0" normalizeH="0" baseline="0" noProof="0" smtClean="0">
+                <a:ln>
+                  <a:noFill/>
+                </a:ln>
+                <a:solidFill>
+                  <a:srgbClr val="001F5F"/>
+                </a:solidFill>
+                <a:effectLst/>
+                <a:uLnTx/>
+                <a:uFillTx/>
+                <a:latin typeface="Calibri"/>
+                <a:ea typeface="+mn-ea"/>
+                <a:cs typeface="Calibri"/>
+              </a:rPr>
+              <a:pPr marL="38100" marR="0" lvl="0" indent="0" algn="l" defTabSz="914400" rtl="0" eaLnBrk="1" fontAlgn="auto" latinLnBrk="0" hangingPunct="1">
+                <a:lnSpc>
+                  <a:spcPts val="1240"/>
+                </a:lnSpc>
+                <a:spcBef>
+                  <a:spcPts val="0"/>
+                </a:spcBef>
+                <a:spcAft>
+                  <a:spcPts val="0"/>
+                </a:spcAft>
+                <a:buClrTx/>
+                <a:buSzTx/>
+                <a:buFontTx/>
+                <a:buNone/>
+                <a:tabLst/>
+                <a:defRPr/>
+              </a:pPr>
+              <a:t>11</a:t>
+            </a:fld>
+            <a:endParaRPr kumimoji="0" lang="en-US" altLang="ko-Kore-KR" sz="1200" b="0" i="0" u="none" strike="noStrike" kern="1200" cap="none" spc="0" normalizeH="0" baseline="0" noProof="0" dirty="0">
+              <a:ln>
+                <a:noFill/>
+              </a:ln>
+              <a:solidFill>
+                <a:srgbClr val="001F5F"/>
+              </a:solidFill>
+              <a:effectLst/>
+              <a:uLnTx/>
+              <a:uFillTx/>
+              <a:latin typeface="Calibri"/>
+              <a:ea typeface="+mn-ea"/>
+              <a:cs typeface="Calibri"/>
+            </a:endParaRPr>
+          </a:p>
+        </p:txBody>
+      </p:sp>
+      <p:sp>
+        <p:nvSpPr>
+          <p:cNvPr id="3" name="TextBox 2">
+            <a:extLst>
+              <a:ext uri="{FF2B5EF4-FFF2-40B4-BE49-F238E27FC236}">
+                <a16:creationId xmlns:a16="http://schemas.microsoft.com/office/drawing/2014/main" id="{4690B63D-9B58-E203-0BB9-26FA1A8E48A7}"/>
+              </a:ext>
+            </a:extLst>
+          </p:cNvPr>
+          <p:cNvSpPr txBox="1"/>
+          <p:nvPr/>
         </p:nvSpPr>
         <p:spPr>
           <a:xfrm>
-            <a:off x="1524000" y="2235200"/>
-            <a:ext cx="9144000" cy="2387600"/>
+            <a:off x="744937" y="661086"/>
+            <a:ext cx="2475358" cy="769441"/>
           </a:xfrm>
+          <a:prstGeom prst="rect">
+            <a:avLst/>
+          </a:prstGeom>
+          <a:noFill/>
         </p:spPr>
         <p:txBody>
-          <a:bodyPr anchor="ctr" anchorCtr="1"/>
+          <a:bodyPr wrap="none" rtlCol="0">
+            <a:spAutoFit/>
+          </a:bodyPr>
           <a:lstStyle/>
           <a:p>
-            <a:r>
-              <a:rPr kumimoji="1" lang="en-US" altLang="ko-Kore-KR" b="1" dirty="0">
-                <a:latin typeface="+mj-ea"/>
+            <a:pPr marL="0" marR="0" lvl="0" indent="0" algn="l" defTabSz="914400" rtl="0" eaLnBrk="1" fontAlgn="auto" latinLnBrk="0" hangingPunct="1">
+              <a:lnSpc>
+                <a:spcPct val="100000"/>
+              </a:lnSpc>
+              <a:spcBef>
+                <a:spcPts val="0"/>
+              </a:spcBef>
+              <a:spcAft>
+                <a:spcPts val="0"/>
+              </a:spcAft>
+              <a:buClrTx/>
+              <a:buSzTx/>
+              <a:buFontTx/>
+              <a:buNone/>
+              <a:tabLst/>
+              <a:defRPr/>
+            </a:pPr>
+            <a:r>
+              <a:rPr kumimoji="1" lang="en-US" altLang="ko-Kore-KR" sz="4400" b="0" i="0" u="none" strike="noStrike" kern="1200" cap="none" spc="0" normalizeH="0" baseline="0" noProof="0" dirty="0">
+                <a:ln>
+                  <a:noFill/>
+                </a:ln>
+                <a:solidFill>
+                  <a:prstClr val="black"/>
+                </a:solidFill>
+                <a:effectLst/>
+                <a:uLnTx/>
+                <a:uFillTx/>
+                <a:latin typeface="+mn-lt"/>
+                <a:ea typeface="+mn-ea"/>
+                <a:cs typeface="+mn-cs"/>
               </a:rPr>
-              <a:t>Q &amp; A</a:t>
-            </a:r>
-            <a:br>
-              <a:rPr kumimoji="1" lang="en-US" altLang="ko-Kore-KR" dirty="0">
-                <a:latin typeface="+mj-ea"/>
+              <a:t>Full code</a:t>
+            </a:r>
+            <a:endParaRPr kumimoji="1" lang="ko-Kore-KR" altLang="en-US" sz="4400" b="0" i="0" u="none" strike="noStrike" kern="1200" cap="none" spc="0" normalizeH="0" baseline="0" noProof="0" dirty="0">
+              <a:ln>
+                <a:noFill/>
+              </a:ln>
+              <a:solidFill>
+                <a:prstClr val="black"/>
+              </a:solidFill>
+              <a:effectLst/>
+              <a:uLnTx/>
+              <a:uFillTx/>
+              <a:latin typeface="+mn-lt"/>
+              <a:ea typeface="+mn-ea"/>
+              <a:cs typeface="+mn-cs"/>
+            </a:endParaRPr>
+          </a:p>
+        </p:txBody>
+      </p:sp>
+      <p:sp>
+        <p:nvSpPr>
+          <p:cNvPr id="5" name="TextBox 4">
+            <a:extLst>
+              <a:ext uri="{FF2B5EF4-FFF2-40B4-BE49-F238E27FC236}">
+                <a16:creationId xmlns:a16="http://schemas.microsoft.com/office/drawing/2014/main" id="{1E727379-7080-FF17-33F5-8BAA1547768D}"/>
+              </a:ext>
+            </a:extLst>
+          </p:cNvPr>
+          <p:cNvSpPr txBox="1"/>
+          <p:nvPr/>
+        </p:nvSpPr>
+        <p:spPr>
+          <a:xfrm>
+            <a:off x="744937" y="1544664"/>
+            <a:ext cx="7890390" cy="477054"/>
+          </a:xfrm>
+          <a:prstGeom prst="rect">
+            <a:avLst/>
+          </a:prstGeom>
+          <a:noFill/>
+        </p:spPr>
+        <p:txBody>
+          <a:bodyPr wrap="square" rtlCol="0">
+            <a:spAutoFit/>
+          </a:bodyPr>
+          <a:lstStyle/>
+          <a:p>
+            <a:pPr marL="0" marR="0" lvl="0" indent="0" algn="l" defTabSz="914400" rtl="0" eaLnBrk="1" fontAlgn="auto" latinLnBrk="0" hangingPunct="1">
+              <a:lnSpc>
+                <a:spcPct val="100000"/>
+              </a:lnSpc>
+              <a:spcBef>
+                <a:spcPts val="0"/>
+              </a:spcBef>
+              <a:spcAft>
+                <a:spcPts val="0"/>
+              </a:spcAft>
+              <a:buClrTx/>
+              <a:buSzTx/>
+              <a:buFontTx/>
+              <a:buNone/>
+              <a:tabLst/>
+              <a:defRPr/>
+            </a:pPr>
+            <a:r>
+              <a:rPr kumimoji="0" lang="ko-Kore-KR" altLang="en-US" sz="2500" b="0" i="0" u="none" strike="noStrike" kern="1200" cap="none" spc="0" normalizeH="0" baseline="0" noProof="0" dirty="0">
+                <a:ln>
+                  <a:noFill/>
+                </a:ln>
+                <a:solidFill>
+                  <a:srgbClr val="222222"/>
+                </a:solidFill>
+                <a:effectLst/>
+                <a:uLnTx/>
+                <a:uFillTx/>
+                <a:latin typeface="Arial" panose="020B0604020202020204" pitchFamily="34" charset="0"/>
+                <a:ea typeface="+mn-ea"/>
+                <a:cs typeface="+mn-cs"/>
               </a:rPr>
-            </a:br>
-            <a:endParaRPr kumimoji="1" lang="ko-Kore-KR" altLang="en-US" sz="4000" dirty="0">
-              <a:latin typeface="+mj-ea"/>
+              <a:t>✓ </a:t>
+            </a:r>
+            <a:r>
+              <a:rPr kumimoji="1" lang="en" altLang="ko-Kore-KR" sz="2500" b="0" i="0" u="none" strike="noStrike" kern="1200" cap="none" spc="0" normalizeH="0" baseline="0" noProof="0" dirty="0">
+                <a:ln>
+                  <a:noFill/>
+                </a:ln>
+                <a:solidFill>
+                  <a:prstClr val="black"/>
+                </a:solidFill>
+                <a:effectLst/>
+                <a:uLnTx/>
+                <a:uFillTx/>
+                <a:latin typeface="Calibri"/>
+                <a:ea typeface="+mn-ea"/>
+                <a:cs typeface="+mn-cs"/>
+                <a:hlinkClick r:id="rId3"/>
+              </a:rPr>
+              <a:t>https://github.com/Much3m/Exam_Scheduler.git</a:t>
+            </a:r>
+            <a:endParaRPr kumimoji="1" lang="ko-Kore-KR" altLang="en-US" sz="2500" b="0" i="0" u="none" strike="noStrike" kern="1200" cap="none" spc="0" normalizeH="0" baseline="0" noProof="0" dirty="0">
+              <a:ln>
+                <a:noFill/>
+              </a:ln>
+              <a:solidFill>
+                <a:prstClr val="black"/>
+              </a:solidFill>
+              <a:effectLst/>
+              <a:uLnTx/>
+              <a:uFillTx/>
+              <a:latin typeface="Calibri"/>
+              <a:ea typeface="+mn-ea"/>
+              <a:cs typeface="+mn-cs"/>
             </a:endParaRPr>
           </a:p>
         </p:txBody>
@@ -6439,7 +6115,7 @@
     </p:spTree>
     <p:extLst>
       <p:ext uri="{BB962C8B-B14F-4D97-AF65-F5344CB8AC3E}">
-        <p14:creationId xmlns:p14="http://schemas.microsoft.com/office/powerpoint/2010/main" val="564318232"/>
+        <p14:creationId xmlns:p14="http://schemas.microsoft.com/office/powerpoint/2010/main" val="2088457199"/>
       </p:ext>
     </p:extLst>
   </p:cSld>
@@ -7465,13 +7141,7 @@
           <p:cNvGraphicFramePr>
             <a:graphicFrameLocks noGrp="1"/>
           </p:cNvGraphicFramePr>
-          <p:nvPr>
-            <p:extLst>
-              <p:ext uri="{D42A27DB-BD31-4B8C-83A1-F6EECF244321}">
-                <p14:modId xmlns:p14="http://schemas.microsoft.com/office/powerpoint/2010/main" val="101101566"/>
-              </p:ext>
-            </p:extLst>
-          </p:nvPr>
+          <p:nvPr/>
         </p:nvGraphicFramePr>
         <p:xfrm>
           <a:off x="900425" y="1634066"/>
@@ -7942,7 +7612,7 @@
         </p:nvSpPr>
         <p:spPr>
           <a:xfrm>
-            <a:off x="900424" y="4453612"/>
+            <a:off x="900425" y="4842801"/>
             <a:ext cx="10644721" cy="477054"/>
           </a:xfrm>
           <a:prstGeom prst="rect">
@@ -8393,7 +8063,7 @@
         </p:nvSpPr>
         <p:spPr>
           <a:xfrm>
-            <a:off x="1220372" y="5422047"/>
+            <a:off x="1220372" y="5319855"/>
             <a:ext cx="9073243" cy="400110"/>
           </a:xfrm>
           <a:prstGeom prst="rect">
@@ -8578,7 +8248,7 @@
         </p:nvSpPr>
         <p:spPr>
           <a:xfrm>
-            <a:off x="1220373" y="5021937"/>
+            <a:off x="1220372" y="4174152"/>
             <a:ext cx="9073243" cy="400110"/>
           </a:xfrm>
           <a:prstGeom prst="rect">
@@ -8644,21 +8314,14 @@
               <a:t> </a:t>
             </a:r>
             <a:r>
-              <a:rPr kumimoji="1" lang="en-US" altLang="ko-KR" sz="2000" b="0" i="0" u="none" strike="noStrike" kern="1200" cap="none" spc="0" normalizeH="0" baseline="0" noProof="0" dirty="0">
-                <a:ln>
-                  <a:noFill/>
-                </a:ln>
+              <a:rPr kumimoji="1" lang="ko-KR" altLang="en-US" sz="2000" noProof="0" dirty="0">
                 <a:solidFill>
                   <a:prstClr val="black"/>
                 </a:solidFill>
-                <a:effectLst/>
-                <a:uLnTx/>
-                <a:uFillTx/>
                 <a:latin typeface="Calibri"/>
                 <a:ea typeface="맑은 고딕" panose="020B0503020000020004" pitchFamily="34" charset="-127"/>
-                <a:cs typeface="+mn-cs"/>
               </a:rPr>
-              <a:t>(1)</a:t>
+              <a:t>위에 </a:t>
             </a:r>
             <a:r>
               <a:rPr kumimoji="1" lang="ko-KR" altLang="en-US" sz="2000" b="0" i="0" u="none" strike="noStrike" kern="1200" cap="none" spc="0" normalizeH="0" baseline="0" noProof="0" dirty="0">
@@ -8675,7 +8338,7 @@
                 <a:ea typeface="맑은 고딕" panose="020B0503020000020004" pitchFamily="34" charset="-127"/>
                 <a:cs typeface="+mn-cs"/>
               </a:rPr>
-              <a:t>에서 제시한 방식으로는 </a:t>
+              <a:t>제시한 방식으로는 </a:t>
             </a:r>
             <a:r>
               <a:rPr kumimoji="1" lang="ko-KR" altLang="en-US" sz="2000" b="1" i="0" u="none" strike="noStrike" kern="1200" cap="none" spc="0" normalizeH="0" baseline="0" noProof="0" dirty="0">
@@ -8725,242 +8388,6 @@
   <p:clrMapOvr>
     <a:masterClrMapping/>
   </p:clrMapOvr>
-  <p:timing>
-    <p:tnLst>
-      <p:par>
-        <p:cTn id="1" dur="indefinite" restart="never" nodeType="tmRoot">
-          <p:childTnLst>
-            <p:seq concurrent="1" nextAc="seek">
-              <p:cTn id="2" dur="indefinite" nodeType="mainSeq">
-                <p:childTnLst>
-                  <p:par>
-                    <p:cTn id="3" fill="hold">
-                      <p:stCondLst>
-                        <p:cond delay="indefinite"/>
-                      </p:stCondLst>
-                      <p:childTnLst>
-                        <p:par>
-                          <p:cTn id="4" fill="hold">
-                            <p:stCondLst>
-                              <p:cond delay="0"/>
-                            </p:stCondLst>
-                            <p:childTnLst>
-                              <p:par>
-                                <p:cTn id="5" presetID="1" presetClass="entr" presetSubtype="0" fill="hold" grpId="0" nodeType="clickEffect">
-                                  <p:stCondLst>
-                                    <p:cond delay="0"/>
-                                  </p:stCondLst>
-                                  <p:childTnLst>
-                                    <p:set>
-                                      <p:cBhvr>
-                                        <p:cTn id="6" dur="1" fill="hold">
-                                          <p:stCondLst>
-                                            <p:cond delay="0"/>
-                                          </p:stCondLst>
-                                        </p:cTn>
-                                        <p:tgtEl>
-                                          <p:spTgt spid="7"/>
-                                        </p:tgtEl>
-                                        <p:attrNameLst>
-                                          <p:attrName>style.visibility</p:attrName>
-                                        </p:attrNameLst>
-                                      </p:cBhvr>
-                                      <p:to>
-                                        <p:strVal val="visible"/>
-                                      </p:to>
-                                    </p:set>
-                                  </p:childTnLst>
-                                </p:cTn>
-                              </p:par>
-                              <p:par>
-                                <p:cTn id="7" presetID="1" presetClass="entr" presetSubtype="0" fill="hold" grpId="0" nodeType="withEffect">
-                                  <p:stCondLst>
-                                    <p:cond delay="0"/>
-                                  </p:stCondLst>
-                                  <p:childTnLst>
-                                    <p:set>
-                                      <p:cBhvr>
-                                        <p:cTn id="8" dur="1" fill="hold">
-                                          <p:stCondLst>
-                                            <p:cond delay="0"/>
-                                          </p:stCondLst>
-                                        </p:cTn>
-                                        <p:tgtEl>
-                                          <p:spTgt spid="18"/>
-                                        </p:tgtEl>
-                                        <p:attrNameLst>
-                                          <p:attrName>style.visibility</p:attrName>
-                                        </p:attrNameLst>
-                                      </p:cBhvr>
-                                      <p:to>
-                                        <p:strVal val="visible"/>
-                                      </p:to>
-                                    </p:set>
-                                  </p:childTnLst>
-                                </p:cTn>
-                              </p:par>
-                              <p:par>
-                                <p:cTn id="9" presetID="1" presetClass="entr" presetSubtype="0" fill="hold" grpId="0" nodeType="withEffect">
-                                  <p:stCondLst>
-                                    <p:cond delay="0"/>
-                                  </p:stCondLst>
-                                  <p:childTnLst>
-                                    <p:set>
-                                      <p:cBhvr>
-                                        <p:cTn id="10" dur="1" fill="hold">
-                                          <p:stCondLst>
-                                            <p:cond delay="0"/>
-                                          </p:stCondLst>
-                                        </p:cTn>
-                                        <p:tgtEl>
-                                          <p:spTgt spid="19"/>
-                                        </p:tgtEl>
-                                        <p:attrNameLst>
-                                          <p:attrName>style.visibility</p:attrName>
-                                        </p:attrNameLst>
-                                      </p:cBhvr>
-                                      <p:to>
-                                        <p:strVal val="visible"/>
-                                      </p:to>
-                                    </p:set>
-                                  </p:childTnLst>
-                                </p:cTn>
-                              </p:par>
-                            </p:childTnLst>
-                          </p:cTn>
-                        </p:par>
-                      </p:childTnLst>
-                    </p:cTn>
-                  </p:par>
-                  <p:par>
-                    <p:cTn id="11" fill="hold">
-                      <p:stCondLst>
-                        <p:cond delay="indefinite"/>
-                      </p:stCondLst>
-                      <p:childTnLst>
-                        <p:par>
-                          <p:cTn id="12" fill="hold">
-                            <p:stCondLst>
-                              <p:cond delay="0"/>
-                            </p:stCondLst>
-                            <p:childTnLst>
-                              <p:par>
-                                <p:cTn id="13" presetID="1" presetClass="entr" presetSubtype="0" fill="hold" grpId="0" nodeType="clickEffect">
-                                  <p:stCondLst>
-                                    <p:cond delay="0"/>
-                                  </p:stCondLst>
-                                  <p:childTnLst>
-                                    <p:set>
-                                      <p:cBhvr>
-                                        <p:cTn id="14" dur="1" fill="hold">
-                                          <p:stCondLst>
-                                            <p:cond delay="0"/>
-                                          </p:stCondLst>
-                                        </p:cTn>
-                                        <p:tgtEl>
-                                          <p:spTgt spid="11"/>
-                                        </p:tgtEl>
-                                        <p:attrNameLst>
-                                          <p:attrName>style.visibility</p:attrName>
-                                        </p:attrNameLst>
-                                      </p:cBhvr>
-                                      <p:to>
-                                        <p:strVal val="visible"/>
-                                      </p:to>
-                                    </p:set>
-                                  </p:childTnLst>
-                                </p:cTn>
-                              </p:par>
-                              <p:par>
-                                <p:cTn id="15" presetID="1" presetClass="entr" presetSubtype="0" fill="hold" grpId="0" nodeType="withEffect">
-                                  <p:stCondLst>
-                                    <p:cond delay="0"/>
-                                  </p:stCondLst>
-                                  <p:childTnLst>
-                                    <p:set>
-                                      <p:cBhvr>
-                                        <p:cTn id="16" dur="1" fill="hold">
-                                          <p:stCondLst>
-                                            <p:cond delay="0"/>
-                                          </p:stCondLst>
-                                        </p:cTn>
-                                        <p:tgtEl>
-                                          <p:spTgt spid="22"/>
-                                        </p:tgtEl>
-                                        <p:attrNameLst>
-                                          <p:attrName>style.visibility</p:attrName>
-                                        </p:attrNameLst>
-                                      </p:cBhvr>
-                                      <p:to>
-                                        <p:strVal val="visible"/>
-                                      </p:to>
-                                    </p:set>
-                                  </p:childTnLst>
-                                </p:cTn>
-                              </p:par>
-                              <p:par>
-                                <p:cTn id="17" presetID="1" presetClass="entr" presetSubtype="0" fill="hold" grpId="0" nodeType="withEffect">
-                                  <p:stCondLst>
-                                    <p:cond delay="0"/>
-                                  </p:stCondLst>
-                                  <p:childTnLst>
-                                    <p:set>
-                                      <p:cBhvr>
-                                        <p:cTn id="18" dur="1" fill="hold">
-                                          <p:stCondLst>
-                                            <p:cond delay="0"/>
-                                          </p:stCondLst>
-                                        </p:cTn>
-                                        <p:tgtEl>
-                                          <p:spTgt spid="20"/>
-                                        </p:tgtEl>
-                                        <p:attrNameLst>
-                                          <p:attrName>style.visibility</p:attrName>
-                                        </p:attrNameLst>
-                                      </p:cBhvr>
-                                      <p:to>
-                                        <p:strVal val="visible"/>
-                                      </p:to>
-                                    </p:set>
-                                  </p:childTnLst>
-                                </p:cTn>
-                              </p:par>
-                            </p:childTnLst>
-                          </p:cTn>
-                        </p:par>
-                      </p:childTnLst>
-                    </p:cTn>
-                  </p:par>
-                </p:childTnLst>
-              </p:cTn>
-              <p:prevCondLst>
-                <p:cond evt="onPrev" delay="0">
-                  <p:tgtEl>
-                    <p:sldTgt/>
-                  </p:tgtEl>
-                </p:cond>
-              </p:prevCondLst>
-              <p:nextCondLst>
-                <p:cond evt="onNext" delay="0">
-                  <p:tgtEl>
-                    <p:sldTgt/>
-                  </p:tgtEl>
-                </p:cond>
-              </p:nextCondLst>
-            </p:seq>
-          </p:childTnLst>
-        </p:cTn>
-      </p:par>
-    </p:tnLst>
-    <p:bldLst>
-      <p:bldP spid="7" grpId="0"/>
-      <p:bldP spid="11" grpId="0"/>
-      <p:bldP spid="18" grpId="0"/>
-      <p:bldP spid="19" grpId="0"/>
-      <p:bldP spid="20" grpId="0"/>
-      <p:bldP spid="22" grpId="0"/>
-    </p:bldLst>
-  </p:timing>
 </p:sld>
 </file>
 
@@ -20335,6 +19762,45 @@
       </p:grpSpPr>
       <p:sp>
         <p:nvSpPr>
+          <p:cNvPr id="2" name="슬라이드 번호 개체 틀 1">
+            <a:extLst>
+              <a:ext uri="{FF2B5EF4-FFF2-40B4-BE49-F238E27FC236}">
+                <a16:creationId xmlns:a16="http://schemas.microsoft.com/office/drawing/2014/main" id="{C899270C-4370-FE2E-8C38-C9A5AA37650D}"/>
+              </a:ext>
+            </a:extLst>
+          </p:cNvPr>
+          <p:cNvSpPr>
+            <a:spLocks noGrp="1"/>
+          </p:cNvSpPr>
+          <p:nvPr>
+            <p:ph type="sldNum" sz="quarter" idx="7"/>
+          </p:nvPr>
+        </p:nvSpPr>
+        <p:spPr/>
+        <p:txBody>
+          <a:bodyPr/>
+          <a:lstStyle/>
+          <a:p>
+            <a:pPr marL="38100">
+              <a:lnSpc>
+                <a:spcPts val="1240"/>
+              </a:lnSpc>
+            </a:pPr>
+            <a:fld id="{81D60167-4931-47E6-BA6A-407CBD079E47}" type="slidenum">
+              <a:rPr lang="en-US" altLang="ko-Kore-KR" smtClean="0"/>
+              <a:pPr marL="38100">
+                <a:lnSpc>
+                  <a:spcPts val="1240"/>
+                </a:lnSpc>
+              </a:pPr>
+              <a:t>7</a:t>
+            </a:fld>
+            <a:endParaRPr lang="en-US" altLang="ko-Kore-KR" dirty="0"/>
+          </a:p>
+        </p:txBody>
+      </p:sp>
+      <p:sp>
+        <p:nvSpPr>
           <p:cNvPr id="3" name="TextBox 2">
             <a:extLst>
               <a:ext uri="{FF2B5EF4-FFF2-40B4-BE49-F238E27FC236}">
@@ -20347,8 +19813,8 @@
         </p:nvSpPr>
         <p:spPr>
           <a:xfrm>
-            <a:off x="766709" y="671972"/>
-            <a:ext cx="4986558" cy="769441"/>
+            <a:off x="744937" y="661086"/>
+            <a:ext cx="4035079" cy="769441"/>
           </a:xfrm>
           <a:prstGeom prst="rect">
             <a:avLst/>
@@ -20362,11 +19828,25 @@
           <a:lstStyle/>
           <a:p>
             <a:r>
-              <a:rPr kumimoji="1" lang="en-US" altLang="ko-Kore-KR" sz="4400" dirty="0">
+              <a:rPr kumimoji="1" lang="en-US" altLang="ko-KR" sz="4400" dirty="0">
                 <a:latin typeface="+mj-ea"/>
                 <a:ea typeface="+mj-ea"/>
               </a:rPr>
-              <a:t>3.1 Adjacent Matrix</a:t>
+              <a:t>3.1</a:t>
+            </a:r>
+            <a:r>
+              <a:rPr kumimoji="1" lang="ko-KR" altLang="en-US" sz="4400" dirty="0">
+                <a:latin typeface="+mj-ea"/>
+                <a:ea typeface="+mj-ea"/>
+              </a:rPr>
+              <a:t> </a:t>
+            </a:r>
+            <a:r>
+              <a:rPr kumimoji="1" lang="en-US" altLang="ko-KR" sz="4400" dirty="0">
+                <a:latin typeface="+mj-ea"/>
+                <a:ea typeface="+mj-ea"/>
+              </a:rPr>
+              <a:t>m-Coloring</a:t>
             </a:r>
             <a:endParaRPr kumimoji="1" lang="ko-Kore-KR" altLang="en-US" sz="4400" dirty="0">
               <a:latin typeface="+mj-ea"/>
@@ -20377,40 +19857,10 @@
       </p:sp>
       <p:pic>
         <p:nvPicPr>
-          <p:cNvPr id="13" name="그림 12" descr="텍스트, 스크린샷, 소프트웨어이(가) 표시된 사진&#10;&#10;자동 생성된 설명">
+          <p:cNvPr id="4" name="그림 3">
             <a:extLst>
               <a:ext uri="{FF2B5EF4-FFF2-40B4-BE49-F238E27FC236}">
-                <a16:creationId xmlns:a16="http://schemas.microsoft.com/office/drawing/2014/main" id="{9EC145D4-080B-F659-8322-D6E14586A61B}"/>
-              </a:ext>
-            </a:extLst>
-          </p:cNvPr>
-          <p:cNvPicPr>
-            <a:picLocks noChangeAspect="1"/>
-          </p:cNvPicPr>
-          <p:nvPr/>
-        </p:nvPicPr>
-        <p:blipFill>
-          <a:blip r:embed="rId2"/>
-          <a:stretch>
-            <a:fillRect/>
-          </a:stretch>
-        </p:blipFill>
-        <p:spPr>
-          <a:xfrm>
-            <a:off x="340566" y="1441411"/>
-            <a:ext cx="6234085" cy="5340387"/>
-          </a:xfrm>
-          <a:prstGeom prst="rect">
-            <a:avLst/>
-          </a:prstGeom>
-        </p:spPr>
-      </p:pic>
-      <p:pic>
-        <p:nvPicPr>
-          <p:cNvPr id="19" name="그림 18" descr="텍스트, 스크린샷, 소프트웨어이(가) 표시된 사진&#10;&#10;자동 생성된 설명">
-            <a:extLst>
-              <a:ext uri="{FF2B5EF4-FFF2-40B4-BE49-F238E27FC236}">
-                <a16:creationId xmlns:a16="http://schemas.microsoft.com/office/drawing/2014/main" id="{F5CF6CD0-7845-FDDD-7FCE-FB4A01F8482E}"/>
+                <a16:creationId xmlns:a16="http://schemas.microsoft.com/office/drawing/2014/main" id="{826FDB79-9E72-5A30-A696-8313BFF60EFC}"/>
               </a:ext>
             </a:extLst>
           </p:cNvPr>
@@ -20427,57 +19877,78 @@
         </p:blipFill>
         <p:spPr>
           <a:xfrm>
-            <a:off x="6588412" y="1441411"/>
-            <a:ext cx="5263022" cy="4086759"/>
+            <a:off x="351305" y="1504041"/>
+            <a:ext cx="5384464" cy="1554278"/>
           </a:xfrm>
           <a:prstGeom prst="rect">
             <a:avLst/>
           </a:prstGeom>
         </p:spPr>
       </p:pic>
-      <p:sp>
-        <p:nvSpPr>
-          <p:cNvPr id="2" name="슬라이드 번호 개체 틀 1">
+      <p:pic>
+        <p:nvPicPr>
+          <p:cNvPr id="5" name="그림 4">
             <a:extLst>
               <a:ext uri="{FF2B5EF4-FFF2-40B4-BE49-F238E27FC236}">
-                <a16:creationId xmlns:a16="http://schemas.microsoft.com/office/drawing/2014/main" id="{EBC7F94A-FC95-48AE-A040-014810704E4C}"/>
+                <a16:creationId xmlns:a16="http://schemas.microsoft.com/office/drawing/2014/main" id="{ADA27D06-C187-57EB-CC70-9E0535CF9101}"/>
               </a:ext>
             </a:extLst>
           </p:cNvPr>
-          <p:cNvSpPr>
-            <a:spLocks noGrp="1"/>
-          </p:cNvSpPr>
-          <p:nvPr>
-            <p:ph type="sldNum" sz="quarter" idx="7"/>
-          </p:nvPr>
-        </p:nvSpPr>
-        <p:spPr/>
-        <p:txBody>
-          <a:bodyPr/>
-          <a:lstStyle/>
-          <a:p>
-            <a:pPr marL="38100">
-              <a:lnSpc>
-                <a:spcPts val="1240"/>
-              </a:lnSpc>
-            </a:pPr>
-            <a:fld id="{81D60167-4931-47E6-BA6A-407CBD079E47}" type="slidenum">
-              <a:rPr lang="en-US" altLang="ko-Kore-KR" smtClean="0"/>
-              <a:pPr marL="38100">
-                <a:lnSpc>
-                  <a:spcPts val="1240"/>
-                </a:lnSpc>
-              </a:pPr>
-              <a:t>7</a:t>
-            </a:fld>
-            <a:endParaRPr lang="en-US" altLang="ko-Kore-KR" dirty="0"/>
-          </a:p>
-        </p:txBody>
-      </p:sp>
+          <p:cNvPicPr>
+            <a:picLocks noChangeAspect="1"/>
+          </p:cNvPicPr>
+          <p:nvPr/>
+        </p:nvPicPr>
+        <p:blipFill>
+          <a:blip r:embed="rId4"/>
+          <a:stretch>
+            <a:fillRect/>
+          </a:stretch>
+        </p:blipFill>
+        <p:spPr>
+          <a:xfrm>
+            <a:off x="365587" y="3471218"/>
+            <a:ext cx="5370182" cy="1882741"/>
+          </a:xfrm>
+          <a:prstGeom prst="rect">
+            <a:avLst/>
+          </a:prstGeom>
+        </p:spPr>
+      </p:pic>
+      <p:pic>
+        <p:nvPicPr>
+          <p:cNvPr id="7" name="그림 6">
+            <a:extLst>
+              <a:ext uri="{FF2B5EF4-FFF2-40B4-BE49-F238E27FC236}">
+                <a16:creationId xmlns:a16="http://schemas.microsoft.com/office/drawing/2014/main" id="{1710F9D9-599B-9148-4DBB-8EA1CE6D09A0}"/>
+              </a:ext>
+            </a:extLst>
+          </p:cNvPr>
+          <p:cNvPicPr>
+            <a:picLocks noChangeAspect="1"/>
+          </p:cNvPicPr>
+          <p:nvPr/>
+        </p:nvPicPr>
+        <p:blipFill>
+          <a:blip r:embed="rId5"/>
+          <a:stretch>
+            <a:fillRect/>
+          </a:stretch>
+        </p:blipFill>
+        <p:spPr>
+          <a:xfrm>
+            <a:off x="5793679" y="1504041"/>
+            <a:ext cx="6047016" cy="4535262"/>
+          </a:xfrm>
+          <a:prstGeom prst="rect">
+            <a:avLst/>
+          </a:prstGeom>
+        </p:spPr>
+      </p:pic>
     </p:spTree>
     <p:extLst>
       <p:ext uri="{BB962C8B-B14F-4D97-AF65-F5344CB8AC3E}">
-        <p14:creationId xmlns:p14="http://schemas.microsoft.com/office/powerpoint/2010/main" val="2877327571"/>
+        <p14:creationId xmlns:p14="http://schemas.microsoft.com/office/powerpoint/2010/main" val="3929289392"/>
       </p:ext>
     </p:extLst>
   </p:cSld>
@@ -20538,221 +20009,6 @@
                 </a:lnSpc>
               </a:pPr>
               <a:t>8</a:t>
-            </a:fld>
-            <a:endParaRPr lang="en-US" altLang="ko-Kore-KR" dirty="0"/>
-          </a:p>
-        </p:txBody>
-      </p:sp>
-      <p:sp>
-        <p:nvSpPr>
-          <p:cNvPr id="3" name="TextBox 2">
-            <a:extLst>
-              <a:ext uri="{FF2B5EF4-FFF2-40B4-BE49-F238E27FC236}">
-                <a16:creationId xmlns:a16="http://schemas.microsoft.com/office/drawing/2014/main" id="{4690B63D-9B58-E203-0BB9-26FA1A8E48A7}"/>
-              </a:ext>
-            </a:extLst>
-          </p:cNvPr>
-          <p:cNvSpPr txBox="1"/>
-          <p:nvPr/>
-        </p:nvSpPr>
-        <p:spPr>
-          <a:xfrm>
-            <a:off x="744937" y="661086"/>
-            <a:ext cx="4035079" cy="769441"/>
-          </a:xfrm>
-          <a:prstGeom prst="rect">
-            <a:avLst/>
-          </a:prstGeom>
-          <a:noFill/>
-        </p:spPr>
-        <p:txBody>
-          <a:bodyPr wrap="none" rtlCol="0">
-            <a:spAutoFit/>
-          </a:bodyPr>
-          <a:lstStyle/>
-          <a:p>
-            <a:r>
-              <a:rPr kumimoji="1" lang="en-US" altLang="ko-KR" sz="4400" dirty="0">
-                <a:latin typeface="+mj-ea"/>
-                <a:ea typeface="+mj-ea"/>
-              </a:rPr>
-              <a:t>3.2</a:t>
-            </a:r>
-            <a:r>
-              <a:rPr kumimoji="1" lang="ko-KR" altLang="en-US" sz="4400" dirty="0">
-                <a:latin typeface="+mj-ea"/>
-                <a:ea typeface="+mj-ea"/>
-              </a:rPr>
-              <a:t> </a:t>
-            </a:r>
-            <a:r>
-              <a:rPr kumimoji="1" lang="en-US" altLang="ko-KR" sz="4400" dirty="0">
-                <a:latin typeface="+mj-ea"/>
-                <a:ea typeface="+mj-ea"/>
-              </a:rPr>
-              <a:t>m-Coloring</a:t>
-            </a:r>
-            <a:endParaRPr kumimoji="1" lang="ko-Kore-KR" altLang="en-US" sz="4400" dirty="0">
-              <a:latin typeface="+mj-ea"/>
-              <a:ea typeface="+mj-ea"/>
-            </a:endParaRPr>
-          </a:p>
-        </p:txBody>
-      </p:sp>
-      <p:pic>
-        <p:nvPicPr>
-          <p:cNvPr id="74" name="그림 73" descr="텍스트, 스크린샷, 폰트, 소프트웨어이(가) 표시된 사진&#10;&#10;자동 생성된 설명">
-            <a:extLst>
-              <a:ext uri="{FF2B5EF4-FFF2-40B4-BE49-F238E27FC236}">
-                <a16:creationId xmlns:a16="http://schemas.microsoft.com/office/drawing/2014/main" id="{BECE3972-EA8D-77A7-CC7A-C450EBEB9BC6}"/>
-              </a:ext>
-            </a:extLst>
-          </p:cNvPr>
-          <p:cNvPicPr>
-            <a:picLocks noChangeAspect="1"/>
-          </p:cNvPicPr>
-          <p:nvPr/>
-        </p:nvPicPr>
-        <p:blipFill>
-          <a:blip r:embed="rId3"/>
-          <a:stretch>
-            <a:fillRect/>
-          </a:stretch>
-        </p:blipFill>
-        <p:spPr>
-          <a:xfrm>
-            <a:off x="589644" y="1504041"/>
-            <a:ext cx="5642530" cy="5288643"/>
-          </a:xfrm>
-          <a:prstGeom prst="rect">
-            <a:avLst/>
-          </a:prstGeom>
-        </p:spPr>
-      </p:pic>
-      <p:pic>
-        <p:nvPicPr>
-          <p:cNvPr id="79" name="그림 78" descr="텍스트, 스크린샷, 폰트, 소프트웨어이(가) 표시된 사진&#10;&#10;자동 생성된 설명">
-            <a:extLst>
-              <a:ext uri="{FF2B5EF4-FFF2-40B4-BE49-F238E27FC236}">
-                <a16:creationId xmlns:a16="http://schemas.microsoft.com/office/drawing/2014/main" id="{A8FF3F26-A669-6CDD-36DE-8BBBFE03FD9A}"/>
-              </a:ext>
-            </a:extLst>
-          </p:cNvPr>
-          <p:cNvPicPr>
-            <a:picLocks noChangeAspect="1"/>
-          </p:cNvPicPr>
-          <p:nvPr/>
-        </p:nvPicPr>
-        <p:blipFill>
-          <a:blip r:embed="rId4"/>
-          <a:stretch>
-            <a:fillRect/>
-          </a:stretch>
-        </p:blipFill>
-        <p:spPr>
-          <a:xfrm>
-            <a:off x="6232174" y="1504041"/>
-            <a:ext cx="4927047" cy="2458359"/>
-          </a:xfrm>
-          <a:prstGeom prst="rect">
-            <a:avLst/>
-          </a:prstGeom>
-        </p:spPr>
-      </p:pic>
-      <p:pic>
-        <p:nvPicPr>
-          <p:cNvPr id="6" name="그림 5">
-            <a:extLst>
-              <a:ext uri="{FF2B5EF4-FFF2-40B4-BE49-F238E27FC236}">
-                <a16:creationId xmlns:a16="http://schemas.microsoft.com/office/drawing/2014/main" id="{574FB767-DB00-6157-2F5B-C604769AA975}"/>
-              </a:ext>
-            </a:extLst>
-          </p:cNvPr>
-          <p:cNvPicPr>
-            <a:picLocks noChangeAspect="1"/>
-          </p:cNvPicPr>
-          <p:nvPr/>
-        </p:nvPicPr>
-        <p:blipFill>
-          <a:blip r:embed="rId5"/>
-          <a:stretch>
-            <a:fillRect/>
-          </a:stretch>
-        </p:blipFill>
-        <p:spPr>
-          <a:xfrm>
-            <a:off x="6206497" y="4148362"/>
-            <a:ext cx="4978400" cy="2120900"/>
-          </a:xfrm>
-          <a:prstGeom prst="rect">
-            <a:avLst/>
-          </a:prstGeom>
-        </p:spPr>
-      </p:pic>
-    </p:spTree>
-    <p:extLst>
-      <p:ext uri="{BB962C8B-B14F-4D97-AF65-F5344CB8AC3E}">
-        <p14:creationId xmlns:p14="http://schemas.microsoft.com/office/powerpoint/2010/main" val="3929289392"/>
-      </p:ext>
-    </p:extLst>
-  </p:cSld>
-  <p:clrMapOvr>
-    <a:masterClrMapping/>
-  </p:clrMapOvr>
-</p:sld>
-</file>
-
-<file path=ppt/slides/slide9.xml><?xml version="1.0" encoding="utf-8"?>
-<p:sld xmlns:a="http://schemas.openxmlformats.org/drawingml/2006/main" xmlns:r="http://schemas.openxmlformats.org/officeDocument/2006/relationships" xmlns:p="http://schemas.openxmlformats.org/presentationml/2006/main">
-  <p:cSld>
-    <p:spTree>
-      <p:nvGrpSpPr>
-        <p:cNvPr id="1" name=""/>
-        <p:cNvGrpSpPr/>
-        <p:nvPr/>
-      </p:nvGrpSpPr>
-      <p:grpSpPr>
-        <a:xfrm>
-          <a:off x="0" y="0"/>
-          <a:ext cx="0" cy="0"/>
-          <a:chOff x="0" y="0"/>
-          <a:chExt cx="0" cy="0"/>
-        </a:xfrm>
-      </p:grpSpPr>
-      <p:sp>
-        <p:nvSpPr>
-          <p:cNvPr id="2" name="슬라이드 번호 개체 틀 1">
-            <a:extLst>
-              <a:ext uri="{FF2B5EF4-FFF2-40B4-BE49-F238E27FC236}">
-                <a16:creationId xmlns:a16="http://schemas.microsoft.com/office/drawing/2014/main" id="{C899270C-4370-FE2E-8C38-C9A5AA37650D}"/>
-              </a:ext>
-            </a:extLst>
-          </p:cNvPr>
-          <p:cNvSpPr>
-            <a:spLocks noGrp="1"/>
-          </p:cNvSpPr>
-          <p:nvPr>
-            <p:ph type="sldNum" sz="quarter" idx="7"/>
-          </p:nvPr>
-        </p:nvSpPr>
-        <p:spPr/>
-        <p:txBody>
-          <a:bodyPr/>
-          <a:lstStyle/>
-          <a:p>
-            <a:pPr marL="38100">
-              <a:lnSpc>
-                <a:spcPts val="1240"/>
-              </a:lnSpc>
-            </a:pPr>
-            <a:fld id="{81D60167-4931-47E6-BA6A-407CBD079E47}" type="slidenum">
-              <a:rPr lang="en-US" altLang="ko-Kore-KR" smtClean="0"/>
-              <a:pPr marL="38100">
-                <a:lnSpc>
-                  <a:spcPts val="1240"/>
-                </a:lnSpc>
-              </a:pPr>
-              <a:t>9</a:t>
             </a:fld>
             <a:endParaRPr lang="en-US" altLang="ko-Kore-KR" dirty="0"/>
           </a:p>
@@ -21051,6 +20307,769 @@
     <p:extLst>
       <p:ext uri="{BB962C8B-B14F-4D97-AF65-F5344CB8AC3E}">
         <p14:creationId xmlns:p14="http://schemas.microsoft.com/office/powerpoint/2010/main" val="2034395763"/>
+      </p:ext>
+    </p:extLst>
+  </p:cSld>
+  <p:clrMapOvr>
+    <a:masterClrMapping/>
+  </p:clrMapOvr>
+</p:sld>
+</file>
+
+<file path=ppt/slides/slide9.xml><?xml version="1.0" encoding="utf-8"?>
+<p:sld xmlns:a="http://schemas.openxmlformats.org/drawingml/2006/main" xmlns:r="http://schemas.openxmlformats.org/officeDocument/2006/relationships" xmlns:p="http://schemas.openxmlformats.org/presentationml/2006/main">
+  <p:cSld>
+    <p:spTree>
+      <p:nvGrpSpPr>
+        <p:cNvPr id="1" name=""/>
+        <p:cNvGrpSpPr/>
+        <p:nvPr/>
+      </p:nvGrpSpPr>
+      <p:grpSpPr>
+        <a:xfrm>
+          <a:off x="0" y="0"/>
+          <a:ext cx="0" cy="0"/>
+          <a:chOff x="0" y="0"/>
+          <a:chExt cx="0" cy="0"/>
+        </a:xfrm>
+      </p:grpSpPr>
+      <p:sp>
+        <p:nvSpPr>
+          <p:cNvPr id="2" name="슬라이드 번호 개체 틀 1">
+            <a:extLst>
+              <a:ext uri="{FF2B5EF4-FFF2-40B4-BE49-F238E27FC236}">
+                <a16:creationId xmlns:a16="http://schemas.microsoft.com/office/drawing/2014/main" id="{C899270C-4370-FE2E-8C38-C9A5AA37650D}"/>
+              </a:ext>
+            </a:extLst>
+          </p:cNvPr>
+          <p:cNvSpPr>
+            <a:spLocks noGrp="1"/>
+          </p:cNvSpPr>
+          <p:nvPr>
+            <p:ph type="sldNum" sz="quarter" idx="7"/>
+          </p:nvPr>
+        </p:nvSpPr>
+        <p:spPr/>
+        <p:txBody>
+          <a:bodyPr/>
+          <a:lstStyle/>
+          <a:p>
+            <a:pPr marL="38100">
+              <a:lnSpc>
+                <a:spcPts val="1240"/>
+              </a:lnSpc>
+            </a:pPr>
+            <a:fld id="{81D60167-4931-47E6-BA6A-407CBD079E47}" type="slidenum">
+              <a:rPr lang="en-US" altLang="ko-Kore-KR" smtClean="0"/>
+              <a:pPr marL="38100">
+                <a:lnSpc>
+                  <a:spcPts val="1240"/>
+                </a:lnSpc>
+              </a:pPr>
+              <a:t>9</a:t>
+            </a:fld>
+            <a:endParaRPr lang="en-US" altLang="ko-Kore-KR" dirty="0"/>
+          </a:p>
+        </p:txBody>
+      </p:sp>
+      <p:sp>
+        <p:nvSpPr>
+          <p:cNvPr id="3" name="TextBox 2">
+            <a:extLst>
+              <a:ext uri="{FF2B5EF4-FFF2-40B4-BE49-F238E27FC236}">
+                <a16:creationId xmlns:a16="http://schemas.microsoft.com/office/drawing/2014/main" id="{4690B63D-9B58-E203-0BB9-26FA1A8E48A7}"/>
+              </a:ext>
+            </a:extLst>
+          </p:cNvPr>
+          <p:cNvSpPr txBox="1"/>
+          <p:nvPr/>
+        </p:nvSpPr>
+        <p:spPr>
+          <a:xfrm>
+            <a:off x="744937" y="661086"/>
+            <a:ext cx="1946367" cy="769441"/>
+          </a:xfrm>
+          <a:prstGeom prst="rect">
+            <a:avLst/>
+          </a:prstGeom>
+          <a:noFill/>
+        </p:spPr>
+        <p:txBody>
+          <a:bodyPr wrap="none" rtlCol="0">
+            <a:spAutoFit/>
+          </a:bodyPr>
+          <a:lstStyle/>
+          <a:p>
+            <a:r>
+              <a:rPr kumimoji="1" lang="en-US" altLang="ko-KR" sz="4400" dirty="0">
+                <a:latin typeface="+mj-ea"/>
+                <a:ea typeface="+mj-ea"/>
+              </a:rPr>
+              <a:t>5. </a:t>
+            </a:r>
+            <a:r>
+              <a:rPr kumimoji="1" lang="ko-KR" altLang="en-US" sz="4400" dirty="0">
+                <a:latin typeface="+mj-ea"/>
+                <a:ea typeface="+mj-ea"/>
+              </a:rPr>
+              <a:t>결론</a:t>
+            </a:r>
+            <a:endParaRPr kumimoji="1" lang="ko-Kore-KR" altLang="en-US" sz="4400" dirty="0">
+              <a:latin typeface="+mj-ea"/>
+              <a:ea typeface="+mj-ea"/>
+            </a:endParaRPr>
+          </a:p>
+        </p:txBody>
+      </p:sp>
+      <p:sp>
+        <p:nvSpPr>
+          <p:cNvPr id="12" name="TextBox 11">
+            <a:extLst>
+              <a:ext uri="{FF2B5EF4-FFF2-40B4-BE49-F238E27FC236}">
+                <a16:creationId xmlns:a16="http://schemas.microsoft.com/office/drawing/2014/main" id="{131A2E7A-3A05-1CE2-2DFB-E054BFD8AC5B}"/>
+              </a:ext>
+            </a:extLst>
+          </p:cNvPr>
+          <p:cNvSpPr txBox="1"/>
+          <p:nvPr/>
+        </p:nvSpPr>
+        <p:spPr>
+          <a:xfrm>
+            <a:off x="623212" y="2026589"/>
+            <a:ext cx="9549409" cy="369332"/>
+          </a:xfrm>
+          <a:prstGeom prst="rect">
+            <a:avLst/>
+          </a:prstGeom>
+          <a:noFill/>
+        </p:spPr>
+        <p:txBody>
+          <a:bodyPr wrap="none" rtlCol="0">
+            <a:spAutoFit/>
+          </a:bodyPr>
+          <a:lstStyle/>
+          <a:p>
+            <a:r>
+              <a:rPr lang="ko-Kore-KR" altLang="en-US" dirty="0">
+                <a:solidFill>
+                  <a:srgbClr val="222222"/>
+                </a:solidFill>
+                <a:latin typeface="Arial" panose="020B0604020202020204" pitchFamily="34" charset="0"/>
+              </a:rPr>
+              <a:t>✓ 개선사항으로</a:t>
+            </a:r>
+            <a:r>
+              <a:rPr lang="ko-KR" altLang="en-US" dirty="0">
+                <a:solidFill>
+                  <a:srgbClr val="222222"/>
+                </a:solidFill>
+                <a:latin typeface="Arial" panose="020B0604020202020204" pitchFamily="34" charset="0"/>
+              </a:rPr>
+              <a:t>는 </a:t>
+            </a:r>
+            <a:r>
+              <a:rPr kumimoji="1" lang="ko-KR" altLang="en-US" b="1" dirty="0"/>
+              <a:t>중복된 결과를 처리하면 더욱 깔끔한 출력</a:t>
+            </a:r>
+            <a:r>
+              <a:rPr kumimoji="1" lang="ko-KR" altLang="en-US" dirty="0"/>
+              <a:t>이 나올 수 있을 것으로 생각된다</a:t>
+            </a:r>
+            <a:r>
+              <a:rPr kumimoji="1" lang="en-US" altLang="ko-KR" dirty="0"/>
+              <a:t>.</a:t>
+            </a:r>
+            <a:endParaRPr kumimoji="1" lang="ko-Kore-KR" altLang="en-US" dirty="0"/>
+          </a:p>
+        </p:txBody>
+      </p:sp>
+      <p:sp>
+        <p:nvSpPr>
+          <p:cNvPr id="16" name="TextBox 15">
+            <a:extLst>
+              <a:ext uri="{FF2B5EF4-FFF2-40B4-BE49-F238E27FC236}">
+                <a16:creationId xmlns:a16="http://schemas.microsoft.com/office/drawing/2014/main" id="{70EE8D22-78BE-2ABA-3CD7-1002E372475C}"/>
+              </a:ext>
+            </a:extLst>
+          </p:cNvPr>
+          <p:cNvSpPr txBox="1"/>
+          <p:nvPr/>
+        </p:nvSpPr>
+        <p:spPr>
+          <a:xfrm>
+            <a:off x="623212" y="1499192"/>
+            <a:ext cx="7713074" cy="369332"/>
+          </a:xfrm>
+          <a:prstGeom prst="rect">
+            <a:avLst/>
+          </a:prstGeom>
+          <a:noFill/>
+        </p:spPr>
+        <p:txBody>
+          <a:bodyPr wrap="none" rtlCol="0">
+            <a:spAutoFit/>
+          </a:bodyPr>
+          <a:lstStyle/>
+          <a:p>
+            <a:r>
+              <a:rPr lang="ko-Kore-KR" altLang="en-US" dirty="0">
+                <a:solidFill>
+                  <a:srgbClr val="222222"/>
+                </a:solidFill>
+                <a:latin typeface="Arial" panose="020B0604020202020204" pitchFamily="34" charset="0"/>
+              </a:rPr>
+              <a:t>✓ </a:t>
+            </a:r>
+            <a:r>
+              <a:rPr kumimoji="1" lang="en-US" altLang="ko-Kore-KR" dirty="0"/>
+              <a:t>Midterm Scheduling </a:t>
+            </a:r>
+            <a:r>
+              <a:rPr kumimoji="1" lang="ko-KR" altLang="en-US" dirty="0"/>
+              <a:t>문제를 </a:t>
+            </a:r>
+            <a:r>
+              <a:rPr kumimoji="1" lang="en-US" altLang="ko-KR" b="1" dirty="0"/>
+              <a:t>m-Coloring</a:t>
+            </a:r>
+            <a:r>
+              <a:rPr kumimoji="1" lang="ko-KR" altLang="en-US" b="1" dirty="0"/>
+              <a:t> 문제로 추상화</a:t>
+            </a:r>
+            <a:r>
+              <a:rPr kumimoji="1" lang="ko-KR" altLang="en-US" dirty="0"/>
+              <a:t>하여 해결할 수 있다</a:t>
+            </a:r>
+            <a:r>
+              <a:rPr kumimoji="1" lang="en-US" altLang="ko-KR" dirty="0"/>
+              <a:t>.</a:t>
+            </a:r>
+            <a:endParaRPr kumimoji="1" lang="ko-Kore-KR" altLang="en-US" dirty="0"/>
+          </a:p>
+        </p:txBody>
+      </p:sp>
+      <p:sp>
+        <p:nvSpPr>
+          <p:cNvPr id="18" name="TextBox 17">
+            <a:extLst>
+              <a:ext uri="{FF2B5EF4-FFF2-40B4-BE49-F238E27FC236}">
+                <a16:creationId xmlns:a16="http://schemas.microsoft.com/office/drawing/2014/main" id="{45A8886F-0CE4-38FB-4CDC-A83FC8C24F8D}"/>
+              </a:ext>
+            </a:extLst>
+          </p:cNvPr>
+          <p:cNvSpPr txBox="1"/>
+          <p:nvPr/>
+        </p:nvSpPr>
+        <p:spPr>
+          <a:xfrm>
+            <a:off x="803462" y="2395921"/>
+            <a:ext cx="6098240" cy="1200329"/>
+          </a:xfrm>
+          <a:prstGeom prst="rect">
+            <a:avLst/>
+          </a:prstGeom>
+          <a:noFill/>
+        </p:spPr>
+        <p:txBody>
+          <a:bodyPr wrap="square">
+            <a:spAutoFit/>
+          </a:bodyPr>
+          <a:lstStyle/>
+          <a:p>
+            <a:r>
+              <a:rPr lang="en" altLang="ko-Kore-KR" dirty="0"/>
+              <a:t>Exam Day 1 -&gt; A</a:t>
+            </a:r>
+          </a:p>
+          <a:p>
+            <a:r>
+              <a:rPr lang="en" altLang="ko-Kore-KR" dirty="0"/>
+              <a:t>Exam Day 2 -&gt; B</a:t>
+            </a:r>
+          </a:p>
+          <a:p>
+            <a:r>
+              <a:rPr lang="en" altLang="ko-Kore-KR" dirty="0"/>
+              <a:t>Exam Day 3 -&gt; C F</a:t>
+            </a:r>
+          </a:p>
+          <a:p>
+            <a:r>
+              <a:rPr lang="en" altLang="ko-Kore-KR" dirty="0"/>
+              <a:t>Exam Day 4 -&gt; D E</a:t>
+            </a:r>
+            <a:endParaRPr lang="ko-Kore-KR" altLang="en-US" dirty="0"/>
+          </a:p>
+        </p:txBody>
+      </p:sp>
+      <p:sp>
+        <p:nvSpPr>
+          <p:cNvPr id="24" name="TextBox 23">
+            <a:extLst>
+              <a:ext uri="{FF2B5EF4-FFF2-40B4-BE49-F238E27FC236}">
+                <a16:creationId xmlns:a16="http://schemas.microsoft.com/office/drawing/2014/main" id="{1B62461E-7A36-E921-57F0-9061A52FF7F7}"/>
+              </a:ext>
+            </a:extLst>
+          </p:cNvPr>
+          <p:cNvSpPr txBox="1"/>
+          <p:nvPr/>
+        </p:nvSpPr>
+        <p:spPr>
+          <a:xfrm>
+            <a:off x="3046880" y="2395920"/>
+            <a:ext cx="6098240" cy="1200329"/>
+          </a:xfrm>
+          <a:prstGeom prst="rect">
+            <a:avLst/>
+          </a:prstGeom>
+          <a:noFill/>
+        </p:spPr>
+        <p:txBody>
+          <a:bodyPr wrap="square">
+            <a:spAutoFit/>
+          </a:bodyPr>
+          <a:lstStyle/>
+          <a:p>
+            <a:r>
+              <a:rPr lang="ko-Kore-KR" altLang="en-US" dirty="0"/>
+              <a:t>Exam Day 1 -&gt; A</a:t>
+            </a:r>
+          </a:p>
+          <a:p>
+            <a:r>
+              <a:rPr lang="ko-Kore-KR" altLang="en-US" dirty="0"/>
+              <a:t>Exam Day 2 -&gt; B</a:t>
+            </a:r>
+          </a:p>
+          <a:p>
+            <a:r>
+              <a:rPr lang="ko-Kore-KR" altLang="en-US" dirty="0"/>
+              <a:t>Exam Day 3 -&gt; D E</a:t>
+            </a:r>
+          </a:p>
+          <a:p>
+            <a:r>
+              <a:rPr lang="ko-Kore-KR" altLang="en-US" dirty="0"/>
+              <a:t>Exam Day 4 -&gt; C F</a:t>
+            </a:r>
+          </a:p>
+        </p:txBody>
+      </p:sp>
+      <p:sp>
+        <p:nvSpPr>
+          <p:cNvPr id="26" name="TextBox 25">
+            <a:extLst>
+              <a:ext uri="{FF2B5EF4-FFF2-40B4-BE49-F238E27FC236}">
+                <a16:creationId xmlns:a16="http://schemas.microsoft.com/office/drawing/2014/main" id="{5E7A1567-0E15-F2A2-CFE3-0627CFDC9E36}"/>
+              </a:ext>
+            </a:extLst>
+          </p:cNvPr>
+          <p:cNvSpPr txBox="1"/>
+          <p:nvPr/>
+        </p:nvSpPr>
+        <p:spPr>
+          <a:xfrm>
+            <a:off x="7637252" y="2395919"/>
+            <a:ext cx="6098240" cy="1200329"/>
+          </a:xfrm>
+          <a:prstGeom prst="rect">
+            <a:avLst/>
+          </a:prstGeom>
+          <a:noFill/>
+        </p:spPr>
+        <p:txBody>
+          <a:bodyPr wrap="square">
+            <a:spAutoFit/>
+          </a:bodyPr>
+          <a:lstStyle/>
+          <a:p>
+            <a:r>
+              <a:rPr lang="ko-Kore-KR" altLang="en-US" dirty="0"/>
+              <a:t>Exam Day 1 -&gt; A</a:t>
+            </a:r>
+          </a:p>
+          <a:p>
+            <a:r>
+              <a:rPr lang="ko-Kore-KR" altLang="en-US" dirty="0"/>
+              <a:t>Exam Day 2 -&gt; C F</a:t>
+            </a:r>
+          </a:p>
+          <a:p>
+            <a:r>
+              <a:rPr lang="ko-Kore-KR" altLang="en-US" dirty="0"/>
+              <a:t>Exam Day 3 -&gt; D E</a:t>
+            </a:r>
+          </a:p>
+          <a:p>
+            <a:r>
+              <a:rPr lang="ko-Kore-KR" altLang="en-US" dirty="0"/>
+              <a:t>Exam Day 4 -&gt; B</a:t>
+            </a:r>
+          </a:p>
+        </p:txBody>
+      </p:sp>
+      <p:sp>
+        <p:nvSpPr>
+          <p:cNvPr id="29" name="TextBox 28">
+            <a:extLst>
+              <a:ext uri="{FF2B5EF4-FFF2-40B4-BE49-F238E27FC236}">
+                <a16:creationId xmlns:a16="http://schemas.microsoft.com/office/drawing/2014/main" id="{70C86C20-AD00-5D8E-B4E7-13973C5F4521}"/>
+              </a:ext>
+            </a:extLst>
+          </p:cNvPr>
+          <p:cNvSpPr txBox="1"/>
+          <p:nvPr/>
+        </p:nvSpPr>
+        <p:spPr>
+          <a:xfrm>
+            <a:off x="5314950" y="2395919"/>
+            <a:ext cx="2006973" cy="1200329"/>
+          </a:xfrm>
+          <a:prstGeom prst="rect">
+            <a:avLst/>
+          </a:prstGeom>
+          <a:noFill/>
+        </p:spPr>
+        <p:txBody>
+          <a:bodyPr wrap="square">
+            <a:spAutoFit/>
+          </a:bodyPr>
+          <a:lstStyle/>
+          <a:p>
+            <a:r>
+              <a:rPr lang="ko-Kore-KR" altLang="en-US" dirty="0"/>
+              <a:t>Exam Day 1 -&gt; A</a:t>
+            </a:r>
+          </a:p>
+          <a:p>
+            <a:r>
+              <a:rPr lang="ko-Kore-KR" altLang="en-US" dirty="0"/>
+              <a:t>Exam Day 2 -&gt; D E</a:t>
+            </a:r>
+          </a:p>
+          <a:p>
+            <a:r>
+              <a:rPr lang="ko-Kore-KR" altLang="en-US" dirty="0"/>
+              <a:t>Exam Day 3 -&gt; B</a:t>
+            </a:r>
+          </a:p>
+          <a:p>
+            <a:r>
+              <a:rPr lang="ko-Kore-KR" altLang="en-US" dirty="0"/>
+              <a:t>Exam Day 4 -&gt; C F</a:t>
+            </a:r>
+          </a:p>
+        </p:txBody>
+      </p:sp>
+      <p:sp>
+        <p:nvSpPr>
+          <p:cNvPr id="30" name="TextBox 29">
+            <a:extLst>
+              <a:ext uri="{FF2B5EF4-FFF2-40B4-BE49-F238E27FC236}">
+                <a16:creationId xmlns:a16="http://schemas.microsoft.com/office/drawing/2014/main" id="{955A198E-30B6-0364-3A05-456F54ECBA83}"/>
+              </a:ext>
+            </a:extLst>
+          </p:cNvPr>
+          <p:cNvSpPr txBox="1"/>
+          <p:nvPr/>
+        </p:nvSpPr>
+        <p:spPr>
+          <a:xfrm>
+            <a:off x="9914377" y="2765251"/>
+            <a:ext cx="554960" cy="369332"/>
+          </a:xfrm>
+          <a:prstGeom prst="rect">
+            <a:avLst/>
+          </a:prstGeom>
+          <a:noFill/>
+        </p:spPr>
+        <p:txBody>
+          <a:bodyPr wrap="none" rtlCol="0">
+            <a:spAutoFit/>
+          </a:bodyPr>
+          <a:lstStyle/>
+          <a:p>
+            <a:r>
+              <a:rPr kumimoji="1" lang="en-US" altLang="ko-Kore-KR" dirty="0"/>
+              <a:t>… …</a:t>
+            </a:r>
+            <a:endParaRPr kumimoji="1" lang="ko-Kore-KR" altLang="en-US" dirty="0"/>
+          </a:p>
+        </p:txBody>
+      </p:sp>
+      <p:sp>
+        <p:nvSpPr>
+          <p:cNvPr id="31" name="TextBox 30">
+            <a:extLst>
+              <a:ext uri="{FF2B5EF4-FFF2-40B4-BE49-F238E27FC236}">
+                <a16:creationId xmlns:a16="http://schemas.microsoft.com/office/drawing/2014/main" id="{062FEAF3-ECE1-2F95-08BB-FD7DE52463B5}"/>
+              </a:ext>
+            </a:extLst>
+          </p:cNvPr>
+          <p:cNvSpPr txBox="1"/>
+          <p:nvPr/>
+        </p:nvSpPr>
+        <p:spPr>
+          <a:xfrm>
+            <a:off x="803462" y="3534583"/>
+            <a:ext cx="5415265" cy="369332"/>
+          </a:xfrm>
+          <a:prstGeom prst="rect">
+            <a:avLst/>
+          </a:prstGeom>
+          <a:noFill/>
+        </p:spPr>
+        <p:txBody>
+          <a:bodyPr wrap="none" rtlCol="0">
+            <a:spAutoFit/>
+          </a:bodyPr>
+          <a:lstStyle/>
+          <a:p>
+            <a:r>
+              <a:rPr kumimoji="1" lang="en-US" altLang="ko-KR" dirty="0"/>
+              <a:t>-&gt;</a:t>
+            </a:r>
+            <a:r>
+              <a:rPr kumimoji="1" lang="ko-KR" altLang="en-US" dirty="0"/>
+              <a:t> 위의 케이스들이 사실상 순서만 바뀐 같은 케이스</a:t>
+            </a:r>
+            <a:r>
+              <a:rPr kumimoji="1" lang="en-US" altLang="ko-KR" dirty="0"/>
+              <a:t>.</a:t>
+            </a:r>
+            <a:endParaRPr kumimoji="1" lang="ko-Kore-KR" altLang="en-US" dirty="0"/>
+          </a:p>
+        </p:txBody>
+      </p:sp>
+      <p:sp>
+        <p:nvSpPr>
+          <p:cNvPr id="32" name="TextBox 31">
+            <a:extLst>
+              <a:ext uri="{FF2B5EF4-FFF2-40B4-BE49-F238E27FC236}">
+                <a16:creationId xmlns:a16="http://schemas.microsoft.com/office/drawing/2014/main" id="{B68C2A64-F76E-BD48-F690-22EFB92FD6F4}"/>
+              </a:ext>
+            </a:extLst>
+          </p:cNvPr>
+          <p:cNvSpPr txBox="1"/>
+          <p:nvPr/>
+        </p:nvSpPr>
+        <p:spPr>
+          <a:xfrm>
+            <a:off x="623212" y="4029711"/>
+            <a:ext cx="10743647" cy="369332"/>
+          </a:xfrm>
+          <a:prstGeom prst="rect">
+            <a:avLst/>
+          </a:prstGeom>
+          <a:noFill/>
+        </p:spPr>
+        <p:txBody>
+          <a:bodyPr wrap="none" rtlCol="0">
+            <a:spAutoFit/>
+          </a:bodyPr>
+          <a:lstStyle/>
+          <a:p>
+            <a:r>
+              <a:rPr lang="ko-Kore-KR" altLang="en-US" dirty="0">
+                <a:solidFill>
+                  <a:srgbClr val="222222"/>
+                </a:solidFill>
+                <a:latin typeface="Arial" panose="020B0604020202020204" pitchFamily="34" charset="0"/>
+              </a:rPr>
+              <a:t>✓ </a:t>
+            </a:r>
+            <a:r>
+              <a:rPr kumimoji="1" lang="ko-KR" altLang="en-US" b="1" dirty="0"/>
+              <a:t>과목 사이의 관계를 기반으로 작성</a:t>
+            </a:r>
+            <a:r>
+              <a:rPr kumimoji="1" lang="ko-KR" altLang="en-US" dirty="0"/>
+              <a:t>한 코드이기 때문에 </a:t>
+            </a:r>
+            <a:r>
+              <a:rPr kumimoji="1" lang="ko-KR" altLang="en-US" b="1" dirty="0"/>
+              <a:t>더 많은 학생</a:t>
+            </a:r>
+            <a:r>
+              <a:rPr kumimoji="1" lang="en-US" altLang="ko-KR" b="1" dirty="0"/>
+              <a:t>,</a:t>
+            </a:r>
+            <a:r>
+              <a:rPr kumimoji="1" lang="ko-KR" altLang="en-US" b="1" dirty="0"/>
+              <a:t> 과목수</a:t>
+            </a:r>
+            <a:r>
+              <a:rPr kumimoji="1" lang="ko-KR" altLang="en-US" dirty="0"/>
+              <a:t>에 대해서도 처리할 수 있다</a:t>
+            </a:r>
+            <a:r>
+              <a:rPr kumimoji="1" lang="en-US" altLang="ko-KR" dirty="0"/>
+              <a:t>.</a:t>
+            </a:r>
+            <a:endParaRPr kumimoji="1" lang="ko-Kore-KR" altLang="en-US" dirty="0"/>
+          </a:p>
+        </p:txBody>
+      </p:sp>
+      <p:pic>
+        <p:nvPicPr>
+          <p:cNvPr id="33" name="그림 32">
+            <a:extLst>
+              <a:ext uri="{FF2B5EF4-FFF2-40B4-BE49-F238E27FC236}">
+                <a16:creationId xmlns:a16="http://schemas.microsoft.com/office/drawing/2014/main" id="{90EABAC0-5844-0817-AC21-A1DA9B8AAFCC}"/>
+              </a:ext>
+            </a:extLst>
+          </p:cNvPr>
+          <p:cNvPicPr>
+            <a:picLocks noChangeAspect="1"/>
+          </p:cNvPicPr>
+          <p:nvPr/>
+        </p:nvPicPr>
+        <p:blipFill>
+          <a:blip r:embed="rId3"/>
+          <a:stretch>
+            <a:fillRect/>
+          </a:stretch>
+        </p:blipFill>
+        <p:spPr>
+          <a:xfrm>
+            <a:off x="1006663" y="4521377"/>
+            <a:ext cx="2235200" cy="863600"/>
+          </a:xfrm>
+          <a:prstGeom prst="rect">
+            <a:avLst/>
+          </a:prstGeom>
+        </p:spPr>
+      </p:pic>
+      <p:pic>
+        <p:nvPicPr>
+          <p:cNvPr id="34" name="그림 33">
+            <a:extLst>
+              <a:ext uri="{FF2B5EF4-FFF2-40B4-BE49-F238E27FC236}">
+                <a16:creationId xmlns:a16="http://schemas.microsoft.com/office/drawing/2014/main" id="{EC7B7BC0-4BAC-2B09-A4D0-FDF840ECEB9B}"/>
+              </a:ext>
+            </a:extLst>
+          </p:cNvPr>
+          <p:cNvPicPr>
+            <a:picLocks noChangeAspect="1"/>
+          </p:cNvPicPr>
+          <p:nvPr/>
+        </p:nvPicPr>
+        <p:blipFill>
+          <a:blip r:embed="rId4"/>
+          <a:stretch>
+            <a:fillRect/>
+          </a:stretch>
+        </p:blipFill>
+        <p:spPr>
+          <a:xfrm>
+            <a:off x="3266515" y="4521376"/>
+            <a:ext cx="962160" cy="2240253"/>
+          </a:xfrm>
+          <a:prstGeom prst="rect">
+            <a:avLst/>
+          </a:prstGeom>
+        </p:spPr>
+      </p:pic>
+      <p:pic>
+        <p:nvPicPr>
+          <p:cNvPr id="35" name="그림 34">
+            <a:extLst>
+              <a:ext uri="{FF2B5EF4-FFF2-40B4-BE49-F238E27FC236}">
+                <a16:creationId xmlns:a16="http://schemas.microsoft.com/office/drawing/2014/main" id="{9AA4E8F9-2365-9543-F101-11DE750BC6B6}"/>
+              </a:ext>
+            </a:extLst>
+          </p:cNvPr>
+          <p:cNvPicPr>
+            <a:picLocks noChangeAspect="1"/>
+          </p:cNvPicPr>
+          <p:nvPr/>
+        </p:nvPicPr>
+        <p:blipFill>
+          <a:blip r:embed="rId5"/>
+          <a:stretch>
+            <a:fillRect/>
+          </a:stretch>
+        </p:blipFill>
+        <p:spPr>
+          <a:xfrm>
+            <a:off x="4253327" y="4507010"/>
+            <a:ext cx="841107" cy="2255992"/>
+          </a:xfrm>
+          <a:prstGeom prst="rect">
+            <a:avLst/>
+          </a:prstGeom>
+        </p:spPr>
+      </p:pic>
+      <p:pic>
+        <p:nvPicPr>
+          <p:cNvPr id="36" name="그림 35">
+            <a:extLst>
+              <a:ext uri="{FF2B5EF4-FFF2-40B4-BE49-F238E27FC236}">
+                <a16:creationId xmlns:a16="http://schemas.microsoft.com/office/drawing/2014/main" id="{57102DB9-5B09-6309-5490-75DB16ED6480}"/>
+              </a:ext>
+            </a:extLst>
+          </p:cNvPr>
+          <p:cNvPicPr>
+            <a:picLocks noChangeAspect="1"/>
+          </p:cNvPicPr>
+          <p:nvPr/>
+        </p:nvPicPr>
+        <p:blipFill>
+          <a:blip r:embed="rId6"/>
+          <a:stretch>
+            <a:fillRect/>
+          </a:stretch>
+        </p:blipFill>
+        <p:spPr>
+          <a:xfrm>
+            <a:off x="5119087" y="4505637"/>
+            <a:ext cx="686606" cy="2255992"/>
+          </a:xfrm>
+          <a:prstGeom prst="rect">
+            <a:avLst/>
+          </a:prstGeom>
+        </p:spPr>
+      </p:pic>
+      <p:sp>
+        <p:nvSpPr>
+          <p:cNvPr id="37" name="TextBox 36">
+            <a:extLst>
+              <a:ext uri="{FF2B5EF4-FFF2-40B4-BE49-F238E27FC236}">
+                <a16:creationId xmlns:a16="http://schemas.microsoft.com/office/drawing/2014/main" id="{FAC02587-E026-DEDA-AEA6-49D48E1D56B7}"/>
+              </a:ext>
+            </a:extLst>
+          </p:cNvPr>
+          <p:cNvSpPr txBox="1"/>
+          <p:nvPr/>
+        </p:nvSpPr>
+        <p:spPr>
+          <a:xfrm>
+            <a:off x="5958459" y="5200311"/>
+            <a:ext cx="554960" cy="369332"/>
+          </a:xfrm>
+          <a:prstGeom prst="rect">
+            <a:avLst/>
+          </a:prstGeom>
+          <a:noFill/>
+        </p:spPr>
+        <p:txBody>
+          <a:bodyPr wrap="none" rtlCol="0">
+            <a:spAutoFit/>
+          </a:bodyPr>
+          <a:lstStyle/>
+          <a:p>
+            <a:r>
+              <a:rPr kumimoji="1" lang="en-US" altLang="ko-Kore-KR" dirty="0"/>
+              <a:t>… …</a:t>
+            </a:r>
+            <a:endParaRPr kumimoji="1" lang="ko-Kore-KR" altLang="en-US" dirty="0"/>
+          </a:p>
+        </p:txBody>
+      </p:sp>
+    </p:spTree>
+    <p:extLst>
+      <p:ext uri="{BB962C8B-B14F-4D97-AF65-F5344CB8AC3E}">
+        <p14:creationId xmlns:p14="http://schemas.microsoft.com/office/powerpoint/2010/main" val="3054897143"/>
       </p:ext>
     </p:extLst>
   </p:cSld>

--- a/MidtermPj_2018440017_김민석(제출용).pptx
+++ b/MidtermPj_2018440017_김민석(제출용).pptx
@@ -208,7 +208,7 @@
           <a:p>
             <a:fld id="{26D3A4F0-466E-3B4A-8EC0-4A7E716EBDAE}" type="datetimeFigureOut">
               <a:rPr kumimoji="1" lang="ko-Kore-KR" altLang="en-US" smtClean="0"/>
-              <a:t>2023. 11. 22.</a:t>
+              <a:t>2023. 11. 24.</a:t>
             </a:fld>
             <a:endParaRPr kumimoji="1" lang="ko-Kore-KR" altLang="en-US"/>
           </a:p>
@@ -623,11 +623,71 @@
           <a:bodyPr/>
           <a:lstStyle/>
           <a:p>
+            <a:pPr marL="0" marR="0" lvl="0" indent="0" algn="r" defTabSz="914400" rtl="0" eaLnBrk="1" fontAlgn="auto" latinLnBrk="0" hangingPunct="1">
+              <a:lnSpc>
+                <a:spcPct val="100000"/>
+              </a:lnSpc>
+              <a:spcBef>
+                <a:spcPts val="0"/>
+              </a:spcBef>
+              <a:spcAft>
+                <a:spcPts val="0"/>
+              </a:spcAft>
+              <a:buClrTx/>
+              <a:buSzTx/>
+              <a:buFontTx/>
+              <a:buNone/>
+              <a:tabLst/>
+              <a:defRPr/>
+            </a:pPr>
             <a:fld id="{9E17A8AF-36B6-8448-8D25-A4C256415445}" type="slidenum">
-              <a:rPr kumimoji="1" lang="ko-Kore-KR" altLang="en-US" smtClean="0"/>
+              <a:rPr kumimoji="1" lang="ko-Kore-KR" altLang="en-US" sz="1200" b="0" i="0" u="none" strike="noStrike" kern="1200" cap="none" spc="0" normalizeH="0" baseline="0" noProof="0" smtClean="0">
+                <a:ln>
+                  <a:noFill/>
+                </a:ln>
+                <a:solidFill>
+                  <a:prstClr val="black"/>
+                </a:solidFill>
+                <a:effectLst/>
+                <a:uLnTx/>
+                <a:uFillTx/>
+                <a:latin typeface="Calibri" panose="020F0502020204030204"/>
+                <a:ea typeface="+mn-ea"/>
+                <a:cs typeface="+mn-cs"/>
+              </a:rPr>
+              <a:pPr marL="0" marR="0" lvl="0" indent="0" algn="r" defTabSz="914400" rtl="0" eaLnBrk="1" fontAlgn="auto" latinLnBrk="0" hangingPunct="1">
+                <a:lnSpc>
+                  <a:spcPct val="100000"/>
+                </a:lnSpc>
+                <a:spcBef>
+                  <a:spcPts val="0"/>
+                </a:spcBef>
+                <a:spcAft>
+                  <a:spcPts val="0"/>
+                </a:spcAft>
+                <a:buClrTx/>
+                <a:buSzTx/>
+                <a:buFontTx/>
+                <a:buNone/>
+                <a:tabLst/>
+                <a:defRPr/>
+              </a:pPr>
               <a:t>7</a:t>
             </a:fld>
-            <a:endParaRPr kumimoji="1" lang="ko-Kore-KR" altLang="en-US"/>
+            <a:endParaRPr kumimoji="1" lang="ko-Kore-KR" altLang="en-US" sz="1200" b="0" i="0" u="none" strike="noStrike" kern="1200" cap="none" spc="0" normalizeH="0" baseline="0" noProof="0">
+              <a:ln>
+                <a:noFill/>
+              </a:ln>
+              <a:solidFill>
+                <a:prstClr val="black"/>
+              </a:solidFill>
+              <a:effectLst/>
+              <a:uLnTx/>
+              <a:uFillTx/>
+              <a:latin typeface="Calibri" panose="020F0502020204030204"/>
+              <a:ea typeface="+mn-ea"/>
+              <a:cs typeface="+mn-cs"/>
+            </a:endParaRPr>
           </a:p>
         </p:txBody>
       </p:sp>
@@ -1105,7 +1165,7 @@
           <a:p>
             <a:fld id="{027A7598-B55D-EE4A-8E49-BD9F5713F660}" type="datetime1">
               <a:rPr kumimoji="1" lang="ko-KR" altLang="en-US" smtClean="0"/>
-              <a:t>2023. 11. 22.</a:t>
+              <a:t>2023. 11. 24.</a:t>
             </a:fld>
             <a:endParaRPr kumimoji="1" lang="ko-Kore-KR" altLang="en-US"/>
           </a:p>
@@ -1305,7 +1365,7 @@
           <a:p>
             <a:fld id="{309CB8BC-8557-614A-8B73-E7BAECDDC0E1}" type="datetime1">
               <a:rPr kumimoji="1" lang="ko-KR" altLang="en-US" smtClean="0"/>
-              <a:t>2023. 11. 22.</a:t>
+              <a:t>2023. 11. 24.</a:t>
             </a:fld>
             <a:endParaRPr kumimoji="1" lang="ko-Kore-KR" altLang="en-US"/>
           </a:p>
@@ -1515,7 +1575,7 @@
           <a:p>
             <a:fld id="{220F62BD-76AE-734D-A5D5-C51F27076480}" type="datetime1">
               <a:rPr kumimoji="1" lang="ko-KR" altLang="en-US" smtClean="0"/>
-              <a:t>2023. 11. 22.</a:t>
+              <a:t>2023. 11. 24.</a:t>
             </a:fld>
             <a:endParaRPr kumimoji="1" lang="ko-Kore-KR" altLang="en-US"/>
           </a:p>
@@ -1731,7 +1791,7 @@
           <a:p>
             <a:fld id="{0E5D238F-1442-B942-849C-C96489B049B6}" type="datetime1">
               <a:rPr lang="ko-KR" altLang="en-US" smtClean="0"/>
-              <a:t>2023. 11. 22.</a:t>
+              <a:t>2023. 11. 24.</a:t>
             </a:fld>
             <a:endParaRPr lang="en-US"/>
           </a:p>
@@ -1924,7 +1984,7 @@
           <a:p>
             <a:fld id="{6BF06F2F-1FBF-4A47-AA5F-83353DBCFAEE}" type="datetime1">
               <a:rPr lang="ko-KR" altLang="en-US" smtClean="0"/>
-              <a:t>2023. 11. 22.</a:t>
+              <a:t>2023. 11. 24.</a:t>
             </a:fld>
             <a:endParaRPr lang="en-US"/>
           </a:p>
@@ -2160,7 +2220,7 @@
           <a:p>
             <a:fld id="{F99B5203-1D04-DE41-9ADA-EBD44BADE523}" type="datetime1">
               <a:rPr lang="ko-KR" altLang="en-US" smtClean="0"/>
-              <a:t>2023. 11. 22.</a:t>
+              <a:t>2023. 11. 24.</a:t>
             </a:fld>
             <a:endParaRPr lang="en-US"/>
           </a:p>
@@ -2324,7 +2384,7 @@
           <a:p>
             <a:fld id="{925D80E5-5959-4043-8EC7-4FA04F6E4093}" type="datetime1">
               <a:rPr lang="ko-KR" altLang="en-US" smtClean="0"/>
-              <a:t>2023. 11. 22.</a:t>
+              <a:t>2023. 11. 24.</a:t>
             </a:fld>
             <a:endParaRPr lang="en-US"/>
           </a:p>
@@ -2459,7 +2519,7 @@
           <a:p>
             <a:fld id="{D1E4D4B3-1763-3545-928E-6A69C4C7D563}" type="datetime1">
               <a:rPr lang="ko-KR" altLang="en-US" smtClean="0"/>
-              <a:t>2023. 11. 22.</a:t>
+              <a:t>2023. 11. 24.</a:t>
             </a:fld>
             <a:endParaRPr lang="en-US"/>
           </a:p>
@@ -2648,7 +2708,7 @@
           <a:p>
             <a:fld id="{50B0030B-8A17-D44C-BA20-38E308247ACB}" type="datetime1">
               <a:rPr kumimoji="1" lang="ko-KR" altLang="en-US" smtClean="0"/>
-              <a:t>2023. 11. 22.</a:t>
+              <a:t>2023. 11. 24.</a:t>
             </a:fld>
             <a:endParaRPr kumimoji="1" lang="ko-Kore-KR" altLang="en-US"/>
           </a:p>
@@ -2924,7 +2984,7 @@
           <a:p>
             <a:fld id="{68A0C62B-C75B-044F-B053-215EB5AC3A0E}" type="datetime1">
               <a:rPr kumimoji="1" lang="ko-KR" altLang="en-US" smtClean="0"/>
-              <a:t>2023. 11. 22.</a:t>
+              <a:t>2023. 11. 24.</a:t>
             </a:fld>
             <a:endParaRPr kumimoji="1" lang="ko-Kore-KR" altLang="en-US"/>
           </a:p>
@@ -3192,7 +3252,7 @@
           <a:p>
             <a:fld id="{3122A40D-060C-8D44-80FE-DDD745C5ACB9}" type="datetime1">
               <a:rPr kumimoji="1" lang="ko-KR" altLang="en-US" smtClean="0"/>
-              <a:t>2023. 11. 22.</a:t>
+              <a:t>2023. 11. 24.</a:t>
             </a:fld>
             <a:endParaRPr kumimoji="1" lang="ko-Kore-KR" altLang="en-US"/>
           </a:p>
@@ -3612,7 +3672,7 @@
           <a:p>
             <a:fld id="{5D04D848-C5A5-994E-AC33-3C97AFA5B6B9}" type="datetime1">
               <a:rPr kumimoji="1" lang="ko-KR" altLang="en-US" smtClean="0"/>
-              <a:t>2023. 11. 22.</a:t>
+              <a:t>2023. 11. 24.</a:t>
             </a:fld>
             <a:endParaRPr kumimoji="1" lang="ko-Kore-KR" altLang="en-US"/>
           </a:p>
@@ -3759,7 +3819,7 @@
           <a:p>
             <a:fld id="{24129749-32ED-E841-8724-892C1F91EAA2}" type="datetime1">
               <a:rPr kumimoji="1" lang="ko-KR" altLang="en-US" smtClean="0"/>
-              <a:t>2023. 11. 22.</a:t>
+              <a:t>2023. 11. 24.</a:t>
             </a:fld>
             <a:endParaRPr kumimoji="1" lang="ko-Kore-KR" altLang="en-US"/>
           </a:p>
@@ -3872,7 +3932,7 @@
           <a:p>
             <a:fld id="{E23753C6-368F-8846-8FB6-FD59AB20389F}" type="datetime1">
               <a:rPr kumimoji="1" lang="ko-KR" altLang="en-US" smtClean="0"/>
-              <a:t>2023. 11. 22.</a:t>
+              <a:t>2023. 11. 24.</a:t>
             </a:fld>
             <a:endParaRPr kumimoji="1" lang="ko-Kore-KR" altLang="en-US"/>
           </a:p>
@@ -4185,7 +4245,7 @@
           <a:p>
             <a:fld id="{01934D68-E7DE-F444-8DAA-16B4D6C2FA38}" type="datetime1">
               <a:rPr kumimoji="1" lang="ko-KR" altLang="en-US" smtClean="0"/>
-              <a:t>2023. 11. 22.</a:t>
+              <a:t>2023. 11. 24.</a:t>
             </a:fld>
             <a:endParaRPr kumimoji="1" lang="ko-Kore-KR" altLang="en-US"/>
           </a:p>
@@ -4479,7 +4539,7 @@
           <a:p>
             <a:fld id="{6A2DCAF8-E8FE-064E-B137-95C0A75ED937}" type="datetime1">
               <a:rPr kumimoji="1" lang="ko-KR" altLang="en-US" smtClean="0"/>
-              <a:t>2023. 11. 22.</a:t>
+              <a:t>2023. 11. 24.</a:t>
             </a:fld>
             <a:endParaRPr kumimoji="1" lang="ko-Kore-KR" altLang="en-US"/>
           </a:p>
@@ -4722,7 +4782,7 @@
           <a:p>
             <a:fld id="{1704101D-FA49-4342-9DFE-FFB9AF547331}" type="datetime1">
               <a:rPr kumimoji="1" lang="ko-KR" altLang="en-US" smtClean="0"/>
-              <a:t>2023. 11. 22.</a:t>
+              <a:t>2023. 11. 24.</a:t>
             </a:fld>
             <a:endParaRPr kumimoji="1" lang="ko-Kore-KR" altLang="en-US"/>
           </a:p>
@@ -5371,7 +5431,7 @@
           <a:p>
             <a:fld id="{18D0D0C9-E318-B445-A68B-AF3BB07CD36F}" type="datetime1">
               <a:rPr lang="ko-KR" altLang="en-US" smtClean="0"/>
-              <a:t>2023. 11. 22.</a:t>
+              <a:t>2023. 11. 24.</a:t>
             </a:fld>
             <a:endParaRPr lang="en-US"/>
           </a:p>
@@ -12008,184 +12068,6 @@
   <p:clrMapOvr>
     <a:masterClrMapping/>
   </p:clrMapOvr>
-  <p:timing>
-    <p:tnLst>
-      <p:par>
-        <p:cTn id="1" dur="indefinite" restart="never" nodeType="tmRoot">
-          <p:childTnLst>
-            <p:seq concurrent="1" nextAc="seek">
-              <p:cTn id="2" dur="indefinite" nodeType="mainSeq">
-                <p:childTnLst>
-                  <p:par>
-                    <p:cTn id="3" fill="hold">
-                      <p:stCondLst>
-                        <p:cond delay="indefinite"/>
-                      </p:stCondLst>
-                      <p:childTnLst>
-                        <p:par>
-                          <p:cTn id="4" fill="hold">
-                            <p:stCondLst>
-                              <p:cond delay="0"/>
-                            </p:stCondLst>
-                            <p:childTnLst>
-                              <p:par>
-                                <p:cTn id="5" presetID="1" presetClass="entr" presetSubtype="0" fill="hold" nodeType="clickEffect">
-                                  <p:stCondLst>
-                                    <p:cond delay="0"/>
-                                  </p:stCondLst>
-                                  <p:childTnLst>
-                                    <p:set>
-                                      <p:cBhvr>
-                                        <p:cTn id="6" dur="1" fill="hold">
-                                          <p:stCondLst>
-                                            <p:cond delay="0"/>
-                                          </p:stCondLst>
-                                        </p:cTn>
-                                        <p:tgtEl>
-                                          <p:spTgt spid="75"/>
-                                        </p:tgtEl>
-                                        <p:attrNameLst>
-                                          <p:attrName>style.visibility</p:attrName>
-                                        </p:attrNameLst>
-                                      </p:cBhvr>
-                                      <p:to>
-                                        <p:strVal val="visible"/>
-                                      </p:to>
-                                    </p:set>
-                                  </p:childTnLst>
-                                </p:cTn>
-                              </p:par>
-                              <p:par>
-                                <p:cTn id="7" presetID="1" presetClass="entr" presetSubtype="0" fill="hold" grpId="0" nodeType="withEffect">
-                                  <p:stCondLst>
-                                    <p:cond delay="0"/>
-                                  </p:stCondLst>
-                                  <p:childTnLst>
-                                    <p:set>
-                                      <p:cBhvr>
-                                        <p:cTn id="8" dur="1" fill="hold">
-                                          <p:stCondLst>
-                                            <p:cond delay="0"/>
-                                          </p:stCondLst>
-                                        </p:cTn>
-                                        <p:tgtEl>
-                                          <p:spTgt spid="197"/>
-                                        </p:tgtEl>
-                                        <p:attrNameLst>
-                                          <p:attrName>style.visibility</p:attrName>
-                                        </p:attrNameLst>
-                                      </p:cBhvr>
-                                      <p:to>
-                                        <p:strVal val="visible"/>
-                                      </p:to>
-                                    </p:set>
-                                  </p:childTnLst>
-                                </p:cTn>
-                              </p:par>
-                            </p:childTnLst>
-                          </p:cTn>
-                        </p:par>
-                      </p:childTnLst>
-                    </p:cTn>
-                  </p:par>
-                  <p:par>
-                    <p:cTn id="9" fill="hold">
-                      <p:stCondLst>
-                        <p:cond delay="indefinite"/>
-                      </p:stCondLst>
-                      <p:childTnLst>
-                        <p:par>
-                          <p:cTn id="10" fill="hold">
-                            <p:stCondLst>
-                              <p:cond delay="0"/>
-                            </p:stCondLst>
-                            <p:childTnLst>
-                              <p:par>
-                                <p:cTn id="11" presetID="1" presetClass="entr" presetSubtype="0" fill="hold" nodeType="clickEffect">
-                                  <p:stCondLst>
-                                    <p:cond delay="0"/>
-                                  </p:stCondLst>
-                                  <p:childTnLst>
-                                    <p:set>
-                                      <p:cBhvr>
-                                        <p:cTn id="12" dur="1" fill="hold">
-                                          <p:stCondLst>
-                                            <p:cond delay="0"/>
-                                          </p:stCondLst>
-                                        </p:cTn>
-                                        <p:tgtEl>
-                                          <p:spTgt spid="164"/>
-                                        </p:tgtEl>
-                                        <p:attrNameLst>
-                                          <p:attrName>style.visibility</p:attrName>
-                                        </p:attrNameLst>
-                                      </p:cBhvr>
-                                      <p:to>
-                                        <p:strVal val="visible"/>
-                                      </p:to>
-                                    </p:set>
-                                  </p:childTnLst>
-                                </p:cTn>
-                              </p:par>
-                              <p:par>
-                                <p:cTn id="13" presetID="1" presetClass="entr" presetSubtype="0" fill="hold" grpId="0" nodeType="withEffect">
-                                  <p:stCondLst>
-                                    <p:cond delay="0"/>
-                                  </p:stCondLst>
-                                  <p:childTnLst>
-                                    <p:set>
-                                      <p:cBhvr>
-                                        <p:cTn id="14" dur="1" fill="hold">
-                                          <p:stCondLst>
-                                            <p:cond delay="0"/>
-                                          </p:stCondLst>
-                                        </p:cTn>
-                                        <p:tgtEl>
-                                          <p:spTgt spid="198"/>
-                                        </p:tgtEl>
-                                        <p:attrNameLst>
-                                          <p:attrName>style.visibility</p:attrName>
-                                        </p:attrNameLst>
-                                      </p:cBhvr>
-                                      <p:to>
-                                        <p:strVal val="visible"/>
-                                      </p:to>
-                                    </p:set>
-                                  </p:childTnLst>
-                                </p:cTn>
-                              </p:par>
-                            </p:childTnLst>
-                          </p:cTn>
-                        </p:par>
-                      </p:childTnLst>
-                    </p:cTn>
-                  </p:par>
-                </p:childTnLst>
-              </p:cTn>
-              <p:prevCondLst>
-                <p:cond evt="onPrev" delay="0">
-                  <p:tgtEl>
-                    <p:sldTgt/>
-                  </p:tgtEl>
-                </p:cond>
-              </p:prevCondLst>
-              <p:nextCondLst>
-                <p:cond evt="onNext" delay="0">
-                  <p:tgtEl>
-                    <p:sldTgt/>
-                  </p:tgtEl>
-                </p:cond>
-              </p:nextCondLst>
-            </p:seq>
-          </p:childTnLst>
-        </p:cTn>
-      </p:par>
-    </p:tnLst>
-    <p:bldLst>
-      <p:bldP spid="197" grpId="0"/>
-      <p:bldP spid="198" grpId="0"/>
-    </p:bldLst>
-  </p:timing>
 </p:sld>
 </file>
 
@@ -17292,395 +17174,6 @@
   <p:clrMapOvr>
     <a:masterClrMapping/>
   </p:clrMapOvr>
-  <p:timing>
-    <p:tnLst>
-      <p:par>
-        <p:cTn id="1" dur="indefinite" restart="never" nodeType="tmRoot">
-          <p:childTnLst>
-            <p:seq concurrent="1" nextAc="seek">
-              <p:cTn id="2" dur="indefinite" nodeType="mainSeq">
-                <p:childTnLst>
-                  <p:par>
-                    <p:cTn id="3" fill="hold">
-                      <p:stCondLst>
-                        <p:cond delay="indefinite"/>
-                      </p:stCondLst>
-                      <p:childTnLst>
-                        <p:par>
-                          <p:cTn id="4" fill="hold">
-                            <p:stCondLst>
-                              <p:cond delay="0"/>
-                            </p:stCondLst>
-                            <p:childTnLst>
-                              <p:par>
-                                <p:cTn id="5" presetID="1" presetClass="entr" presetSubtype="0" fill="hold" grpId="0" nodeType="clickEffect">
-                                  <p:stCondLst>
-                                    <p:cond delay="0"/>
-                                  </p:stCondLst>
-                                  <p:childTnLst>
-                                    <p:set>
-                                      <p:cBhvr>
-                                        <p:cTn id="6" dur="1" fill="hold">
-                                          <p:stCondLst>
-                                            <p:cond delay="0"/>
-                                          </p:stCondLst>
-                                        </p:cTn>
-                                        <p:tgtEl>
-                                          <p:spTgt spid="75"/>
-                                        </p:tgtEl>
-                                        <p:attrNameLst>
-                                          <p:attrName>style.visibility</p:attrName>
-                                        </p:attrNameLst>
-                                      </p:cBhvr>
-                                      <p:to>
-                                        <p:strVal val="visible"/>
-                                      </p:to>
-                                    </p:set>
-                                  </p:childTnLst>
-                                </p:cTn>
-                              </p:par>
-                            </p:childTnLst>
-                          </p:cTn>
-                        </p:par>
-                      </p:childTnLst>
-                    </p:cTn>
-                  </p:par>
-                  <p:par>
-                    <p:cTn id="7" fill="hold">
-                      <p:stCondLst>
-                        <p:cond delay="indefinite"/>
-                      </p:stCondLst>
-                      <p:childTnLst>
-                        <p:par>
-                          <p:cTn id="8" fill="hold">
-                            <p:stCondLst>
-                              <p:cond delay="0"/>
-                            </p:stCondLst>
-                            <p:childTnLst>
-                              <p:par>
-                                <p:cTn id="9" presetID="1" presetClass="entr" presetSubtype="0" fill="hold" grpId="0" nodeType="clickEffect">
-                                  <p:stCondLst>
-                                    <p:cond delay="0"/>
-                                  </p:stCondLst>
-                                  <p:childTnLst>
-                                    <p:set>
-                                      <p:cBhvr>
-                                        <p:cTn id="10" dur="1" fill="hold">
-                                          <p:stCondLst>
-                                            <p:cond delay="0"/>
-                                          </p:stCondLst>
-                                        </p:cTn>
-                                        <p:tgtEl>
-                                          <p:spTgt spid="76"/>
-                                        </p:tgtEl>
-                                        <p:attrNameLst>
-                                          <p:attrName>style.visibility</p:attrName>
-                                        </p:attrNameLst>
-                                      </p:cBhvr>
-                                      <p:to>
-                                        <p:strVal val="visible"/>
-                                      </p:to>
-                                    </p:set>
-                                  </p:childTnLst>
-                                </p:cTn>
-                              </p:par>
-                            </p:childTnLst>
-                          </p:cTn>
-                        </p:par>
-                      </p:childTnLst>
-                    </p:cTn>
-                  </p:par>
-                  <p:par>
-                    <p:cTn id="11" fill="hold">
-                      <p:stCondLst>
-                        <p:cond delay="indefinite"/>
-                      </p:stCondLst>
-                      <p:childTnLst>
-                        <p:par>
-                          <p:cTn id="12" fill="hold">
-                            <p:stCondLst>
-                              <p:cond delay="0"/>
-                            </p:stCondLst>
-                            <p:childTnLst>
-                              <p:par>
-                                <p:cTn id="13" presetID="1" presetClass="entr" presetSubtype="0" fill="hold" grpId="0" nodeType="clickEffect">
-                                  <p:stCondLst>
-                                    <p:cond delay="0"/>
-                                  </p:stCondLst>
-                                  <p:childTnLst>
-                                    <p:set>
-                                      <p:cBhvr>
-                                        <p:cTn id="14" dur="1" fill="hold">
-                                          <p:stCondLst>
-                                            <p:cond delay="0"/>
-                                          </p:stCondLst>
-                                        </p:cTn>
-                                        <p:tgtEl>
-                                          <p:spTgt spid="42"/>
-                                        </p:tgtEl>
-                                        <p:attrNameLst>
-                                          <p:attrName>style.visibility</p:attrName>
-                                        </p:attrNameLst>
-                                      </p:cBhvr>
-                                      <p:to>
-                                        <p:strVal val="visible"/>
-                                      </p:to>
-                                    </p:set>
-                                  </p:childTnLst>
-                                </p:cTn>
-                              </p:par>
-                              <p:par>
-                                <p:cTn id="15" presetID="1" presetClass="entr" presetSubtype="0" fill="hold" grpId="0" nodeType="withEffect">
-                                  <p:stCondLst>
-                                    <p:cond delay="0"/>
-                                  </p:stCondLst>
-                                  <p:childTnLst>
-                                    <p:set>
-                                      <p:cBhvr>
-                                        <p:cTn id="16" dur="1" fill="hold">
-                                          <p:stCondLst>
-                                            <p:cond delay="0"/>
-                                          </p:stCondLst>
-                                        </p:cTn>
-                                        <p:tgtEl>
-                                          <p:spTgt spid="70"/>
-                                        </p:tgtEl>
-                                        <p:attrNameLst>
-                                          <p:attrName>style.visibility</p:attrName>
-                                        </p:attrNameLst>
-                                      </p:cBhvr>
-                                      <p:to>
-                                        <p:strVal val="visible"/>
-                                      </p:to>
-                                    </p:set>
-                                  </p:childTnLst>
-                                </p:cTn>
-                              </p:par>
-                              <p:par>
-                                <p:cTn id="17" presetID="1" presetClass="entr" presetSubtype="0" fill="hold" nodeType="withEffect">
-                                  <p:stCondLst>
-                                    <p:cond delay="0"/>
-                                  </p:stCondLst>
-                                  <p:childTnLst>
-                                    <p:set>
-                                      <p:cBhvr>
-                                        <p:cTn id="18" dur="1" fill="hold">
-                                          <p:stCondLst>
-                                            <p:cond delay="0"/>
-                                          </p:stCondLst>
-                                        </p:cTn>
-                                        <p:tgtEl>
-                                          <p:spTgt spid="69"/>
-                                        </p:tgtEl>
-                                        <p:attrNameLst>
-                                          <p:attrName>style.visibility</p:attrName>
-                                        </p:attrNameLst>
-                                      </p:cBhvr>
-                                      <p:to>
-                                        <p:strVal val="visible"/>
-                                      </p:to>
-                                    </p:set>
-                                  </p:childTnLst>
-                                </p:cTn>
-                              </p:par>
-                              <p:par>
-                                <p:cTn id="19" presetID="1" presetClass="entr" presetSubtype="0" fill="hold" grpId="1" nodeType="withEffect">
-                                  <p:stCondLst>
-                                    <p:cond delay="0"/>
-                                  </p:stCondLst>
-                                  <p:childTnLst>
-                                    <p:set>
-                                      <p:cBhvr>
-                                        <p:cTn id="20" dur="1" fill="hold">
-                                          <p:stCondLst>
-                                            <p:cond delay="0"/>
-                                          </p:stCondLst>
-                                        </p:cTn>
-                                        <p:tgtEl>
-                                          <p:spTgt spid="43"/>
-                                        </p:tgtEl>
-                                        <p:attrNameLst>
-                                          <p:attrName>style.visibility</p:attrName>
-                                        </p:attrNameLst>
-                                      </p:cBhvr>
-                                      <p:to>
-                                        <p:strVal val="visible"/>
-                                      </p:to>
-                                    </p:set>
-                                  </p:childTnLst>
-                                </p:cTn>
-                              </p:par>
-                            </p:childTnLst>
-                          </p:cTn>
-                        </p:par>
-                      </p:childTnLst>
-                    </p:cTn>
-                  </p:par>
-                  <p:par>
-                    <p:cTn id="21" fill="hold">
-                      <p:stCondLst>
-                        <p:cond delay="indefinite"/>
-                      </p:stCondLst>
-                      <p:childTnLst>
-                        <p:par>
-                          <p:cTn id="22" fill="hold">
-                            <p:stCondLst>
-                              <p:cond delay="0"/>
-                            </p:stCondLst>
-                            <p:childTnLst>
-                              <p:par>
-                                <p:cTn id="23" presetID="1" presetClass="entr" presetSubtype="0" fill="hold" nodeType="clickEffect">
-                                  <p:stCondLst>
-                                    <p:cond delay="0"/>
-                                  </p:stCondLst>
-                                  <p:childTnLst>
-                                    <p:set>
-                                      <p:cBhvr>
-                                        <p:cTn id="24" dur="1" fill="hold">
-                                          <p:stCondLst>
-                                            <p:cond delay="0"/>
-                                          </p:stCondLst>
-                                        </p:cTn>
-                                        <p:tgtEl>
-                                          <p:spTgt spid="68"/>
-                                        </p:tgtEl>
-                                        <p:attrNameLst>
-                                          <p:attrName>style.visibility</p:attrName>
-                                        </p:attrNameLst>
-                                      </p:cBhvr>
-                                      <p:to>
-                                        <p:strVal val="visible"/>
-                                      </p:to>
-                                    </p:set>
-                                  </p:childTnLst>
-                                </p:cTn>
-                              </p:par>
-                              <p:par>
-                                <p:cTn id="25" presetID="1" presetClass="entr" presetSubtype="0" fill="hold" nodeType="withEffect">
-                                  <p:stCondLst>
-                                    <p:cond delay="0"/>
-                                  </p:stCondLst>
-                                  <p:childTnLst>
-                                    <p:set>
-                                      <p:cBhvr>
-                                        <p:cTn id="26" dur="1" fill="hold">
-                                          <p:stCondLst>
-                                            <p:cond delay="0"/>
-                                          </p:stCondLst>
-                                        </p:cTn>
-                                        <p:tgtEl>
-                                          <p:spTgt spid="78"/>
-                                        </p:tgtEl>
-                                        <p:attrNameLst>
-                                          <p:attrName>style.visibility</p:attrName>
-                                        </p:attrNameLst>
-                                      </p:cBhvr>
-                                      <p:to>
-                                        <p:strVal val="visible"/>
-                                      </p:to>
-                                    </p:set>
-                                  </p:childTnLst>
-                                </p:cTn>
-                              </p:par>
-                              <p:par>
-                                <p:cTn id="27" presetID="1" presetClass="entr" presetSubtype="0" fill="hold" grpId="0" nodeType="withEffect">
-                                  <p:stCondLst>
-                                    <p:cond delay="0"/>
-                                  </p:stCondLst>
-                                  <p:childTnLst>
-                                    <p:set>
-                                      <p:cBhvr>
-                                        <p:cTn id="28" dur="1" fill="hold">
-                                          <p:stCondLst>
-                                            <p:cond delay="0"/>
-                                          </p:stCondLst>
-                                        </p:cTn>
-                                        <p:tgtEl>
-                                          <p:spTgt spid="74"/>
-                                        </p:tgtEl>
-                                        <p:attrNameLst>
-                                          <p:attrName>style.visibility</p:attrName>
-                                        </p:attrNameLst>
-                                      </p:cBhvr>
-                                      <p:to>
-                                        <p:strVal val="visible"/>
-                                      </p:to>
-                                    </p:set>
-                                  </p:childTnLst>
-                                </p:cTn>
-                              </p:par>
-                            </p:childTnLst>
-                          </p:cTn>
-                        </p:par>
-                        <p:par>
-                          <p:cTn id="29" fill="hold">
-                            <p:stCondLst>
-                              <p:cond delay="0"/>
-                            </p:stCondLst>
-                            <p:childTnLst>
-                              <p:par>
-                                <p:cTn id="30" presetID="1" presetClass="exit" presetSubtype="0" fill="hold" nodeType="afterEffect">
-                                  <p:stCondLst>
-                                    <p:cond delay="0"/>
-                                  </p:stCondLst>
-                                  <p:childTnLst>
-                                    <p:set>
-                                      <p:cBhvr>
-                                        <p:cTn id="31" dur="1" fill="hold">
-                                          <p:stCondLst>
-                                            <p:cond delay="0"/>
-                                          </p:stCondLst>
-                                        </p:cTn>
-                                        <p:tgtEl>
-                                          <p:spTgt spid="69"/>
-                                        </p:tgtEl>
-                                        <p:attrNameLst>
-                                          <p:attrName>style.visibility</p:attrName>
-                                        </p:attrNameLst>
-                                      </p:cBhvr>
-                                      <p:to>
-                                        <p:strVal val="hidden"/>
-                                      </p:to>
-                                    </p:set>
-                                  </p:childTnLst>
-                                </p:cTn>
-                              </p:par>
-                            </p:childTnLst>
-                          </p:cTn>
-                        </p:par>
-                      </p:childTnLst>
-                    </p:cTn>
-                  </p:par>
-                </p:childTnLst>
-              </p:cTn>
-              <p:prevCondLst>
-                <p:cond evt="onPrev" delay="0">
-                  <p:tgtEl>
-                    <p:sldTgt/>
-                  </p:tgtEl>
-                </p:cond>
-              </p:prevCondLst>
-              <p:nextCondLst>
-                <p:cond evt="onNext" delay="0">
-                  <p:tgtEl>
-                    <p:sldTgt/>
-                  </p:tgtEl>
-                </p:cond>
-              </p:nextCondLst>
-            </p:seq>
-          </p:childTnLst>
-        </p:cTn>
-      </p:par>
-    </p:tnLst>
-    <p:bldLst>
-      <p:bldP spid="42" grpId="0"/>
-      <p:bldP spid="43" grpId="1"/>
-      <p:bldP spid="74" grpId="0"/>
-      <p:bldP spid="75" grpId="0"/>
-      <p:bldP spid="76" grpId="0"/>
-      <p:bldP spid="70" grpId="0"/>
-    </p:bldLst>
-  </p:timing>
 </p:sld>
 </file>
 
@@ -19500,246 +18993,6 @@
   <p:clrMapOvr>
     <a:masterClrMapping/>
   </p:clrMapOvr>
-  <p:timing>
-    <p:tnLst>
-      <p:par>
-        <p:cTn id="1" dur="indefinite" restart="never" nodeType="tmRoot">
-          <p:childTnLst>
-            <p:seq concurrent="1" nextAc="seek">
-              <p:cTn id="2" dur="indefinite" nodeType="mainSeq">
-                <p:childTnLst>
-                  <p:par>
-                    <p:cTn id="3" fill="hold">
-                      <p:stCondLst>
-                        <p:cond delay="indefinite"/>
-                      </p:stCondLst>
-                      <p:childTnLst>
-                        <p:par>
-                          <p:cTn id="4" fill="hold">
-                            <p:stCondLst>
-                              <p:cond delay="0"/>
-                            </p:stCondLst>
-                            <p:childTnLst>
-                              <p:par>
-                                <p:cTn id="5" presetID="1" presetClass="entr" presetSubtype="0" fill="hold" nodeType="clickEffect">
-                                  <p:stCondLst>
-                                    <p:cond delay="0"/>
-                                  </p:stCondLst>
-                                  <p:childTnLst>
-                                    <p:set>
-                                      <p:cBhvr>
-                                        <p:cTn id="6" dur="1" fill="hold">
-                                          <p:stCondLst>
-                                            <p:cond delay="0"/>
-                                          </p:stCondLst>
-                                        </p:cTn>
-                                        <p:tgtEl>
-                                          <p:spTgt spid="18"/>
-                                        </p:tgtEl>
-                                        <p:attrNameLst>
-                                          <p:attrName>style.visibility</p:attrName>
-                                        </p:attrNameLst>
-                                      </p:cBhvr>
-                                      <p:to>
-                                        <p:strVal val="visible"/>
-                                      </p:to>
-                                    </p:set>
-                                  </p:childTnLst>
-                                </p:cTn>
-                              </p:par>
-                              <p:par>
-                                <p:cTn id="7" presetID="1" presetClass="entr" presetSubtype="0" fill="hold" nodeType="withEffect">
-                                  <p:stCondLst>
-                                    <p:cond delay="0"/>
-                                  </p:stCondLst>
-                                  <p:childTnLst>
-                                    <p:set>
-                                      <p:cBhvr>
-                                        <p:cTn id="8" dur="1" fill="hold">
-                                          <p:stCondLst>
-                                            <p:cond delay="0"/>
-                                          </p:stCondLst>
-                                        </p:cTn>
-                                        <p:tgtEl>
-                                          <p:spTgt spid="42"/>
-                                        </p:tgtEl>
-                                        <p:attrNameLst>
-                                          <p:attrName>style.visibility</p:attrName>
-                                        </p:attrNameLst>
-                                      </p:cBhvr>
-                                      <p:to>
-                                        <p:strVal val="visible"/>
-                                      </p:to>
-                                    </p:set>
-                                  </p:childTnLst>
-                                </p:cTn>
-                              </p:par>
-                            </p:childTnLst>
-                          </p:cTn>
-                        </p:par>
-                      </p:childTnLst>
-                    </p:cTn>
-                  </p:par>
-                  <p:par>
-                    <p:cTn id="9" fill="hold">
-                      <p:stCondLst>
-                        <p:cond delay="indefinite"/>
-                      </p:stCondLst>
-                      <p:childTnLst>
-                        <p:par>
-                          <p:cTn id="10" fill="hold">
-                            <p:stCondLst>
-                              <p:cond delay="0"/>
-                            </p:stCondLst>
-                            <p:childTnLst>
-                              <p:par>
-                                <p:cTn id="11" presetID="1" presetClass="entr" presetSubtype="0" fill="hold" nodeType="clickEffect">
-                                  <p:stCondLst>
-                                    <p:cond delay="0"/>
-                                  </p:stCondLst>
-                                  <p:childTnLst>
-                                    <p:set>
-                                      <p:cBhvr>
-                                        <p:cTn id="12" dur="1" fill="hold">
-                                          <p:stCondLst>
-                                            <p:cond delay="0"/>
-                                          </p:stCondLst>
-                                        </p:cTn>
-                                        <p:tgtEl>
-                                          <p:spTgt spid="73"/>
-                                        </p:tgtEl>
-                                        <p:attrNameLst>
-                                          <p:attrName>style.visibility</p:attrName>
-                                        </p:attrNameLst>
-                                      </p:cBhvr>
-                                      <p:to>
-                                        <p:strVal val="visible"/>
-                                      </p:to>
-                                    </p:set>
-                                  </p:childTnLst>
-                                </p:cTn>
-                              </p:par>
-                            </p:childTnLst>
-                          </p:cTn>
-                        </p:par>
-                      </p:childTnLst>
-                    </p:cTn>
-                  </p:par>
-                  <p:par>
-                    <p:cTn id="13" fill="hold">
-                      <p:stCondLst>
-                        <p:cond delay="indefinite"/>
-                      </p:stCondLst>
-                      <p:childTnLst>
-                        <p:par>
-                          <p:cTn id="14" fill="hold">
-                            <p:stCondLst>
-                              <p:cond delay="0"/>
-                            </p:stCondLst>
-                            <p:childTnLst>
-                              <p:par>
-                                <p:cTn id="15" presetID="1" presetClass="entr" presetSubtype="0" fill="hold" nodeType="clickEffect">
-                                  <p:stCondLst>
-                                    <p:cond delay="0"/>
-                                  </p:stCondLst>
-                                  <p:childTnLst>
-                                    <p:set>
-                                      <p:cBhvr>
-                                        <p:cTn id="16" dur="1" fill="hold">
-                                          <p:stCondLst>
-                                            <p:cond delay="0"/>
-                                          </p:stCondLst>
-                                        </p:cTn>
-                                        <p:tgtEl>
-                                          <p:spTgt spid="77"/>
-                                        </p:tgtEl>
-                                        <p:attrNameLst>
-                                          <p:attrName>style.visibility</p:attrName>
-                                        </p:attrNameLst>
-                                      </p:cBhvr>
-                                      <p:to>
-                                        <p:strVal val="visible"/>
-                                      </p:to>
-                                    </p:set>
-                                  </p:childTnLst>
-                                </p:cTn>
-                              </p:par>
-                            </p:childTnLst>
-                          </p:cTn>
-                        </p:par>
-                      </p:childTnLst>
-                    </p:cTn>
-                  </p:par>
-                  <p:par>
-                    <p:cTn id="17" fill="hold">
-                      <p:stCondLst>
-                        <p:cond delay="indefinite"/>
-                      </p:stCondLst>
-                      <p:childTnLst>
-                        <p:par>
-                          <p:cTn id="18" fill="hold">
-                            <p:stCondLst>
-                              <p:cond delay="0"/>
-                            </p:stCondLst>
-                            <p:childTnLst>
-                              <p:par>
-                                <p:cTn id="19" presetID="1" presetClass="entr" presetSubtype="0" fill="hold" grpId="0" nodeType="clickEffect">
-                                  <p:stCondLst>
-                                    <p:cond delay="0"/>
-                                  </p:stCondLst>
-                                  <p:childTnLst>
-                                    <p:set>
-                                      <p:cBhvr>
-                                        <p:cTn id="20" dur="1" fill="hold">
-                                          <p:stCondLst>
-                                            <p:cond delay="0"/>
-                                          </p:stCondLst>
-                                        </p:cTn>
-                                        <p:tgtEl>
-                                          <p:spTgt spid="43"/>
-                                        </p:tgtEl>
-                                        <p:attrNameLst>
-                                          <p:attrName>style.visibility</p:attrName>
-                                        </p:attrNameLst>
-                                      </p:cBhvr>
-                                      <p:to>
-                                        <p:strVal val="visible"/>
-                                      </p:to>
-                                    </p:set>
-                                  </p:childTnLst>
-                                </p:cTn>
-                              </p:par>
-                            </p:childTnLst>
-                          </p:cTn>
-                        </p:par>
-                      </p:childTnLst>
-                    </p:cTn>
-                  </p:par>
-                </p:childTnLst>
-              </p:cTn>
-              <p:prevCondLst>
-                <p:cond evt="onPrev" delay="0">
-                  <p:tgtEl>
-                    <p:sldTgt/>
-                  </p:tgtEl>
-                </p:cond>
-              </p:prevCondLst>
-              <p:nextCondLst>
-                <p:cond evt="onNext" delay="0">
-                  <p:tgtEl>
-                    <p:sldTgt/>
-                  </p:tgtEl>
-                </p:cond>
-              </p:nextCondLst>
-            </p:seq>
-          </p:childTnLst>
-        </p:cTn>
-      </p:par>
-    </p:tnLst>
-    <p:bldLst>
-      <p:bldP spid="43" grpId="0"/>
-    </p:bldLst>
-  </p:timing>
 </p:sld>
 </file>
 
@@ -19781,21 +19034,71 @@
           <a:bodyPr/>
           <a:lstStyle/>
           <a:p>
-            <a:pPr marL="38100">
+            <a:pPr marL="38100" marR="0" lvl="0" indent="0" algn="l" defTabSz="914400" rtl="0" eaLnBrk="1" fontAlgn="auto" latinLnBrk="0" hangingPunct="1">
               <a:lnSpc>
                 <a:spcPts val="1240"/>
               </a:lnSpc>
+              <a:spcBef>
+                <a:spcPts val="0"/>
+              </a:spcBef>
+              <a:spcAft>
+                <a:spcPts val="0"/>
+              </a:spcAft>
+              <a:buClrTx/>
+              <a:buSzTx/>
+              <a:buFontTx/>
+              <a:buNone/>
+              <a:tabLst/>
+              <a:defRPr/>
             </a:pPr>
             <a:fld id="{81D60167-4931-47E6-BA6A-407CBD079E47}" type="slidenum">
-              <a:rPr lang="en-US" altLang="ko-Kore-KR" smtClean="0"/>
-              <a:pPr marL="38100">
+              <a:rPr kumimoji="0" lang="en-US" altLang="ko-Kore-KR" sz="1200" b="0" i="0" u="none" strike="noStrike" kern="1200" cap="none" spc="0" normalizeH="0" baseline="0" noProof="0" smtClean="0">
+                <a:ln>
+                  <a:noFill/>
+                </a:ln>
+                <a:solidFill>
+                  <a:srgbClr val="001F5F"/>
+                </a:solidFill>
+                <a:effectLst/>
+                <a:uLnTx/>
+                <a:uFillTx/>
+                <a:latin typeface="Calibri"/>
+                <a:ea typeface="+mn-ea"/>
+                <a:cs typeface="Calibri"/>
+              </a:rPr>
+              <a:pPr marL="38100" marR="0" lvl="0" indent="0" algn="l" defTabSz="914400" rtl="0" eaLnBrk="1" fontAlgn="auto" latinLnBrk="0" hangingPunct="1">
                 <a:lnSpc>
                   <a:spcPts val="1240"/>
                 </a:lnSpc>
+                <a:spcBef>
+                  <a:spcPts val="0"/>
+                </a:spcBef>
+                <a:spcAft>
+                  <a:spcPts val="0"/>
+                </a:spcAft>
+                <a:buClrTx/>
+                <a:buSzTx/>
+                <a:buFontTx/>
+                <a:buNone/>
+                <a:tabLst/>
+                <a:defRPr/>
               </a:pPr>
               <a:t>7</a:t>
             </a:fld>
-            <a:endParaRPr lang="en-US" altLang="ko-Kore-KR" dirty="0"/>
+            <a:endParaRPr kumimoji="0" lang="en-US" altLang="ko-Kore-KR" sz="1200" b="0" i="0" u="none" strike="noStrike" kern="1200" cap="none" spc="0" normalizeH="0" baseline="0" noProof="0" dirty="0">
+              <a:ln>
+                <a:noFill/>
+              </a:ln>
+              <a:solidFill>
+                <a:srgbClr val="001F5F"/>
+              </a:solidFill>
+              <a:effectLst/>
+              <a:uLnTx/>
+              <a:uFillTx/>
+              <a:latin typeface="Calibri"/>
+              <a:ea typeface="+mn-ea"/>
+              <a:cs typeface="Calibri"/>
+            </a:endParaRPr>
           </a:p>
         </p:txBody>
       </p:sp>
@@ -19827,40 +19130,97 @@
           </a:bodyPr>
           <a:lstStyle/>
           <a:p>
+            <a:pPr marL="0" marR="0" lvl="0" indent="0" algn="l" defTabSz="914400" rtl="0" eaLnBrk="1" fontAlgn="auto" latinLnBrk="0" hangingPunct="1">
+              <a:lnSpc>
+                <a:spcPct val="100000"/>
+              </a:lnSpc>
+              <a:spcBef>
+                <a:spcPts val="0"/>
+              </a:spcBef>
+              <a:spcAft>
+                <a:spcPts val="0"/>
+              </a:spcAft>
+              <a:buClrTx/>
+              <a:buSzTx/>
+              <a:buFontTx/>
+              <a:buNone/>
+              <a:tabLst/>
+              <a:defRPr/>
+            </a:pPr>
             <a:r>
-              <a:rPr kumimoji="1" lang="en-US" altLang="ko-KR" sz="4400" dirty="0">
-                <a:latin typeface="+mj-ea"/>
-                <a:ea typeface="+mj-ea"/>
+              <a:rPr kumimoji="1" lang="en-US" altLang="ko-KR" sz="4400" b="0" i="0" u="none" strike="noStrike" kern="1200" cap="none" spc="0" normalizeH="0" baseline="0" noProof="0" dirty="0">
+                <a:ln>
+                  <a:noFill/>
+                </a:ln>
+                <a:solidFill>
+                  <a:prstClr val="black"/>
+                </a:solidFill>
+                <a:effectLst/>
+                <a:uLnTx/>
+                <a:uFillTx/>
+                <a:latin typeface="맑은 고딕" panose="020B0503020000020004" pitchFamily="34" charset="-127"/>
+                <a:ea typeface="맑은 고딕" panose="020B0503020000020004" pitchFamily="34" charset="-127"/>
+                <a:cs typeface="+mn-cs"/>
               </a:rPr>
               <a:t>3.1</a:t>
             </a:r>
             <a:r>
-              <a:rPr kumimoji="1" lang="ko-KR" altLang="en-US" sz="4400" dirty="0">
-                <a:latin typeface="+mj-ea"/>
-                <a:ea typeface="+mj-ea"/>
+              <a:rPr kumimoji="1" lang="ko-KR" altLang="en-US" sz="4400" b="0" i="0" u="none" strike="noStrike" kern="1200" cap="none" spc="0" normalizeH="0" baseline="0" noProof="0" dirty="0">
+                <a:ln>
+                  <a:noFill/>
+                </a:ln>
+                <a:solidFill>
+                  <a:prstClr val="black"/>
+                </a:solidFill>
+                <a:effectLst/>
+                <a:uLnTx/>
+                <a:uFillTx/>
+                <a:latin typeface="맑은 고딕" panose="020B0503020000020004" pitchFamily="34" charset="-127"/>
+                <a:ea typeface="맑은 고딕" panose="020B0503020000020004" pitchFamily="34" charset="-127"/>
+                <a:cs typeface="+mn-cs"/>
               </a:rPr>
               <a:t> </a:t>
             </a:r>
             <a:r>
-              <a:rPr kumimoji="1" lang="en-US" altLang="ko-KR" sz="4400" dirty="0">
-                <a:latin typeface="+mj-ea"/>
-                <a:ea typeface="+mj-ea"/>
+              <a:rPr kumimoji="1" lang="en-US" altLang="ko-KR" sz="4400" b="0" i="0" u="none" strike="noStrike" kern="1200" cap="none" spc="0" normalizeH="0" baseline="0" noProof="0" dirty="0">
+                <a:ln>
+                  <a:noFill/>
+                </a:ln>
+                <a:solidFill>
+                  <a:prstClr val="black"/>
+                </a:solidFill>
+                <a:effectLst/>
+                <a:uLnTx/>
+                <a:uFillTx/>
+                <a:latin typeface="맑은 고딕" panose="020B0503020000020004" pitchFamily="34" charset="-127"/>
+                <a:ea typeface="맑은 고딕" panose="020B0503020000020004" pitchFamily="34" charset="-127"/>
+                <a:cs typeface="+mn-cs"/>
               </a:rPr>
               <a:t>m-Coloring</a:t>
             </a:r>
-            <a:endParaRPr kumimoji="1" lang="ko-Kore-KR" altLang="en-US" sz="4400" dirty="0">
-              <a:latin typeface="+mj-ea"/>
-              <a:ea typeface="+mj-ea"/>
+            <a:endParaRPr kumimoji="1" lang="ko-Kore-KR" altLang="en-US" sz="4400" b="0" i="0" u="none" strike="noStrike" kern="1200" cap="none" spc="0" normalizeH="0" baseline="0" noProof="0" dirty="0">
+              <a:ln>
+                <a:noFill/>
+              </a:ln>
+              <a:solidFill>
+                <a:prstClr val="black"/>
+              </a:solidFill>
+              <a:effectLst/>
+              <a:uLnTx/>
+              <a:uFillTx/>
+              <a:latin typeface="+mn-lt"/>
+              <a:ea typeface="+mn-ea"/>
+              <a:cs typeface="+mn-cs"/>
             </a:endParaRPr>
           </a:p>
         </p:txBody>
       </p:sp>
       <p:pic>
         <p:nvPicPr>
-          <p:cNvPr id="4" name="그림 3">
+          <p:cNvPr id="5" name="그림 4">
             <a:extLst>
               <a:ext uri="{FF2B5EF4-FFF2-40B4-BE49-F238E27FC236}">
-                <a16:creationId xmlns:a16="http://schemas.microsoft.com/office/drawing/2014/main" id="{826FDB79-9E72-5A30-A696-8313BFF60EFC}"/>
+                <a16:creationId xmlns:a16="http://schemas.microsoft.com/office/drawing/2014/main" id="{ADA27D06-C187-57EB-CC70-9E0535CF9101}"/>
               </a:ext>
             </a:extLst>
           </p:cNvPr>
@@ -19877,37 +19237,7 @@
         </p:blipFill>
         <p:spPr>
           <a:xfrm>
-            <a:off x="351305" y="1504041"/>
-            <a:ext cx="5384464" cy="1554278"/>
-          </a:xfrm>
-          <a:prstGeom prst="rect">
-            <a:avLst/>
-          </a:prstGeom>
-        </p:spPr>
-      </p:pic>
-      <p:pic>
-        <p:nvPicPr>
-          <p:cNvPr id="5" name="그림 4">
-            <a:extLst>
-              <a:ext uri="{FF2B5EF4-FFF2-40B4-BE49-F238E27FC236}">
-                <a16:creationId xmlns:a16="http://schemas.microsoft.com/office/drawing/2014/main" id="{ADA27D06-C187-57EB-CC70-9E0535CF9101}"/>
-              </a:ext>
-            </a:extLst>
-          </p:cNvPr>
-          <p:cNvPicPr>
-            <a:picLocks noChangeAspect="1"/>
-          </p:cNvPicPr>
-          <p:nvPr/>
-        </p:nvPicPr>
-        <p:blipFill>
-          <a:blip r:embed="rId4"/>
-          <a:stretch>
-            <a:fillRect/>
-          </a:stretch>
-        </p:blipFill>
-        <p:spPr>
-          <a:xfrm>
-            <a:off x="365587" y="3471218"/>
+            <a:off x="345493" y="2816352"/>
             <a:ext cx="5370182" cy="1882741"/>
           </a:xfrm>
           <a:prstGeom prst="rect">
@@ -19930,7 +19260,7 @@
           <p:nvPr/>
         </p:nvPicPr>
         <p:blipFill>
-          <a:blip r:embed="rId5"/>
+          <a:blip r:embed="rId4"/>
           <a:stretch>
             <a:fillRect/>
           </a:stretch>
@@ -19945,6 +19275,4682 @@
           </a:prstGeom>
         </p:spPr>
       </p:pic>
+      <p:graphicFrame>
+        <p:nvGraphicFramePr>
+          <p:cNvPr id="6" name="표 5">
+            <a:extLst>
+              <a:ext uri="{FF2B5EF4-FFF2-40B4-BE49-F238E27FC236}">
+                <a16:creationId xmlns:a16="http://schemas.microsoft.com/office/drawing/2014/main" id="{4FC26F67-9F6B-C8D8-F58D-CAEAC3782FE2}"/>
+              </a:ext>
+            </a:extLst>
+          </p:cNvPr>
+          <p:cNvGraphicFramePr>
+            <a:graphicFrameLocks noGrp="1"/>
+          </p:cNvGraphicFramePr>
+          <p:nvPr/>
+        </p:nvGraphicFramePr>
+        <p:xfrm>
+          <a:off x="213511" y="4747613"/>
+          <a:ext cx="2094078" cy="2036867"/>
+        </p:xfrm>
+        <a:graphic>
+          <a:graphicData uri="http://schemas.openxmlformats.org/drawingml/2006/table">
+            <a:tbl>
+              <a:tblPr firstRow="1" bandRow="1">
+                <a:tableStyleId>{5C22544A-7EE6-4342-B048-85BDC9FD1C3A}</a:tableStyleId>
+              </a:tblPr>
+              <a:tblGrid>
+                <a:gridCol w="299154">
+                  <a:extLst>
+                    <a:ext uri="{9D8B030D-6E8A-4147-A177-3AD203B41FA5}">
+                      <a16:colId xmlns:a16="http://schemas.microsoft.com/office/drawing/2014/main" val="1609438017"/>
+                    </a:ext>
+                  </a:extLst>
+                </a:gridCol>
+                <a:gridCol w="299154">
+                  <a:extLst>
+                    <a:ext uri="{9D8B030D-6E8A-4147-A177-3AD203B41FA5}">
+                      <a16:colId xmlns:a16="http://schemas.microsoft.com/office/drawing/2014/main" val="3724443422"/>
+                    </a:ext>
+                  </a:extLst>
+                </a:gridCol>
+                <a:gridCol w="299154">
+                  <a:extLst>
+                    <a:ext uri="{9D8B030D-6E8A-4147-A177-3AD203B41FA5}">
+                      <a16:colId xmlns:a16="http://schemas.microsoft.com/office/drawing/2014/main" val="2217685483"/>
+                    </a:ext>
+                  </a:extLst>
+                </a:gridCol>
+                <a:gridCol w="299154">
+                  <a:extLst>
+                    <a:ext uri="{9D8B030D-6E8A-4147-A177-3AD203B41FA5}">
+                      <a16:colId xmlns:a16="http://schemas.microsoft.com/office/drawing/2014/main" val="669858904"/>
+                    </a:ext>
+                  </a:extLst>
+                </a:gridCol>
+                <a:gridCol w="299154">
+                  <a:extLst>
+                    <a:ext uri="{9D8B030D-6E8A-4147-A177-3AD203B41FA5}">
+                      <a16:colId xmlns:a16="http://schemas.microsoft.com/office/drawing/2014/main" val="2833564386"/>
+                    </a:ext>
+                  </a:extLst>
+                </a:gridCol>
+                <a:gridCol w="299154">
+                  <a:extLst>
+                    <a:ext uri="{9D8B030D-6E8A-4147-A177-3AD203B41FA5}">
+                      <a16:colId xmlns:a16="http://schemas.microsoft.com/office/drawing/2014/main" val="645265450"/>
+                    </a:ext>
+                  </a:extLst>
+                </a:gridCol>
+                <a:gridCol w="299154">
+                  <a:extLst>
+                    <a:ext uri="{9D8B030D-6E8A-4147-A177-3AD203B41FA5}">
+                      <a16:colId xmlns:a16="http://schemas.microsoft.com/office/drawing/2014/main" val="4141580819"/>
+                    </a:ext>
+                  </a:extLst>
+                </a:gridCol>
+              </a:tblGrid>
+              <a:tr h="290981">
+                <a:tc>
+                  <a:txBody>
+                    <a:bodyPr/>
+                    <a:lstStyle/>
+                    <a:p>
+                      <a:pPr algn="ctr"/>
+                      <a:endParaRPr lang="ko-Kore-KR" altLang="en-US" sz="1200" dirty="0">
+                        <a:solidFill>
+                          <a:schemeClr val="tx1"/>
+                        </a:solidFill>
+                        <a:latin typeface="+mn-ea"/>
+                        <a:ea typeface="+mn-ea"/>
+                      </a:endParaRPr>
+                    </a:p>
+                  </a:txBody>
+                  <a:tcPr anchor="ctr" anchorCtr="1">
+                    <a:lnL w="12700" cap="flat" cmpd="sng" algn="ctr">
+                      <a:solidFill>
+                        <a:schemeClr val="tx1"/>
+                      </a:solidFill>
+                      <a:prstDash val="solid"/>
+                      <a:round/>
+                      <a:headEnd type="none" w="med" len="med"/>
+                      <a:tailEnd type="none" w="med" len="med"/>
+                    </a:lnL>
+                    <a:lnR w="12700" cap="flat" cmpd="sng" algn="ctr">
+                      <a:solidFill>
+                        <a:schemeClr val="tx1"/>
+                      </a:solidFill>
+                      <a:prstDash val="solid"/>
+                      <a:round/>
+                      <a:headEnd type="none" w="med" len="med"/>
+                      <a:tailEnd type="none" w="med" len="med"/>
+                    </a:lnR>
+                    <a:lnT w="12700" cap="flat" cmpd="sng" algn="ctr">
+                      <a:solidFill>
+                        <a:schemeClr val="tx1"/>
+                      </a:solidFill>
+                      <a:prstDash val="solid"/>
+                      <a:round/>
+                      <a:headEnd type="none" w="med" len="med"/>
+                      <a:tailEnd type="none" w="med" len="med"/>
+                    </a:lnT>
+                    <a:lnB w="12700" cap="flat" cmpd="sng" algn="ctr">
+                      <a:solidFill>
+                        <a:schemeClr val="tx1"/>
+                      </a:solidFill>
+                      <a:prstDash val="solid"/>
+                      <a:round/>
+                      <a:headEnd type="none" w="med" len="med"/>
+                      <a:tailEnd type="none" w="med" len="med"/>
+                    </a:lnB>
+                    <a:noFill/>
+                  </a:tcPr>
+                </a:tc>
+                <a:tc>
+                  <a:txBody>
+                    <a:bodyPr/>
+                    <a:lstStyle/>
+                    <a:p>
+                      <a:pPr algn="ctr"/>
+                      <a:r>
+                        <a:rPr lang="en-US" altLang="ko-Kore-KR" sz="1200" dirty="0">
+                          <a:solidFill>
+                            <a:schemeClr val="tx1"/>
+                          </a:solidFill>
+                          <a:latin typeface="+mn-ea"/>
+                          <a:ea typeface="+mn-ea"/>
+                        </a:rPr>
+                        <a:t>A</a:t>
+                      </a:r>
+                      <a:endParaRPr lang="ko-Kore-KR" altLang="en-US" sz="1200" dirty="0">
+                        <a:solidFill>
+                          <a:schemeClr val="tx1"/>
+                        </a:solidFill>
+                        <a:latin typeface="+mn-ea"/>
+                        <a:ea typeface="+mn-ea"/>
+                      </a:endParaRPr>
+                    </a:p>
+                  </a:txBody>
+                  <a:tcPr anchor="ctr" anchorCtr="1">
+                    <a:lnL w="12700" cap="flat" cmpd="sng" algn="ctr">
+                      <a:solidFill>
+                        <a:schemeClr val="tx1"/>
+                      </a:solidFill>
+                      <a:prstDash val="solid"/>
+                      <a:round/>
+                      <a:headEnd type="none" w="med" len="med"/>
+                      <a:tailEnd type="none" w="med" len="med"/>
+                    </a:lnL>
+                    <a:lnR w="12700" cap="flat" cmpd="sng" algn="ctr">
+                      <a:solidFill>
+                        <a:schemeClr val="tx1"/>
+                      </a:solidFill>
+                      <a:prstDash val="solid"/>
+                      <a:round/>
+                      <a:headEnd type="none" w="med" len="med"/>
+                      <a:tailEnd type="none" w="med" len="med"/>
+                    </a:lnR>
+                    <a:lnT w="12700" cap="flat" cmpd="sng" algn="ctr">
+                      <a:solidFill>
+                        <a:schemeClr val="tx1"/>
+                      </a:solidFill>
+                      <a:prstDash val="solid"/>
+                      <a:round/>
+                      <a:headEnd type="none" w="med" len="med"/>
+                      <a:tailEnd type="none" w="med" len="med"/>
+                    </a:lnT>
+                    <a:lnB w="12700" cap="flat" cmpd="sng" algn="ctr">
+                      <a:solidFill>
+                        <a:schemeClr val="tx1"/>
+                      </a:solidFill>
+                      <a:prstDash val="solid"/>
+                      <a:round/>
+                      <a:headEnd type="none" w="med" len="med"/>
+                      <a:tailEnd type="none" w="med" len="med"/>
+                    </a:lnB>
+                    <a:noFill/>
+                  </a:tcPr>
+                </a:tc>
+                <a:tc>
+                  <a:txBody>
+                    <a:bodyPr/>
+                    <a:lstStyle/>
+                    <a:p>
+                      <a:pPr algn="ctr"/>
+                      <a:r>
+                        <a:rPr lang="en-US" altLang="ko-Kore-KR" sz="1200" dirty="0">
+                          <a:solidFill>
+                            <a:schemeClr val="tx1"/>
+                          </a:solidFill>
+                          <a:latin typeface="+mn-ea"/>
+                          <a:ea typeface="+mn-ea"/>
+                        </a:rPr>
+                        <a:t>B</a:t>
+                      </a:r>
+                      <a:endParaRPr lang="ko-Kore-KR" altLang="en-US" sz="1200" dirty="0">
+                        <a:solidFill>
+                          <a:schemeClr val="tx1"/>
+                        </a:solidFill>
+                        <a:latin typeface="+mn-ea"/>
+                        <a:ea typeface="+mn-ea"/>
+                      </a:endParaRPr>
+                    </a:p>
+                  </a:txBody>
+                  <a:tcPr anchor="ctr" anchorCtr="1">
+                    <a:lnL w="12700" cap="flat" cmpd="sng" algn="ctr">
+                      <a:solidFill>
+                        <a:schemeClr val="tx1"/>
+                      </a:solidFill>
+                      <a:prstDash val="solid"/>
+                      <a:round/>
+                      <a:headEnd type="none" w="med" len="med"/>
+                      <a:tailEnd type="none" w="med" len="med"/>
+                    </a:lnL>
+                    <a:lnR w="12700" cap="flat" cmpd="sng" algn="ctr">
+                      <a:solidFill>
+                        <a:schemeClr val="tx1"/>
+                      </a:solidFill>
+                      <a:prstDash val="solid"/>
+                      <a:round/>
+                      <a:headEnd type="none" w="med" len="med"/>
+                      <a:tailEnd type="none" w="med" len="med"/>
+                    </a:lnR>
+                    <a:lnT w="12700" cap="flat" cmpd="sng" algn="ctr">
+                      <a:solidFill>
+                        <a:schemeClr val="tx1"/>
+                      </a:solidFill>
+                      <a:prstDash val="solid"/>
+                      <a:round/>
+                      <a:headEnd type="none" w="med" len="med"/>
+                      <a:tailEnd type="none" w="med" len="med"/>
+                    </a:lnT>
+                    <a:lnB w="12700" cap="flat" cmpd="sng" algn="ctr">
+                      <a:solidFill>
+                        <a:schemeClr val="tx1"/>
+                      </a:solidFill>
+                      <a:prstDash val="solid"/>
+                      <a:round/>
+                      <a:headEnd type="none" w="med" len="med"/>
+                      <a:tailEnd type="none" w="med" len="med"/>
+                    </a:lnB>
+                    <a:noFill/>
+                  </a:tcPr>
+                </a:tc>
+                <a:tc>
+                  <a:txBody>
+                    <a:bodyPr/>
+                    <a:lstStyle/>
+                    <a:p>
+                      <a:pPr algn="ctr"/>
+                      <a:r>
+                        <a:rPr lang="en-US" altLang="ko-Kore-KR" sz="1200" dirty="0">
+                          <a:solidFill>
+                            <a:schemeClr val="tx1"/>
+                          </a:solidFill>
+                          <a:latin typeface="+mn-ea"/>
+                          <a:ea typeface="+mn-ea"/>
+                        </a:rPr>
+                        <a:t>C</a:t>
+                      </a:r>
+                      <a:endParaRPr lang="ko-Kore-KR" altLang="en-US" sz="1200" dirty="0">
+                        <a:solidFill>
+                          <a:schemeClr val="tx1"/>
+                        </a:solidFill>
+                        <a:latin typeface="+mn-ea"/>
+                        <a:ea typeface="+mn-ea"/>
+                      </a:endParaRPr>
+                    </a:p>
+                  </a:txBody>
+                  <a:tcPr anchor="ctr" anchorCtr="1">
+                    <a:lnL w="12700" cap="flat" cmpd="sng" algn="ctr">
+                      <a:solidFill>
+                        <a:schemeClr val="tx1"/>
+                      </a:solidFill>
+                      <a:prstDash val="solid"/>
+                      <a:round/>
+                      <a:headEnd type="none" w="med" len="med"/>
+                      <a:tailEnd type="none" w="med" len="med"/>
+                    </a:lnL>
+                    <a:lnR w="12700" cap="flat" cmpd="sng" algn="ctr">
+                      <a:solidFill>
+                        <a:schemeClr val="tx1"/>
+                      </a:solidFill>
+                      <a:prstDash val="solid"/>
+                      <a:round/>
+                      <a:headEnd type="none" w="med" len="med"/>
+                      <a:tailEnd type="none" w="med" len="med"/>
+                    </a:lnR>
+                    <a:lnT w="12700" cap="flat" cmpd="sng" algn="ctr">
+                      <a:solidFill>
+                        <a:schemeClr val="tx1"/>
+                      </a:solidFill>
+                      <a:prstDash val="solid"/>
+                      <a:round/>
+                      <a:headEnd type="none" w="med" len="med"/>
+                      <a:tailEnd type="none" w="med" len="med"/>
+                    </a:lnT>
+                    <a:lnB w="12700" cap="flat" cmpd="sng" algn="ctr">
+                      <a:solidFill>
+                        <a:schemeClr val="tx1"/>
+                      </a:solidFill>
+                      <a:prstDash val="solid"/>
+                      <a:round/>
+                      <a:headEnd type="none" w="med" len="med"/>
+                      <a:tailEnd type="none" w="med" len="med"/>
+                    </a:lnB>
+                    <a:noFill/>
+                  </a:tcPr>
+                </a:tc>
+                <a:tc>
+                  <a:txBody>
+                    <a:bodyPr/>
+                    <a:lstStyle/>
+                    <a:p>
+                      <a:pPr algn="ctr"/>
+                      <a:r>
+                        <a:rPr lang="en-US" altLang="ko-Kore-KR" sz="1200" dirty="0">
+                          <a:solidFill>
+                            <a:schemeClr val="tx1"/>
+                          </a:solidFill>
+                          <a:latin typeface="+mn-ea"/>
+                          <a:ea typeface="+mn-ea"/>
+                        </a:rPr>
+                        <a:t>D</a:t>
+                      </a:r>
+                      <a:endParaRPr lang="ko-Kore-KR" altLang="en-US" sz="1200" dirty="0">
+                        <a:solidFill>
+                          <a:schemeClr val="tx1"/>
+                        </a:solidFill>
+                        <a:latin typeface="+mn-ea"/>
+                        <a:ea typeface="+mn-ea"/>
+                      </a:endParaRPr>
+                    </a:p>
+                  </a:txBody>
+                  <a:tcPr anchor="ctr" anchorCtr="1">
+                    <a:lnL w="12700" cap="flat" cmpd="sng" algn="ctr">
+                      <a:solidFill>
+                        <a:schemeClr val="tx1"/>
+                      </a:solidFill>
+                      <a:prstDash val="solid"/>
+                      <a:round/>
+                      <a:headEnd type="none" w="med" len="med"/>
+                      <a:tailEnd type="none" w="med" len="med"/>
+                    </a:lnL>
+                    <a:lnR w="12700" cap="flat" cmpd="sng" algn="ctr">
+                      <a:solidFill>
+                        <a:schemeClr val="tx1"/>
+                      </a:solidFill>
+                      <a:prstDash val="solid"/>
+                      <a:round/>
+                      <a:headEnd type="none" w="med" len="med"/>
+                      <a:tailEnd type="none" w="med" len="med"/>
+                    </a:lnR>
+                    <a:lnT w="12700" cap="flat" cmpd="sng" algn="ctr">
+                      <a:solidFill>
+                        <a:schemeClr val="tx1"/>
+                      </a:solidFill>
+                      <a:prstDash val="solid"/>
+                      <a:round/>
+                      <a:headEnd type="none" w="med" len="med"/>
+                      <a:tailEnd type="none" w="med" len="med"/>
+                    </a:lnT>
+                    <a:lnB w="12700" cap="flat" cmpd="sng" algn="ctr">
+                      <a:solidFill>
+                        <a:schemeClr val="tx1"/>
+                      </a:solidFill>
+                      <a:prstDash val="solid"/>
+                      <a:round/>
+                      <a:headEnd type="none" w="med" len="med"/>
+                      <a:tailEnd type="none" w="med" len="med"/>
+                    </a:lnB>
+                    <a:noFill/>
+                  </a:tcPr>
+                </a:tc>
+                <a:tc>
+                  <a:txBody>
+                    <a:bodyPr/>
+                    <a:lstStyle/>
+                    <a:p>
+                      <a:pPr algn="ctr"/>
+                      <a:r>
+                        <a:rPr lang="en-US" altLang="ko-Kore-KR" sz="1200" dirty="0">
+                          <a:solidFill>
+                            <a:schemeClr val="tx1"/>
+                          </a:solidFill>
+                          <a:latin typeface="+mn-ea"/>
+                          <a:ea typeface="+mn-ea"/>
+                        </a:rPr>
+                        <a:t>E</a:t>
+                      </a:r>
+                      <a:endParaRPr lang="ko-Kore-KR" altLang="en-US" sz="1200" dirty="0">
+                        <a:solidFill>
+                          <a:schemeClr val="tx1"/>
+                        </a:solidFill>
+                        <a:latin typeface="+mn-ea"/>
+                        <a:ea typeface="+mn-ea"/>
+                      </a:endParaRPr>
+                    </a:p>
+                  </a:txBody>
+                  <a:tcPr anchor="ctr" anchorCtr="1">
+                    <a:lnL w="12700" cap="flat" cmpd="sng" algn="ctr">
+                      <a:solidFill>
+                        <a:schemeClr val="tx1"/>
+                      </a:solidFill>
+                      <a:prstDash val="solid"/>
+                      <a:round/>
+                      <a:headEnd type="none" w="med" len="med"/>
+                      <a:tailEnd type="none" w="med" len="med"/>
+                    </a:lnL>
+                    <a:lnR w="12700" cap="flat" cmpd="sng" algn="ctr">
+                      <a:solidFill>
+                        <a:schemeClr val="tx1"/>
+                      </a:solidFill>
+                      <a:prstDash val="solid"/>
+                      <a:round/>
+                      <a:headEnd type="none" w="med" len="med"/>
+                      <a:tailEnd type="none" w="med" len="med"/>
+                    </a:lnR>
+                    <a:lnT w="12700" cap="flat" cmpd="sng" algn="ctr">
+                      <a:solidFill>
+                        <a:schemeClr val="tx1"/>
+                      </a:solidFill>
+                      <a:prstDash val="solid"/>
+                      <a:round/>
+                      <a:headEnd type="none" w="med" len="med"/>
+                      <a:tailEnd type="none" w="med" len="med"/>
+                    </a:lnT>
+                    <a:lnB w="12700" cap="flat" cmpd="sng" algn="ctr">
+                      <a:solidFill>
+                        <a:schemeClr val="tx1"/>
+                      </a:solidFill>
+                      <a:prstDash val="solid"/>
+                      <a:round/>
+                      <a:headEnd type="none" w="med" len="med"/>
+                      <a:tailEnd type="none" w="med" len="med"/>
+                    </a:lnB>
+                    <a:noFill/>
+                  </a:tcPr>
+                </a:tc>
+                <a:tc>
+                  <a:txBody>
+                    <a:bodyPr/>
+                    <a:lstStyle/>
+                    <a:p>
+                      <a:pPr algn="ctr"/>
+                      <a:r>
+                        <a:rPr lang="en-US" altLang="ko-Kore-KR" sz="1200" dirty="0">
+                          <a:solidFill>
+                            <a:schemeClr val="tx1"/>
+                          </a:solidFill>
+                          <a:latin typeface="+mn-ea"/>
+                          <a:ea typeface="+mn-ea"/>
+                        </a:rPr>
+                        <a:t>F</a:t>
+                      </a:r>
+                      <a:endParaRPr lang="ko-Kore-KR" altLang="en-US" sz="1200" dirty="0">
+                        <a:solidFill>
+                          <a:schemeClr val="tx1"/>
+                        </a:solidFill>
+                        <a:latin typeface="+mn-ea"/>
+                        <a:ea typeface="+mn-ea"/>
+                      </a:endParaRPr>
+                    </a:p>
+                  </a:txBody>
+                  <a:tcPr anchor="ctr" anchorCtr="1">
+                    <a:lnL w="12700" cap="flat" cmpd="sng" algn="ctr">
+                      <a:solidFill>
+                        <a:schemeClr val="tx1"/>
+                      </a:solidFill>
+                      <a:prstDash val="solid"/>
+                      <a:round/>
+                      <a:headEnd type="none" w="med" len="med"/>
+                      <a:tailEnd type="none" w="med" len="med"/>
+                    </a:lnL>
+                    <a:lnR w="12700" cap="flat" cmpd="sng" algn="ctr">
+                      <a:solidFill>
+                        <a:schemeClr val="tx1"/>
+                      </a:solidFill>
+                      <a:prstDash val="solid"/>
+                      <a:round/>
+                      <a:headEnd type="none" w="med" len="med"/>
+                      <a:tailEnd type="none" w="med" len="med"/>
+                    </a:lnR>
+                    <a:lnT w="12700" cap="flat" cmpd="sng" algn="ctr">
+                      <a:solidFill>
+                        <a:schemeClr val="tx1"/>
+                      </a:solidFill>
+                      <a:prstDash val="solid"/>
+                      <a:round/>
+                      <a:headEnd type="none" w="med" len="med"/>
+                      <a:tailEnd type="none" w="med" len="med"/>
+                    </a:lnT>
+                    <a:lnB w="12700" cap="flat" cmpd="sng" algn="ctr">
+                      <a:solidFill>
+                        <a:schemeClr val="tx1"/>
+                      </a:solidFill>
+                      <a:prstDash val="solid"/>
+                      <a:round/>
+                      <a:headEnd type="none" w="med" len="med"/>
+                      <a:tailEnd type="none" w="med" len="med"/>
+                    </a:lnB>
+                    <a:noFill/>
+                  </a:tcPr>
+                </a:tc>
+                <a:extLst>
+                  <a:ext uri="{0D108BD9-81ED-4DB2-BD59-A6C34878D82A}">
+                    <a16:rowId xmlns:a16="http://schemas.microsoft.com/office/drawing/2014/main" val="4134847150"/>
+                  </a:ext>
+                </a:extLst>
+              </a:tr>
+              <a:tr h="290981">
+                <a:tc>
+                  <a:txBody>
+                    <a:bodyPr/>
+                    <a:lstStyle/>
+                    <a:p>
+                      <a:pPr algn="ctr"/>
+                      <a:r>
+                        <a:rPr lang="en-US" altLang="ko-Kore-KR" sz="1200" b="1" dirty="0">
+                          <a:solidFill>
+                            <a:schemeClr val="tx1"/>
+                          </a:solidFill>
+                          <a:latin typeface="+mn-ea"/>
+                          <a:ea typeface="+mn-ea"/>
+                        </a:rPr>
+                        <a:t>A</a:t>
+                      </a:r>
+                      <a:endParaRPr lang="ko-Kore-KR" altLang="en-US" sz="1200" b="1" dirty="0">
+                        <a:solidFill>
+                          <a:schemeClr val="tx1"/>
+                        </a:solidFill>
+                        <a:latin typeface="+mn-ea"/>
+                        <a:ea typeface="+mn-ea"/>
+                      </a:endParaRPr>
+                    </a:p>
+                  </a:txBody>
+                  <a:tcPr anchor="ctr" anchorCtr="1">
+                    <a:lnL w="12700" cap="flat" cmpd="sng" algn="ctr">
+                      <a:solidFill>
+                        <a:schemeClr val="tx1"/>
+                      </a:solidFill>
+                      <a:prstDash val="solid"/>
+                      <a:round/>
+                      <a:headEnd type="none" w="med" len="med"/>
+                      <a:tailEnd type="none" w="med" len="med"/>
+                    </a:lnL>
+                    <a:lnR w="12700" cap="flat" cmpd="sng" algn="ctr">
+                      <a:solidFill>
+                        <a:schemeClr val="tx1"/>
+                      </a:solidFill>
+                      <a:prstDash val="solid"/>
+                      <a:round/>
+                      <a:headEnd type="none" w="med" len="med"/>
+                      <a:tailEnd type="none" w="med" len="med"/>
+                    </a:lnR>
+                    <a:lnT w="12700" cap="flat" cmpd="sng" algn="ctr">
+                      <a:solidFill>
+                        <a:schemeClr val="tx1"/>
+                      </a:solidFill>
+                      <a:prstDash val="solid"/>
+                      <a:round/>
+                      <a:headEnd type="none" w="med" len="med"/>
+                      <a:tailEnd type="none" w="med" len="med"/>
+                    </a:lnT>
+                    <a:lnB w="12700" cap="flat" cmpd="sng" algn="ctr">
+                      <a:solidFill>
+                        <a:schemeClr val="tx1"/>
+                      </a:solidFill>
+                      <a:prstDash val="solid"/>
+                      <a:round/>
+                      <a:headEnd type="none" w="med" len="med"/>
+                      <a:tailEnd type="none" w="med" len="med"/>
+                    </a:lnB>
+                    <a:noFill/>
+                  </a:tcPr>
+                </a:tc>
+                <a:tc>
+                  <a:txBody>
+                    <a:bodyPr/>
+                    <a:lstStyle/>
+                    <a:p>
+                      <a:pPr algn="ctr"/>
+                      <a:r>
+                        <a:rPr lang="en-US" altLang="ko-Kore-KR" sz="1200" dirty="0">
+                          <a:solidFill>
+                            <a:schemeClr val="tx1"/>
+                          </a:solidFill>
+                          <a:latin typeface="+mn-ea"/>
+                          <a:ea typeface="+mn-ea"/>
+                        </a:rPr>
+                        <a:t>0</a:t>
+                      </a:r>
+                      <a:endParaRPr lang="ko-Kore-KR" altLang="en-US" sz="1200" dirty="0">
+                        <a:solidFill>
+                          <a:schemeClr val="tx1"/>
+                        </a:solidFill>
+                        <a:latin typeface="+mn-ea"/>
+                        <a:ea typeface="+mn-ea"/>
+                      </a:endParaRPr>
+                    </a:p>
+                  </a:txBody>
+                  <a:tcPr anchor="ctr" anchorCtr="1">
+                    <a:lnL w="12700" cap="flat" cmpd="sng" algn="ctr">
+                      <a:solidFill>
+                        <a:schemeClr val="tx1"/>
+                      </a:solidFill>
+                      <a:prstDash val="solid"/>
+                      <a:round/>
+                      <a:headEnd type="none" w="med" len="med"/>
+                      <a:tailEnd type="none" w="med" len="med"/>
+                    </a:lnL>
+                    <a:lnR w="12700" cap="flat" cmpd="sng" algn="ctr">
+                      <a:solidFill>
+                        <a:schemeClr val="tx1"/>
+                      </a:solidFill>
+                      <a:prstDash val="solid"/>
+                      <a:round/>
+                      <a:headEnd type="none" w="med" len="med"/>
+                      <a:tailEnd type="none" w="med" len="med"/>
+                    </a:lnR>
+                    <a:lnT w="12700" cap="flat" cmpd="sng" algn="ctr">
+                      <a:solidFill>
+                        <a:schemeClr val="tx1"/>
+                      </a:solidFill>
+                      <a:prstDash val="solid"/>
+                      <a:round/>
+                      <a:headEnd type="none" w="med" len="med"/>
+                      <a:tailEnd type="none" w="med" len="med"/>
+                    </a:lnT>
+                    <a:lnB w="12700" cap="flat" cmpd="sng" algn="ctr">
+                      <a:solidFill>
+                        <a:schemeClr val="tx1"/>
+                      </a:solidFill>
+                      <a:prstDash val="solid"/>
+                      <a:round/>
+                      <a:headEnd type="none" w="med" len="med"/>
+                      <a:tailEnd type="none" w="med" len="med"/>
+                    </a:lnB>
+                    <a:noFill/>
+                  </a:tcPr>
+                </a:tc>
+                <a:tc>
+                  <a:txBody>
+                    <a:bodyPr/>
+                    <a:lstStyle/>
+                    <a:p>
+                      <a:pPr algn="ctr"/>
+                      <a:r>
+                        <a:rPr lang="en-US" altLang="ko-Kore-KR" sz="1200" dirty="0">
+                          <a:solidFill>
+                            <a:schemeClr val="tx1"/>
+                          </a:solidFill>
+                          <a:latin typeface="+mn-ea"/>
+                          <a:ea typeface="+mn-ea"/>
+                        </a:rPr>
+                        <a:t>1</a:t>
+                      </a:r>
+                      <a:endParaRPr lang="ko-Kore-KR" altLang="en-US" sz="1200" dirty="0">
+                        <a:solidFill>
+                          <a:schemeClr val="tx1"/>
+                        </a:solidFill>
+                        <a:latin typeface="+mn-ea"/>
+                        <a:ea typeface="+mn-ea"/>
+                      </a:endParaRPr>
+                    </a:p>
+                  </a:txBody>
+                  <a:tcPr anchor="ctr" anchorCtr="1">
+                    <a:lnL w="12700" cap="flat" cmpd="sng" algn="ctr">
+                      <a:solidFill>
+                        <a:schemeClr val="tx1"/>
+                      </a:solidFill>
+                      <a:prstDash val="solid"/>
+                      <a:round/>
+                      <a:headEnd type="none" w="med" len="med"/>
+                      <a:tailEnd type="none" w="med" len="med"/>
+                    </a:lnL>
+                    <a:lnR w="12700" cap="flat" cmpd="sng" algn="ctr">
+                      <a:solidFill>
+                        <a:schemeClr val="tx1"/>
+                      </a:solidFill>
+                      <a:prstDash val="solid"/>
+                      <a:round/>
+                      <a:headEnd type="none" w="med" len="med"/>
+                      <a:tailEnd type="none" w="med" len="med"/>
+                    </a:lnR>
+                    <a:lnT w="12700" cap="flat" cmpd="sng" algn="ctr">
+                      <a:solidFill>
+                        <a:schemeClr val="tx1"/>
+                      </a:solidFill>
+                      <a:prstDash val="solid"/>
+                      <a:round/>
+                      <a:headEnd type="none" w="med" len="med"/>
+                      <a:tailEnd type="none" w="med" len="med"/>
+                    </a:lnT>
+                    <a:lnB w="12700" cap="flat" cmpd="sng" algn="ctr">
+                      <a:solidFill>
+                        <a:schemeClr val="tx1"/>
+                      </a:solidFill>
+                      <a:prstDash val="solid"/>
+                      <a:round/>
+                      <a:headEnd type="none" w="med" len="med"/>
+                      <a:tailEnd type="none" w="med" len="med"/>
+                    </a:lnB>
+                    <a:noFill/>
+                  </a:tcPr>
+                </a:tc>
+                <a:tc>
+                  <a:txBody>
+                    <a:bodyPr/>
+                    <a:lstStyle/>
+                    <a:p>
+                      <a:pPr algn="ctr"/>
+                      <a:r>
+                        <a:rPr lang="en-US" altLang="ko-Kore-KR" sz="1200" dirty="0">
+                          <a:solidFill>
+                            <a:schemeClr val="tx1"/>
+                          </a:solidFill>
+                          <a:latin typeface="+mn-ea"/>
+                          <a:ea typeface="+mn-ea"/>
+                        </a:rPr>
+                        <a:t>1</a:t>
+                      </a:r>
+                      <a:endParaRPr lang="ko-Kore-KR" altLang="en-US" sz="1200" dirty="0">
+                        <a:solidFill>
+                          <a:schemeClr val="tx1"/>
+                        </a:solidFill>
+                        <a:latin typeface="+mn-ea"/>
+                        <a:ea typeface="+mn-ea"/>
+                      </a:endParaRPr>
+                    </a:p>
+                  </a:txBody>
+                  <a:tcPr anchor="ctr" anchorCtr="1">
+                    <a:lnL w="12700" cap="flat" cmpd="sng" algn="ctr">
+                      <a:solidFill>
+                        <a:schemeClr val="tx1"/>
+                      </a:solidFill>
+                      <a:prstDash val="solid"/>
+                      <a:round/>
+                      <a:headEnd type="none" w="med" len="med"/>
+                      <a:tailEnd type="none" w="med" len="med"/>
+                    </a:lnL>
+                    <a:lnR w="12700" cap="flat" cmpd="sng" algn="ctr">
+                      <a:solidFill>
+                        <a:schemeClr val="tx1"/>
+                      </a:solidFill>
+                      <a:prstDash val="solid"/>
+                      <a:round/>
+                      <a:headEnd type="none" w="med" len="med"/>
+                      <a:tailEnd type="none" w="med" len="med"/>
+                    </a:lnR>
+                    <a:lnT w="12700" cap="flat" cmpd="sng" algn="ctr">
+                      <a:solidFill>
+                        <a:schemeClr val="tx1"/>
+                      </a:solidFill>
+                      <a:prstDash val="solid"/>
+                      <a:round/>
+                      <a:headEnd type="none" w="med" len="med"/>
+                      <a:tailEnd type="none" w="med" len="med"/>
+                    </a:lnT>
+                    <a:lnB w="12700" cap="flat" cmpd="sng" algn="ctr">
+                      <a:solidFill>
+                        <a:schemeClr val="tx1"/>
+                      </a:solidFill>
+                      <a:prstDash val="solid"/>
+                      <a:round/>
+                      <a:headEnd type="none" w="med" len="med"/>
+                      <a:tailEnd type="none" w="med" len="med"/>
+                    </a:lnB>
+                    <a:noFill/>
+                  </a:tcPr>
+                </a:tc>
+                <a:tc>
+                  <a:txBody>
+                    <a:bodyPr/>
+                    <a:lstStyle/>
+                    <a:p>
+                      <a:pPr algn="ctr"/>
+                      <a:r>
+                        <a:rPr lang="en-US" altLang="ko-Kore-KR" sz="1200" dirty="0">
+                          <a:solidFill>
+                            <a:schemeClr val="tx1"/>
+                          </a:solidFill>
+                          <a:latin typeface="+mn-ea"/>
+                          <a:ea typeface="+mn-ea"/>
+                        </a:rPr>
+                        <a:t>1</a:t>
+                      </a:r>
+                      <a:endParaRPr lang="ko-Kore-KR" altLang="en-US" sz="1200" dirty="0">
+                        <a:solidFill>
+                          <a:schemeClr val="tx1"/>
+                        </a:solidFill>
+                        <a:latin typeface="+mn-ea"/>
+                        <a:ea typeface="+mn-ea"/>
+                      </a:endParaRPr>
+                    </a:p>
+                  </a:txBody>
+                  <a:tcPr anchor="ctr" anchorCtr="1">
+                    <a:lnL w="12700" cap="flat" cmpd="sng" algn="ctr">
+                      <a:solidFill>
+                        <a:schemeClr val="tx1"/>
+                      </a:solidFill>
+                      <a:prstDash val="solid"/>
+                      <a:round/>
+                      <a:headEnd type="none" w="med" len="med"/>
+                      <a:tailEnd type="none" w="med" len="med"/>
+                    </a:lnL>
+                    <a:lnR w="12700" cap="flat" cmpd="sng" algn="ctr">
+                      <a:solidFill>
+                        <a:schemeClr val="tx1"/>
+                      </a:solidFill>
+                      <a:prstDash val="solid"/>
+                      <a:round/>
+                      <a:headEnd type="none" w="med" len="med"/>
+                      <a:tailEnd type="none" w="med" len="med"/>
+                    </a:lnR>
+                    <a:lnT w="12700" cap="flat" cmpd="sng" algn="ctr">
+                      <a:solidFill>
+                        <a:schemeClr val="tx1"/>
+                      </a:solidFill>
+                      <a:prstDash val="solid"/>
+                      <a:round/>
+                      <a:headEnd type="none" w="med" len="med"/>
+                      <a:tailEnd type="none" w="med" len="med"/>
+                    </a:lnT>
+                    <a:lnB w="12700" cap="flat" cmpd="sng" algn="ctr">
+                      <a:solidFill>
+                        <a:schemeClr val="tx1"/>
+                      </a:solidFill>
+                      <a:prstDash val="solid"/>
+                      <a:round/>
+                      <a:headEnd type="none" w="med" len="med"/>
+                      <a:tailEnd type="none" w="med" len="med"/>
+                    </a:lnB>
+                    <a:noFill/>
+                  </a:tcPr>
+                </a:tc>
+                <a:tc>
+                  <a:txBody>
+                    <a:bodyPr/>
+                    <a:lstStyle/>
+                    <a:p>
+                      <a:pPr algn="ctr"/>
+                      <a:r>
+                        <a:rPr lang="en-US" altLang="ko-Kore-KR" sz="1200" dirty="0">
+                          <a:solidFill>
+                            <a:schemeClr val="tx1"/>
+                          </a:solidFill>
+                          <a:latin typeface="+mn-ea"/>
+                          <a:ea typeface="+mn-ea"/>
+                        </a:rPr>
+                        <a:t>1</a:t>
+                      </a:r>
+                      <a:endParaRPr lang="ko-Kore-KR" altLang="en-US" sz="1200" dirty="0">
+                        <a:solidFill>
+                          <a:schemeClr val="tx1"/>
+                        </a:solidFill>
+                        <a:latin typeface="+mn-ea"/>
+                        <a:ea typeface="+mn-ea"/>
+                      </a:endParaRPr>
+                    </a:p>
+                  </a:txBody>
+                  <a:tcPr anchor="ctr" anchorCtr="1">
+                    <a:lnL w="12700" cap="flat" cmpd="sng" algn="ctr">
+                      <a:solidFill>
+                        <a:schemeClr val="tx1"/>
+                      </a:solidFill>
+                      <a:prstDash val="solid"/>
+                      <a:round/>
+                      <a:headEnd type="none" w="med" len="med"/>
+                      <a:tailEnd type="none" w="med" len="med"/>
+                    </a:lnL>
+                    <a:lnR w="12700" cap="flat" cmpd="sng" algn="ctr">
+                      <a:solidFill>
+                        <a:schemeClr val="tx1"/>
+                      </a:solidFill>
+                      <a:prstDash val="solid"/>
+                      <a:round/>
+                      <a:headEnd type="none" w="med" len="med"/>
+                      <a:tailEnd type="none" w="med" len="med"/>
+                    </a:lnR>
+                    <a:lnT w="12700" cap="flat" cmpd="sng" algn="ctr">
+                      <a:solidFill>
+                        <a:schemeClr val="tx1"/>
+                      </a:solidFill>
+                      <a:prstDash val="solid"/>
+                      <a:round/>
+                      <a:headEnd type="none" w="med" len="med"/>
+                      <a:tailEnd type="none" w="med" len="med"/>
+                    </a:lnT>
+                    <a:lnB w="12700" cap="flat" cmpd="sng" algn="ctr">
+                      <a:solidFill>
+                        <a:schemeClr val="tx1"/>
+                      </a:solidFill>
+                      <a:prstDash val="solid"/>
+                      <a:round/>
+                      <a:headEnd type="none" w="med" len="med"/>
+                      <a:tailEnd type="none" w="med" len="med"/>
+                    </a:lnB>
+                    <a:noFill/>
+                  </a:tcPr>
+                </a:tc>
+                <a:tc>
+                  <a:txBody>
+                    <a:bodyPr/>
+                    <a:lstStyle/>
+                    <a:p>
+                      <a:pPr algn="ctr"/>
+                      <a:r>
+                        <a:rPr lang="en-US" altLang="ko-Kore-KR" sz="1200" dirty="0">
+                          <a:solidFill>
+                            <a:schemeClr val="tx1"/>
+                          </a:solidFill>
+                          <a:latin typeface="+mn-ea"/>
+                          <a:ea typeface="+mn-ea"/>
+                        </a:rPr>
+                        <a:t>1</a:t>
+                      </a:r>
+                      <a:endParaRPr lang="ko-Kore-KR" altLang="en-US" sz="1200" dirty="0">
+                        <a:solidFill>
+                          <a:schemeClr val="tx1"/>
+                        </a:solidFill>
+                        <a:latin typeface="+mn-ea"/>
+                        <a:ea typeface="+mn-ea"/>
+                      </a:endParaRPr>
+                    </a:p>
+                  </a:txBody>
+                  <a:tcPr anchor="ctr" anchorCtr="1">
+                    <a:lnL w="12700" cap="flat" cmpd="sng" algn="ctr">
+                      <a:solidFill>
+                        <a:schemeClr val="tx1"/>
+                      </a:solidFill>
+                      <a:prstDash val="solid"/>
+                      <a:round/>
+                      <a:headEnd type="none" w="med" len="med"/>
+                      <a:tailEnd type="none" w="med" len="med"/>
+                    </a:lnL>
+                    <a:lnR w="12700" cap="flat" cmpd="sng" algn="ctr">
+                      <a:solidFill>
+                        <a:schemeClr val="tx1"/>
+                      </a:solidFill>
+                      <a:prstDash val="solid"/>
+                      <a:round/>
+                      <a:headEnd type="none" w="med" len="med"/>
+                      <a:tailEnd type="none" w="med" len="med"/>
+                    </a:lnR>
+                    <a:lnT w="12700" cap="flat" cmpd="sng" algn="ctr">
+                      <a:solidFill>
+                        <a:schemeClr val="tx1"/>
+                      </a:solidFill>
+                      <a:prstDash val="solid"/>
+                      <a:round/>
+                      <a:headEnd type="none" w="med" len="med"/>
+                      <a:tailEnd type="none" w="med" len="med"/>
+                    </a:lnT>
+                    <a:lnB w="12700" cap="flat" cmpd="sng" algn="ctr">
+                      <a:solidFill>
+                        <a:schemeClr val="tx1"/>
+                      </a:solidFill>
+                      <a:prstDash val="solid"/>
+                      <a:round/>
+                      <a:headEnd type="none" w="med" len="med"/>
+                      <a:tailEnd type="none" w="med" len="med"/>
+                    </a:lnB>
+                    <a:noFill/>
+                  </a:tcPr>
+                </a:tc>
+                <a:extLst>
+                  <a:ext uri="{0D108BD9-81ED-4DB2-BD59-A6C34878D82A}">
+                    <a16:rowId xmlns:a16="http://schemas.microsoft.com/office/drawing/2014/main" val="808232716"/>
+                  </a:ext>
+                </a:extLst>
+              </a:tr>
+              <a:tr h="290981">
+                <a:tc>
+                  <a:txBody>
+                    <a:bodyPr/>
+                    <a:lstStyle/>
+                    <a:p>
+                      <a:pPr algn="ctr"/>
+                      <a:r>
+                        <a:rPr lang="en-US" altLang="ko-Kore-KR" sz="1200" b="1" dirty="0">
+                          <a:solidFill>
+                            <a:schemeClr val="tx1"/>
+                          </a:solidFill>
+                          <a:latin typeface="+mn-ea"/>
+                          <a:ea typeface="+mn-ea"/>
+                        </a:rPr>
+                        <a:t>B</a:t>
+                      </a:r>
+                      <a:endParaRPr lang="ko-Kore-KR" altLang="en-US" sz="1200" b="1" dirty="0">
+                        <a:solidFill>
+                          <a:schemeClr val="tx1"/>
+                        </a:solidFill>
+                        <a:latin typeface="+mn-ea"/>
+                        <a:ea typeface="+mn-ea"/>
+                      </a:endParaRPr>
+                    </a:p>
+                  </a:txBody>
+                  <a:tcPr anchor="ctr" anchorCtr="1">
+                    <a:lnL w="12700" cap="flat" cmpd="sng" algn="ctr">
+                      <a:solidFill>
+                        <a:schemeClr val="tx1"/>
+                      </a:solidFill>
+                      <a:prstDash val="solid"/>
+                      <a:round/>
+                      <a:headEnd type="none" w="med" len="med"/>
+                      <a:tailEnd type="none" w="med" len="med"/>
+                    </a:lnL>
+                    <a:lnR w="12700" cap="flat" cmpd="sng" algn="ctr">
+                      <a:solidFill>
+                        <a:schemeClr val="tx1"/>
+                      </a:solidFill>
+                      <a:prstDash val="solid"/>
+                      <a:round/>
+                      <a:headEnd type="none" w="med" len="med"/>
+                      <a:tailEnd type="none" w="med" len="med"/>
+                    </a:lnR>
+                    <a:lnT w="12700" cap="flat" cmpd="sng" algn="ctr">
+                      <a:solidFill>
+                        <a:schemeClr val="tx1"/>
+                      </a:solidFill>
+                      <a:prstDash val="solid"/>
+                      <a:round/>
+                      <a:headEnd type="none" w="med" len="med"/>
+                      <a:tailEnd type="none" w="med" len="med"/>
+                    </a:lnT>
+                    <a:lnB w="12700" cap="flat" cmpd="sng" algn="ctr">
+                      <a:solidFill>
+                        <a:schemeClr val="tx1"/>
+                      </a:solidFill>
+                      <a:prstDash val="solid"/>
+                      <a:round/>
+                      <a:headEnd type="none" w="med" len="med"/>
+                      <a:tailEnd type="none" w="med" len="med"/>
+                    </a:lnB>
+                    <a:noFill/>
+                  </a:tcPr>
+                </a:tc>
+                <a:tc>
+                  <a:txBody>
+                    <a:bodyPr/>
+                    <a:lstStyle/>
+                    <a:p>
+                      <a:pPr algn="ctr"/>
+                      <a:r>
+                        <a:rPr lang="en-US" altLang="ko-Kore-KR" sz="1200" dirty="0">
+                          <a:solidFill>
+                            <a:schemeClr val="tx1"/>
+                          </a:solidFill>
+                          <a:latin typeface="+mn-ea"/>
+                          <a:ea typeface="+mn-ea"/>
+                        </a:rPr>
+                        <a:t>1</a:t>
+                      </a:r>
+                      <a:endParaRPr lang="ko-Kore-KR" altLang="en-US" sz="1200" dirty="0">
+                        <a:solidFill>
+                          <a:schemeClr val="tx1"/>
+                        </a:solidFill>
+                        <a:latin typeface="+mn-ea"/>
+                        <a:ea typeface="+mn-ea"/>
+                      </a:endParaRPr>
+                    </a:p>
+                  </a:txBody>
+                  <a:tcPr anchor="ctr" anchorCtr="1">
+                    <a:lnL w="12700" cap="flat" cmpd="sng" algn="ctr">
+                      <a:solidFill>
+                        <a:schemeClr val="tx1"/>
+                      </a:solidFill>
+                      <a:prstDash val="solid"/>
+                      <a:round/>
+                      <a:headEnd type="none" w="med" len="med"/>
+                      <a:tailEnd type="none" w="med" len="med"/>
+                    </a:lnL>
+                    <a:lnR w="12700" cap="flat" cmpd="sng" algn="ctr">
+                      <a:solidFill>
+                        <a:schemeClr val="tx1"/>
+                      </a:solidFill>
+                      <a:prstDash val="solid"/>
+                      <a:round/>
+                      <a:headEnd type="none" w="med" len="med"/>
+                      <a:tailEnd type="none" w="med" len="med"/>
+                    </a:lnR>
+                    <a:lnT w="12700" cap="flat" cmpd="sng" algn="ctr">
+                      <a:solidFill>
+                        <a:schemeClr val="tx1"/>
+                      </a:solidFill>
+                      <a:prstDash val="solid"/>
+                      <a:round/>
+                      <a:headEnd type="none" w="med" len="med"/>
+                      <a:tailEnd type="none" w="med" len="med"/>
+                    </a:lnT>
+                    <a:lnB w="12700" cap="flat" cmpd="sng" algn="ctr">
+                      <a:solidFill>
+                        <a:schemeClr val="tx1"/>
+                      </a:solidFill>
+                      <a:prstDash val="solid"/>
+                      <a:round/>
+                      <a:headEnd type="none" w="med" len="med"/>
+                      <a:tailEnd type="none" w="med" len="med"/>
+                    </a:lnB>
+                    <a:noFill/>
+                  </a:tcPr>
+                </a:tc>
+                <a:tc>
+                  <a:txBody>
+                    <a:bodyPr/>
+                    <a:lstStyle/>
+                    <a:p>
+                      <a:pPr algn="ctr"/>
+                      <a:r>
+                        <a:rPr lang="en-US" altLang="ko-Kore-KR" sz="1200" dirty="0">
+                          <a:solidFill>
+                            <a:schemeClr val="tx1"/>
+                          </a:solidFill>
+                          <a:latin typeface="+mn-ea"/>
+                          <a:ea typeface="+mn-ea"/>
+                        </a:rPr>
+                        <a:t>0</a:t>
+                      </a:r>
+                      <a:endParaRPr lang="ko-Kore-KR" altLang="en-US" sz="1200" dirty="0">
+                        <a:solidFill>
+                          <a:schemeClr val="tx1"/>
+                        </a:solidFill>
+                        <a:latin typeface="+mn-ea"/>
+                        <a:ea typeface="+mn-ea"/>
+                      </a:endParaRPr>
+                    </a:p>
+                  </a:txBody>
+                  <a:tcPr anchor="ctr" anchorCtr="1">
+                    <a:lnL w="12700" cap="flat" cmpd="sng" algn="ctr">
+                      <a:solidFill>
+                        <a:schemeClr val="tx1"/>
+                      </a:solidFill>
+                      <a:prstDash val="solid"/>
+                      <a:round/>
+                      <a:headEnd type="none" w="med" len="med"/>
+                      <a:tailEnd type="none" w="med" len="med"/>
+                    </a:lnL>
+                    <a:lnR w="12700" cap="flat" cmpd="sng" algn="ctr">
+                      <a:solidFill>
+                        <a:schemeClr val="tx1"/>
+                      </a:solidFill>
+                      <a:prstDash val="solid"/>
+                      <a:round/>
+                      <a:headEnd type="none" w="med" len="med"/>
+                      <a:tailEnd type="none" w="med" len="med"/>
+                    </a:lnR>
+                    <a:lnT w="12700" cap="flat" cmpd="sng" algn="ctr">
+                      <a:solidFill>
+                        <a:schemeClr val="tx1"/>
+                      </a:solidFill>
+                      <a:prstDash val="solid"/>
+                      <a:round/>
+                      <a:headEnd type="none" w="med" len="med"/>
+                      <a:tailEnd type="none" w="med" len="med"/>
+                    </a:lnT>
+                    <a:lnB w="12700" cap="flat" cmpd="sng" algn="ctr">
+                      <a:solidFill>
+                        <a:schemeClr val="tx1"/>
+                      </a:solidFill>
+                      <a:prstDash val="solid"/>
+                      <a:round/>
+                      <a:headEnd type="none" w="med" len="med"/>
+                      <a:tailEnd type="none" w="med" len="med"/>
+                    </a:lnB>
+                    <a:noFill/>
+                  </a:tcPr>
+                </a:tc>
+                <a:tc>
+                  <a:txBody>
+                    <a:bodyPr/>
+                    <a:lstStyle/>
+                    <a:p>
+                      <a:pPr algn="ctr"/>
+                      <a:r>
+                        <a:rPr lang="en-US" altLang="ko-Kore-KR" sz="1200" dirty="0">
+                          <a:solidFill>
+                            <a:schemeClr val="tx1"/>
+                          </a:solidFill>
+                          <a:latin typeface="+mn-ea"/>
+                          <a:ea typeface="+mn-ea"/>
+                        </a:rPr>
+                        <a:t>1</a:t>
+                      </a:r>
+                      <a:endParaRPr lang="ko-Kore-KR" altLang="en-US" sz="1200" dirty="0">
+                        <a:solidFill>
+                          <a:schemeClr val="tx1"/>
+                        </a:solidFill>
+                        <a:latin typeface="+mn-ea"/>
+                        <a:ea typeface="+mn-ea"/>
+                      </a:endParaRPr>
+                    </a:p>
+                  </a:txBody>
+                  <a:tcPr anchor="ctr" anchorCtr="1">
+                    <a:lnL w="12700" cap="flat" cmpd="sng" algn="ctr">
+                      <a:solidFill>
+                        <a:schemeClr val="tx1"/>
+                      </a:solidFill>
+                      <a:prstDash val="solid"/>
+                      <a:round/>
+                      <a:headEnd type="none" w="med" len="med"/>
+                      <a:tailEnd type="none" w="med" len="med"/>
+                    </a:lnL>
+                    <a:lnR w="12700" cap="flat" cmpd="sng" algn="ctr">
+                      <a:solidFill>
+                        <a:schemeClr val="tx1"/>
+                      </a:solidFill>
+                      <a:prstDash val="solid"/>
+                      <a:round/>
+                      <a:headEnd type="none" w="med" len="med"/>
+                      <a:tailEnd type="none" w="med" len="med"/>
+                    </a:lnR>
+                    <a:lnT w="12700" cap="flat" cmpd="sng" algn="ctr">
+                      <a:solidFill>
+                        <a:schemeClr val="tx1"/>
+                      </a:solidFill>
+                      <a:prstDash val="solid"/>
+                      <a:round/>
+                      <a:headEnd type="none" w="med" len="med"/>
+                      <a:tailEnd type="none" w="med" len="med"/>
+                    </a:lnT>
+                    <a:lnB w="12700" cap="flat" cmpd="sng" algn="ctr">
+                      <a:solidFill>
+                        <a:schemeClr val="tx1"/>
+                      </a:solidFill>
+                      <a:prstDash val="solid"/>
+                      <a:round/>
+                      <a:headEnd type="none" w="med" len="med"/>
+                      <a:tailEnd type="none" w="med" len="med"/>
+                    </a:lnB>
+                    <a:noFill/>
+                  </a:tcPr>
+                </a:tc>
+                <a:tc>
+                  <a:txBody>
+                    <a:bodyPr/>
+                    <a:lstStyle/>
+                    <a:p>
+                      <a:pPr algn="ctr"/>
+                      <a:r>
+                        <a:rPr lang="en-US" altLang="ko-Kore-KR" sz="1200" dirty="0">
+                          <a:solidFill>
+                            <a:schemeClr val="tx1"/>
+                          </a:solidFill>
+                          <a:latin typeface="+mn-ea"/>
+                          <a:ea typeface="+mn-ea"/>
+                        </a:rPr>
+                        <a:t>1</a:t>
+                      </a:r>
+                      <a:endParaRPr lang="ko-Kore-KR" altLang="en-US" sz="1200" dirty="0">
+                        <a:solidFill>
+                          <a:schemeClr val="tx1"/>
+                        </a:solidFill>
+                        <a:latin typeface="+mn-ea"/>
+                        <a:ea typeface="+mn-ea"/>
+                      </a:endParaRPr>
+                    </a:p>
+                  </a:txBody>
+                  <a:tcPr anchor="ctr" anchorCtr="1">
+                    <a:lnL w="12700" cap="flat" cmpd="sng" algn="ctr">
+                      <a:solidFill>
+                        <a:schemeClr val="tx1"/>
+                      </a:solidFill>
+                      <a:prstDash val="solid"/>
+                      <a:round/>
+                      <a:headEnd type="none" w="med" len="med"/>
+                      <a:tailEnd type="none" w="med" len="med"/>
+                    </a:lnL>
+                    <a:lnR w="12700" cap="flat" cmpd="sng" algn="ctr">
+                      <a:solidFill>
+                        <a:schemeClr val="tx1"/>
+                      </a:solidFill>
+                      <a:prstDash val="solid"/>
+                      <a:round/>
+                      <a:headEnd type="none" w="med" len="med"/>
+                      <a:tailEnd type="none" w="med" len="med"/>
+                    </a:lnR>
+                    <a:lnT w="12700" cap="flat" cmpd="sng" algn="ctr">
+                      <a:solidFill>
+                        <a:schemeClr val="tx1"/>
+                      </a:solidFill>
+                      <a:prstDash val="solid"/>
+                      <a:round/>
+                      <a:headEnd type="none" w="med" len="med"/>
+                      <a:tailEnd type="none" w="med" len="med"/>
+                    </a:lnT>
+                    <a:lnB w="12700" cap="flat" cmpd="sng" algn="ctr">
+                      <a:solidFill>
+                        <a:schemeClr val="tx1"/>
+                      </a:solidFill>
+                      <a:prstDash val="solid"/>
+                      <a:round/>
+                      <a:headEnd type="none" w="med" len="med"/>
+                      <a:tailEnd type="none" w="med" len="med"/>
+                    </a:lnB>
+                    <a:noFill/>
+                  </a:tcPr>
+                </a:tc>
+                <a:tc>
+                  <a:txBody>
+                    <a:bodyPr/>
+                    <a:lstStyle/>
+                    <a:p>
+                      <a:pPr algn="ctr"/>
+                      <a:r>
+                        <a:rPr lang="en-US" altLang="ko-Kore-KR" sz="1200" dirty="0">
+                          <a:solidFill>
+                            <a:schemeClr val="tx1"/>
+                          </a:solidFill>
+                          <a:latin typeface="+mn-ea"/>
+                          <a:ea typeface="+mn-ea"/>
+                        </a:rPr>
+                        <a:t>1</a:t>
+                      </a:r>
+                      <a:endParaRPr lang="ko-Kore-KR" altLang="en-US" sz="1200" dirty="0">
+                        <a:solidFill>
+                          <a:schemeClr val="tx1"/>
+                        </a:solidFill>
+                        <a:latin typeface="+mn-ea"/>
+                        <a:ea typeface="+mn-ea"/>
+                      </a:endParaRPr>
+                    </a:p>
+                  </a:txBody>
+                  <a:tcPr anchor="ctr" anchorCtr="1">
+                    <a:lnL w="12700" cap="flat" cmpd="sng" algn="ctr">
+                      <a:solidFill>
+                        <a:schemeClr val="tx1"/>
+                      </a:solidFill>
+                      <a:prstDash val="solid"/>
+                      <a:round/>
+                      <a:headEnd type="none" w="med" len="med"/>
+                      <a:tailEnd type="none" w="med" len="med"/>
+                    </a:lnL>
+                    <a:lnR w="12700" cap="flat" cmpd="sng" algn="ctr">
+                      <a:solidFill>
+                        <a:schemeClr val="tx1"/>
+                      </a:solidFill>
+                      <a:prstDash val="solid"/>
+                      <a:round/>
+                      <a:headEnd type="none" w="med" len="med"/>
+                      <a:tailEnd type="none" w="med" len="med"/>
+                    </a:lnR>
+                    <a:lnT w="12700" cap="flat" cmpd="sng" algn="ctr">
+                      <a:solidFill>
+                        <a:schemeClr val="tx1"/>
+                      </a:solidFill>
+                      <a:prstDash val="solid"/>
+                      <a:round/>
+                      <a:headEnd type="none" w="med" len="med"/>
+                      <a:tailEnd type="none" w="med" len="med"/>
+                    </a:lnT>
+                    <a:lnB w="12700" cap="flat" cmpd="sng" algn="ctr">
+                      <a:solidFill>
+                        <a:schemeClr val="tx1"/>
+                      </a:solidFill>
+                      <a:prstDash val="solid"/>
+                      <a:round/>
+                      <a:headEnd type="none" w="med" len="med"/>
+                      <a:tailEnd type="none" w="med" len="med"/>
+                    </a:lnB>
+                    <a:noFill/>
+                  </a:tcPr>
+                </a:tc>
+                <a:tc>
+                  <a:txBody>
+                    <a:bodyPr/>
+                    <a:lstStyle/>
+                    <a:p>
+                      <a:pPr algn="ctr"/>
+                      <a:r>
+                        <a:rPr lang="en-US" altLang="ko-Kore-KR" sz="1200" dirty="0">
+                          <a:solidFill>
+                            <a:schemeClr val="tx1"/>
+                          </a:solidFill>
+                          <a:latin typeface="+mn-ea"/>
+                          <a:ea typeface="+mn-ea"/>
+                        </a:rPr>
+                        <a:t>1</a:t>
+                      </a:r>
+                      <a:endParaRPr lang="ko-Kore-KR" altLang="en-US" sz="1200" dirty="0">
+                        <a:solidFill>
+                          <a:schemeClr val="tx1"/>
+                        </a:solidFill>
+                        <a:latin typeface="+mn-ea"/>
+                        <a:ea typeface="+mn-ea"/>
+                      </a:endParaRPr>
+                    </a:p>
+                  </a:txBody>
+                  <a:tcPr anchor="ctr" anchorCtr="1">
+                    <a:lnL w="12700" cap="flat" cmpd="sng" algn="ctr">
+                      <a:solidFill>
+                        <a:schemeClr val="tx1"/>
+                      </a:solidFill>
+                      <a:prstDash val="solid"/>
+                      <a:round/>
+                      <a:headEnd type="none" w="med" len="med"/>
+                      <a:tailEnd type="none" w="med" len="med"/>
+                    </a:lnL>
+                    <a:lnR w="12700" cap="flat" cmpd="sng" algn="ctr">
+                      <a:solidFill>
+                        <a:schemeClr val="tx1"/>
+                      </a:solidFill>
+                      <a:prstDash val="solid"/>
+                      <a:round/>
+                      <a:headEnd type="none" w="med" len="med"/>
+                      <a:tailEnd type="none" w="med" len="med"/>
+                    </a:lnR>
+                    <a:lnT w="12700" cap="flat" cmpd="sng" algn="ctr">
+                      <a:solidFill>
+                        <a:schemeClr val="tx1"/>
+                      </a:solidFill>
+                      <a:prstDash val="solid"/>
+                      <a:round/>
+                      <a:headEnd type="none" w="med" len="med"/>
+                      <a:tailEnd type="none" w="med" len="med"/>
+                    </a:lnT>
+                    <a:lnB w="12700" cap="flat" cmpd="sng" algn="ctr">
+                      <a:solidFill>
+                        <a:schemeClr val="tx1"/>
+                      </a:solidFill>
+                      <a:prstDash val="solid"/>
+                      <a:round/>
+                      <a:headEnd type="none" w="med" len="med"/>
+                      <a:tailEnd type="none" w="med" len="med"/>
+                    </a:lnB>
+                    <a:noFill/>
+                  </a:tcPr>
+                </a:tc>
+                <a:extLst>
+                  <a:ext uri="{0D108BD9-81ED-4DB2-BD59-A6C34878D82A}">
+                    <a16:rowId xmlns:a16="http://schemas.microsoft.com/office/drawing/2014/main" val="2101786983"/>
+                  </a:ext>
+                </a:extLst>
+              </a:tr>
+              <a:tr h="290981">
+                <a:tc>
+                  <a:txBody>
+                    <a:bodyPr/>
+                    <a:lstStyle/>
+                    <a:p>
+                      <a:pPr algn="ctr"/>
+                      <a:r>
+                        <a:rPr lang="en-US" altLang="ko-Kore-KR" sz="1200" b="1" dirty="0">
+                          <a:solidFill>
+                            <a:schemeClr val="tx1"/>
+                          </a:solidFill>
+                          <a:latin typeface="+mn-ea"/>
+                          <a:ea typeface="+mn-ea"/>
+                        </a:rPr>
+                        <a:t>C</a:t>
+                      </a:r>
+                      <a:endParaRPr lang="ko-Kore-KR" altLang="en-US" sz="1200" b="1" dirty="0">
+                        <a:solidFill>
+                          <a:schemeClr val="tx1"/>
+                        </a:solidFill>
+                        <a:latin typeface="+mn-ea"/>
+                        <a:ea typeface="+mn-ea"/>
+                      </a:endParaRPr>
+                    </a:p>
+                  </a:txBody>
+                  <a:tcPr anchor="ctr" anchorCtr="1">
+                    <a:lnL w="12700" cap="flat" cmpd="sng" algn="ctr">
+                      <a:solidFill>
+                        <a:schemeClr val="tx1"/>
+                      </a:solidFill>
+                      <a:prstDash val="solid"/>
+                      <a:round/>
+                      <a:headEnd type="none" w="med" len="med"/>
+                      <a:tailEnd type="none" w="med" len="med"/>
+                    </a:lnL>
+                    <a:lnR w="12700" cap="flat" cmpd="sng" algn="ctr">
+                      <a:solidFill>
+                        <a:schemeClr val="tx1"/>
+                      </a:solidFill>
+                      <a:prstDash val="solid"/>
+                      <a:round/>
+                      <a:headEnd type="none" w="med" len="med"/>
+                      <a:tailEnd type="none" w="med" len="med"/>
+                    </a:lnR>
+                    <a:lnT w="12700" cap="flat" cmpd="sng" algn="ctr">
+                      <a:solidFill>
+                        <a:schemeClr val="tx1"/>
+                      </a:solidFill>
+                      <a:prstDash val="solid"/>
+                      <a:round/>
+                      <a:headEnd type="none" w="med" len="med"/>
+                      <a:tailEnd type="none" w="med" len="med"/>
+                    </a:lnT>
+                    <a:lnB w="12700" cap="flat" cmpd="sng" algn="ctr">
+                      <a:solidFill>
+                        <a:schemeClr val="tx1"/>
+                      </a:solidFill>
+                      <a:prstDash val="solid"/>
+                      <a:round/>
+                      <a:headEnd type="none" w="med" len="med"/>
+                      <a:tailEnd type="none" w="med" len="med"/>
+                    </a:lnB>
+                    <a:noFill/>
+                  </a:tcPr>
+                </a:tc>
+                <a:tc>
+                  <a:txBody>
+                    <a:bodyPr/>
+                    <a:lstStyle/>
+                    <a:p>
+                      <a:pPr algn="ctr"/>
+                      <a:r>
+                        <a:rPr lang="en-US" altLang="ko-Kore-KR" sz="1200" b="1" dirty="0">
+                          <a:solidFill>
+                            <a:srgbClr val="FF0000"/>
+                          </a:solidFill>
+                          <a:latin typeface="+mn-ea"/>
+                          <a:ea typeface="+mn-ea"/>
+                        </a:rPr>
+                        <a:t>1</a:t>
+                      </a:r>
+                      <a:endParaRPr lang="ko-Kore-KR" altLang="en-US" sz="1200" b="1" dirty="0">
+                        <a:solidFill>
+                          <a:srgbClr val="FF0000"/>
+                        </a:solidFill>
+                        <a:latin typeface="+mn-ea"/>
+                        <a:ea typeface="+mn-ea"/>
+                      </a:endParaRPr>
+                    </a:p>
+                  </a:txBody>
+                  <a:tcPr anchor="ctr" anchorCtr="1">
+                    <a:lnL w="12700" cap="flat" cmpd="sng" algn="ctr">
+                      <a:solidFill>
+                        <a:schemeClr val="tx1"/>
+                      </a:solidFill>
+                      <a:prstDash val="solid"/>
+                      <a:round/>
+                      <a:headEnd type="none" w="med" len="med"/>
+                      <a:tailEnd type="none" w="med" len="med"/>
+                    </a:lnL>
+                    <a:lnR w="12700" cap="flat" cmpd="sng" algn="ctr">
+                      <a:solidFill>
+                        <a:schemeClr val="tx1"/>
+                      </a:solidFill>
+                      <a:prstDash val="solid"/>
+                      <a:round/>
+                      <a:headEnd type="none" w="med" len="med"/>
+                      <a:tailEnd type="none" w="med" len="med"/>
+                    </a:lnR>
+                    <a:lnT w="12700" cap="flat" cmpd="sng" algn="ctr">
+                      <a:solidFill>
+                        <a:schemeClr val="tx1"/>
+                      </a:solidFill>
+                      <a:prstDash val="solid"/>
+                      <a:round/>
+                      <a:headEnd type="none" w="med" len="med"/>
+                      <a:tailEnd type="none" w="med" len="med"/>
+                    </a:lnT>
+                    <a:lnB w="12700" cap="flat" cmpd="sng" algn="ctr">
+                      <a:solidFill>
+                        <a:schemeClr val="tx1"/>
+                      </a:solidFill>
+                      <a:prstDash val="solid"/>
+                      <a:round/>
+                      <a:headEnd type="none" w="med" len="med"/>
+                      <a:tailEnd type="none" w="med" len="med"/>
+                    </a:lnB>
+                    <a:noFill/>
+                  </a:tcPr>
+                </a:tc>
+                <a:tc>
+                  <a:txBody>
+                    <a:bodyPr/>
+                    <a:lstStyle/>
+                    <a:p>
+                      <a:pPr algn="ctr"/>
+                      <a:r>
+                        <a:rPr lang="en-US" altLang="ko-Kore-KR" sz="1200" b="1" dirty="0">
+                          <a:solidFill>
+                            <a:srgbClr val="FF0000"/>
+                          </a:solidFill>
+                          <a:latin typeface="+mn-ea"/>
+                          <a:ea typeface="+mn-ea"/>
+                        </a:rPr>
+                        <a:t>1</a:t>
+                      </a:r>
+                      <a:endParaRPr lang="ko-Kore-KR" altLang="en-US" sz="1200" b="1" dirty="0">
+                        <a:solidFill>
+                          <a:srgbClr val="FF0000"/>
+                        </a:solidFill>
+                        <a:latin typeface="+mn-ea"/>
+                        <a:ea typeface="+mn-ea"/>
+                      </a:endParaRPr>
+                    </a:p>
+                  </a:txBody>
+                  <a:tcPr anchor="ctr" anchorCtr="1">
+                    <a:lnL w="12700" cap="flat" cmpd="sng" algn="ctr">
+                      <a:solidFill>
+                        <a:schemeClr val="tx1"/>
+                      </a:solidFill>
+                      <a:prstDash val="solid"/>
+                      <a:round/>
+                      <a:headEnd type="none" w="med" len="med"/>
+                      <a:tailEnd type="none" w="med" len="med"/>
+                    </a:lnL>
+                    <a:lnR w="12700" cap="flat" cmpd="sng" algn="ctr">
+                      <a:solidFill>
+                        <a:schemeClr val="tx1"/>
+                      </a:solidFill>
+                      <a:prstDash val="solid"/>
+                      <a:round/>
+                      <a:headEnd type="none" w="med" len="med"/>
+                      <a:tailEnd type="none" w="med" len="med"/>
+                    </a:lnR>
+                    <a:lnT w="12700" cap="flat" cmpd="sng" algn="ctr">
+                      <a:solidFill>
+                        <a:schemeClr val="tx1"/>
+                      </a:solidFill>
+                      <a:prstDash val="solid"/>
+                      <a:round/>
+                      <a:headEnd type="none" w="med" len="med"/>
+                      <a:tailEnd type="none" w="med" len="med"/>
+                    </a:lnT>
+                    <a:lnB w="12700" cap="flat" cmpd="sng" algn="ctr">
+                      <a:solidFill>
+                        <a:schemeClr val="tx1"/>
+                      </a:solidFill>
+                      <a:prstDash val="solid"/>
+                      <a:round/>
+                      <a:headEnd type="none" w="med" len="med"/>
+                      <a:tailEnd type="none" w="med" len="med"/>
+                    </a:lnB>
+                    <a:noFill/>
+                  </a:tcPr>
+                </a:tc>
+                <a:tc>
+                  <a:txBody>
+                    <a:bodyPr/>
+                    <a:lstStyle/>
+                    <a:p>
+                      <a:pPr algn="ctr"/>
+                      <a:r>
+                        <a:rPr lang="en-US" altLang="ko-Kore-KR" sz="1200" dirty="0">
+                          <a:solidFill>
+                            <a:schemeClr val="tx1"/>
+                          </a:solidFill>
+                          <a:latin typeface="+mn-ea"/>
+                          <a:ea typeface="+mn-ea"/>
+                        </a:rPr>
+                        <a:t>0</a:t>
+                      </a:r>
+                      <a:endParaRPr lang="ko-Kore-KR" altLang="en-US" sz="1200" dirty="0">
+                        <a:solidFill>
+                          <a:schemeClr val="tx1"/>
+                        </a:solidFill>
+                        <a:latin typeface="+mn-ea"/>
+                        <a:ea typeface="+mn-ea"/>
+                      </a:endParaRPr>
+                    </a:p>
+                  </a:txBody>
+                  <a:tcPr anchor="ctr" anchorCtr="1">
+                    <a:lnL w="12700" cap="flat" cmpd="sng" algn="ctr">
+                      <a:solidFill>
+                        <a:schemeClr val="tx1"/>
+                      </a:solidFill>
+                      <a:prstDash val="solid"/>
+                      <a:round/>
+                      <a:headEnd type="none" w="med" len="med"/>
+                      <a:tailEnd type="none" w="med" len="med"/>
+                    </a:lnL>
+                    <a:lnR w="12700" cap="flat" cmpd="sng" algn="ctr">
+                      <a:solidFill>
+                        <a:schemeClr val="tx1"/>
+                      </a:solidFill>
+                      <a:prstDash val="solid"/>
+                      <a:round/>
+                      <a:headEnd type="none" w="med" len="med"/>
+                      <a:tailEnd type="none" w="med" len="med"/>
+                    </a:lnR>
+                    <a:lnT w="12700" cap="flat" cmpd="sng" algn="ctr">
+                      <a:solidFill>
+                        <a:schemeClr val="tx1"/>
+                      </a:solidFill>
+                      <a:prstDash val="solid"/>
+                      <a:round/>
+                      <a:headEnd type="none" w="med" len="med"/>
+                      <a:tailEnd type="none" w="med" len="med"/>
+                    </a:lnT>
+                    <a:lnB w="12700" cap="flat" cmpd="sng" algn="ctr">
+                      <a:solidFill>
+                        <a:schemeClr val="tx1"/>
+                      </a:solidFill>
+                      <a:prstDash val="solid"/>
+                      <a:round/>
+                      <a:headEnd type="none" w="med" len="med"/>
+                      <a:tailEnd type="none" w="med" len="med"/>
+                    </a:lnB>
+                    <a:noFill/>
+                  </a:tcPr>
+                </a:tc>
+                <a:tc>
+                  <a:txBody>
+                    <a:bodyPr/>
+                    <a:lstStyle/>
+                    <a:p>
+                      <a:pPr algn="ctr"/>
+                      <a:r>
+                        <a:rPr lang="en-US" altLang="ko-Kore-KR" sz="1200" dirty="0">
+                          <a:solidFill>
+                            <a:schemeClr val="tx1"/>
+                          </a:solidFill>
+                          <a:latin typeface="+mn-ea"/>
+                          <a:ea typeface="+mn-ea"/>
+                        </a:rPr>
+                        <a:t>1</a:t>
+                      </a:r>
+                      <a:endParaRPr lang="ko-Kore-KR" altLang="en-US" sz="1200" dirty="0">
+                        <a:solidFill>
+                          <a:schemeClr val="tx1"/>
+                        </a:solidFill>
+                        <a:latin typeface="+mn-ea"/>
+                        <a:ea typeface="+mn-ea"/>
+                      </a:endParaRPr>
+                    </a:p>
+                  </a:txBody>
+                  <a:tcPr anchor="ctr" anchorCtr="1">
+                    <a:lnL w="12700" cap="flat" cmpd="sng" algn="ctr">
+                      <a:solidFill>
+                        <a:schemeClr val="tx1"/>
+                      </a:solidFill>
+                      <a:prstDash val="solid"/>
+                      <a:round/>
+                      <a:headEnd type="none" w="med" len="med"/>
+                      <a:tailEnd type="none" w="med" len="med"/>
+                    </a:lnL>
+                    <a:lnR w="12700" cap="flat" cmpd="sng" algn="ctr">
+                      <a:solidFill>
+                        <a:schemeClr val="tx1"/>
+                      </a:solidFill>
+                      <a:prstDash val="solid"/>
+                      <a:round/>
+                      <a:headEnd type="none" w="med" len="med"/>
+                      <a:tailEnd type="none" w="med" len="med"/>
+                    </a:lnR>
+                    <a:lnT w="12700" cap="flat" cmpd="sng" algn="ctr">
+                      <a:solidFill>
+                        <a:schemeClr val="tx1"/>
+                      </a:solidFill>
+                      <a:prstDash val="solid"/>
+                      <a:round/>
+                      <a:headEnd type="none" w="med" len="med"/>
+                      <a:tailEnd type="none" w="med" len="med"/>
+                    </a:lnT>
+                    <a:lnB w="12700" cap="flat" cmpd="sng" algn="ctr">
+                      <a:solidFill>
+                        <a:schemeClr val="tx1"/>
+                      </a:solidFill>
+                      <a:prstDash val="solid"/>
+                      <a:round/>
+                      <a:headEnd type="none" w="med" len="med"/>
+                      <a:tailEnd type="none" w="med" len="med"/>
+                    </a:lnB>
+                    <a:noFill/>
+                  </a:tcPr>
+                </a:tc>
+                <a:tc>
+                  <a:txBody>
+                    <a:bodyPr/>
+                    <a:lstStyle/>
+                    <a:p>
+                      <a:pPr algn="ctr"/>
+                      <a:r>
+                        <a:rPr lang="en-US" altLang="ko-Kore-KR" sz="1200" dirty="0">
+                          <a:solidFill>
+                            <a:schemeClr val="tx1"/>
+                          </a:solidFill>
+                          <a:latin typeface="+mn-ea"/>
+                          <a:ea typeface="+mn-ea"/>
+                        </a:rPr>
+                        <a:t>0</a:t>
+                      </a:r>
+                      <a:endParaRPr lang="ko-Kore-KR" altLang="en-US" sz="1200" dirty="0">
+                        <a:solidFill>
+                          <a:schemeClr val="tx1"/>
+                        </a:solidFill>
+                        <a:latin typeface="+mn-ea"/>
+                        <a:ea typeface="+mn-ea"/>
+                      </a:endParaRPr>
+                    </a:p>
+                  </a:txBody>
+                  <a:tcPr anchor="ctr" anchorCtr="1">
+                    <a:lnL w="12700" cap="flat" cmpd="sng" algn="ctr">
+                      <a:solidFill>
+                        <a:schemeClr val="tx1"/>
+                      </a:solidFill>
+                      <a:prstDash val="solid"/>
+                      <a:round/>
+                      <a:headEnd type="none" w="med" len="med"/>
+                      <a:tailEnd type="none" w="med" len="med"/>
+                    </a:lnL>
+                    <a:lnR w="12700" cap="flat" cmpd="sng" algn="ctr">
+                      <a:solidFill>
+                        <a:schemeClr val="tx1"/>
+                      </a:solidFill>
+                      <a:prstDash val="solid"/>
+                      <a:round/>
+                      <a:headEnd type="none" w="med" len="med"/>
+                      <a:tailEnd type="none" w="med" len="med"/>
+                    </a:lnR>
+                    <a:lnT w="12700" cap="flat" cmpd="sng" algn="ctr">
+                      <a:solidFill>
+                        <a:schemeClr val="tx1"/>
+                      </a:solidFill>
+                      <a:prstDash val="solid"/>
+                      <a:round/>
+                      <a:headEnd type="none" w="med" len="med"/>
+                      <a:tailEnd type="none" w="med" len="med"/>
+                    </a:lnT>
+                    <a:lnB w="12700" cap="flat" cmpd="sng" algn="ctr">
+                      <a:solidFill>
+                        <a:schemeClr val="tx1"/>
+                      </a:solidFill>
+                      <a:prstDash val="solid"/>
+                      <a:round/>
+                      <a:headEnd type="none" w="med" len="med"/>
+                      <a:tailEnd type="none" w="med" len="med"/>
+                    </a:lnB>
+                    <a:noFill/>
+                  </a:tcPr>
+                </a:tc>
+                <a:tc>
+                  <a:txBody>
+                    <a:bodyPr/>
+                    <a:lstStyle/>
+                    <a:p>
+                      <a:pPr algn="ctr"/>
+                      <a:r>
+                        <a:rPr lang="en-US" altLang="ko-Kore-KR" sz="1200" dirty="0">
+                          <a:solidFill>
+                            <a:schemeClr val="tx1"/>
+                          </a:solidFill>
+                          <a:latin typeface="+mn-ea"/>
+                          <a:ea typeface="+mn-ea"/>
+                        </a:rPr>
+                        <a:t>0</a:t>
+                      </a:r>
+                      <a:endParaRPr lang="ko-Kore-KR" altLang="en-US" sz="1200" dirty="0">
+                        <a:solidFill>
+                          <a:schemeClr val="tx1"/>
+                        </a:solidFill>
+                        <a:latin typeface="+mn-ea"/>
+                        <a:ea typeface="+mn-ea"/>
+                      </a:endParaRPr>
+                    </a:p>
+                  </a:txBody>
+                  <a:tcPr anchor="ctr" anchorCtr="1">
+                    <a:lnL w="12700" cap="flat" cmpd="sng" algn="ctr">
+                      <a:solidFill>
+                        <a:schemeClr val="tx1"/>
+                      </a:solidFill>
+                      <a:prstDash val="solid"/>
+                      <a:round/>
+                      <a:headEnd type="none" w="med" len="med"/>
+                      <a:tailEnd type="none" w="med" len="med"/>
+                    </a:lnL>
+                    <a:lnR w="12700" cap="flat" cmpd="sng" algn="ctr">
+                      <a:solidFill>
+                        <a:schemeClr val="tx1"/>
+                      </a:solidFill>
+                      <a:prstDash val="solid"/>
+                      <a:round/>
+                      <a:headEnd type="none" w="med" len="med"/>
+                      <a:tailEnd type="none" w="med" len="med"/>
+                    </a:lnR>
+                    <a:lnT w="12700" cap="flat" cmpd="sng" algn="ctr">
+                      <a:solidFill>
+                        <a:schemeClr val="tx1"/>
+                      </a:solidFill>
+                      <a:prstDash val="solid"/>
+                      <a:round/>
+                      <a:headEnd type="none" w="med" len="med"/>
+                      <a:tailEnd type="none" w="med" len="med"/>
+                    </a:lnT>
+                    <a:lnB w="12700" cap="flat" cmpd="sng" algn="ctr">
+                      <a:solidFill>
+                        <a:schemeClr val="tx1"/>
+                      </a:solidFill>
+                      <a:prstDash val="solid"/>
+                      <a:round/>
+                      <a:headEnd type="none" w="med" len="med"/>
+                      <a:tailEnd type="none" w="med" len="med"/>
+                    </a:lnB>
+                    <a:noFill/>
+                  </a:tcPr>
+                </a:tc>
+                <a:extLst>
+                  <a:ext uri="{0D108BD9-81ED-4DB2-BD59-A6C34878D82A}">
+                    <a16:rowId xmlns:a16="http://schemas.microsoft.com/office/drawing/2014/main" val="2626983012"/>
+                  </a:ext>
+                </a:extLst>
+              </a:tr>
+              <a:tr h="290981">
+                <a:tc>
+                  <a:txBody>
+                    <a:bodyPr/>
+                    <a:lstStyle/>
+                    <a:p>
+                      <a:pPr algn="ctr"/>
+                      <a:r>
+                        <a:rPr lang="en-US" altLang="ko-Kore-KR" sz="1200" b="1" dirty="0">
+                          <a:solidFill>
+                            <a:schemeClr val="tx1"/>
+                          </a:solidFill>
+                          <a:latin typeface="+mn-ea"/>
+                          <a:ea typeface="+mn-ea"/>
+                        </a:rPr>
+                        <a:t>D</a:t>
+                      </a:r>
+                      <a:endParaRPr lang="ko-Kore-KR" altLang="en-US" sz="1200" b="1" dirty="0">
+                        <a:solidFill>
+                          <a:schemeClr val="tx1"/>
+                        </a:solidFill>
+                        <a:latin typeface="+mn-ea"/>
+                        <a:ea typeface="+mn-ea"/>
+                      </a:endParaRPr>
+                    </a:p>
+                  </a:txBody>
+                  <a:tcPr anchor="ctr" anchorCtr="1">
+                    <a:lnL w="12700" cap="flat" cmpd="sng" algn="ctr">
+                      <a:solidFill>
+                        <a:schemeClr val="tx1"/>
+                      </a:solidFill>
+                      <a:prstDash val="solid"/>
+                      <a:round/>
+                      <a:headEnd type="none" w="med" len="med"/>
+                      <a:tailEnd type="none" w="med" len="med"/>
+                    </a:lnL>
+                    <a:lnR w="12700" cap="flat" cmpd="sng" algn="ctr">
+                      <a:solidFill>
+                        <a:schemeClr val="tx1"/>
+                      </a:solidFill>
+                      <a:prstDash val="solid"/>
+                      <a:round/>
+                      <a:headEnd type="none" w="med" len="med"/>
+                      <a:tailEnd type="none" w="med" len="med"/>
+                    </a:lnR>
+                    <a:lnT w="12700" cap="flat" cmpd="sng" algn="ctr">
+                      <a:solidFill>
+                        <a:schemeClr val="tx1"/>
+                      </a:solidFill>
+                      <a:prstDash val="solid"/>
+                      <a:round/>
+                      <a:headEnd type="none" w="med" len="med"/>
+                      <a:tailEnd type="none" w="med" len="med"/>
+                    </a:lnT>
+                    <a:lnB w="12700" cap="flat" cmpd="sng" algn="ctr">
+                      <a:solidFill>
+                        <a:schemeClr val="tx1"/>
+                      </a:solidFill>
+                      <a:prstDash val="solid"/>
+                      <a:round/>
+                      <a:headEnd type="none" w="med" len="med"/>
+                      <a:tailEnd type="none" w="med" len="med"/>
+                    </a:lnB>
+                    <a:noFill/>
+                  </a:tcPr>
+                </a:tc>
+                <a:tc>
+                  <a:txBody>
+                    <a:bodyPr/>
+                    <a:lstStyle/>
+                    <a:p>
+                      <a:pPr algn="ctr"/>
+                      <a:r>
+                        <a:rPr lang="en-US" altLang="ko-Kore-KR" sz="1200" dirty="0">
+                          <a:solidFill>
+                            <a:schemeClr val="tx1"/>
+                          </a:solidFill>
+                          <a:latin typeface="+mn-ea"/>
+                          <a:ea typeface="+mn-ea"/>
+                        </a:rPr>
+                        <a:t>1</a:t>
+                      </a:r>
+                      <a:endParaRPr lang="ko-Kore-KR" altLang="en-US" sz="1200" dirty="0">
+                        <a:solidFill>
+                          <a:schemeClr val="tx1"/>
+                        </a:solidFill>
+                        <a:latin typeface="+mn-ea"/>
+                        <a:ea typeface="+mn-ea"/>
+                      </a:endParaRPr>
+                    </a:p>
+                  </a:txBody>
+                  <a:tcPr anchor="ctr" anchorCtr="1">
+                    <a:lnL w="12700" cap="flat" cmpd="sng" algn="ctr">
+                      <a:solidFill>
+                        <a:schemeClr val="tx1"/>
+                      </a:solidFill>
+                      <a:prstDash val="solid"/>
+                      <a:round/>
+                      <a:headEnd type="none" w="med" len="med"/>
+                      <a:tailEnd type="none" w="med" len="med"/>
+                    </a:lnL>
+                    <a:lnR w="12700" cap="flat" cmpd="sng" algn="ctr">
+                      <a:solidFill>
+                        <a:schemeClr val="tx1"/>
+                      </a:solidFill>
+                      <a:prstDash val="solid"/>
+                      <a:round/>
+                      <a:headEnd type="none" w="med" len="med"/>
+                      <a:tailEnd type="none" w="med" len="med"/>
+                    </a:lnR>
+                    <a:lnT w="12700" cap="flat" cmpd="sng" algn="ctr">
+                      <a:solidFill>
+                        <a:schemeClr val="tx1"/>
+                      </a:solidFill>
+                      <a:prstDash val="solid"/>
+                      <a:round/>
+                      <a:headEnd type="none" w="med" len="med"/>
+                      <a:tailEnd type="none" w="med" len="med"/>
+                    </a:lnT>
+                    <a:lnB w="12700" cap="flat" cmpd="sng" algn="ctr">
+                      <a:solidFill>
+                        <a:schemeClr val="tx1"/>
+                      </a:solidFill>
+                      <a:prstDash val="solid"/>
+                      <a:round/>
+                      <a:headEnd type="none" w="med" len="med"/>
+                      <a:tailEnd type="none" w="med" len="med"/>
+                    </a:lnB>
+                    <a:noFill/>
+                  </a:tcPr>
+                </a:tc>
+                <a:tc>
+                  <a:txBody>
+                    <a:bodyPr/>
+                    <a:lstStyle/>
+                    <a:p>
+                      <a:pPr algn="ctr"/>
+                      <a:r>
+                        <a:rPr lang="en-US" altLang="ko-Kore-KR" sz="1200" dirty="0">
+                          <a:solidFill>
+                            <a:schemeClr val="tx1"/>
+                          </a:solidFill>
+                          <a:latin typeface="+mn-ea"/>
+                          <a:ea typeface="+mn-ea"/>
+                        </a:rPr>
+                        <a:t>1</a:t>
+                      </a:r>
+                      <a:endParaRPr lang="ko-Kore-KR" altLang="en-US" sz="1200" dirty="0">
+                        <a:solidFill>
+                          <a:schemeClr val="tx1"/>
+                        </a:solidFill>
+                        <a:latin typeface="+mn-ea"/>
+                        <a:ea typeface="+mn-ea"/>
+                      </a:endParaRPr>
+                    </a:p>
+                  </a:txBody>
+                  <a:tcPr anchor="ctr" anchorCtr="1">
+                    <a:lnL w="12700" cap="flat" cmpd="sng" algn="ctr">
+                      <a:solidFill>
+                        <a:schemeClr val="tx1"/>
+                      </a:solidFill>
+                      <a:prstDash val="solid"/>
+                      <a:round/>
+                      <a:headEnd type="none" w="med" len="med"/>
+                      <a:tailEnd type="none" w="med" len="med"/>
+                    </a:lnL>
+                    <a:lnR w="12700" cap="flat" cmpd="sng" algn="ctr">
+                      <a:solidFill>
+                        <a:schemeClr val="tx1"/>
+                      </a:solidFill>
+                      <a:prstDash val="solid"/>
+                      <a:round/>
+                      <a:headEnd type="none" w="med" len="med"/>
+                      <a:tailEnd type="none" w="med" len="med"/>
+                    </a:lnR>
+                    <a:lnT w="12700" cap="flat" cmpd="sng" algn="ctr">
+                      <a:solidFill>
+                        <a:schemeClr val="tx1"/>
+                      </a:solidFill>
+                      <a:prstDash val="solid"/>
+                      <a:round/>
+                      <a:headEnd type="none" w="med" len="med"/>
+                      <a:tailEnd type="none" w="med" len="med"/>
+                    </a:lnT>
+                    <a:lnB w="12700" cap="flat" cmpd="sng" algn="ctr">
+                      <a:solidFill>
+                        <a:schemeClr val="tx1"/>
+                      </a:solidFill>
+                      <a:prstDash val="solid"/>
+                      <a:round/>
+                      <a:headEnd type="none" w="med" len="med"/>
+                      <a:tailEnd type="none" w="med" len="med"/>
+                    </a:lnB>
+                    <a:noFill/>
+                  </a:tcPr>
+                </a:tc>
+                <a:tc>
+                  <a:txBody>
+                    <a:bodyPr/>
+                    <a:lstStyle/>
+                    <a:p>
+                      <a:pPr algn="ctr"/>
+                      <a:r>
+                        <a:rPr lang="en-US" altLang="ko-Kore-KR" sz="1200" dirty="0">
+                          <a:solidFill>
+                            <a:schemeClr val="tx1"/>
+                          </a:solidFill>
+                          <a:latin typeface="+mn-ea"/>
+                          <a:ea typeface="+mn-ea"/>
+                        </a:rPr>
+                        <a:t>1</a:t>
+                      </a:r>
+                      <a:endParaRPr lang="ko-Kore-KR" altLang="en-US" sz="1200" dirty="0">
+                        <a:solidFill>
+                          <a:schemeClr val="tx1"/>
+                        </a:solidFill>
+                        <a:latin typeface="+mn-ea"/>
+                        <a:ea typeface="+mn-ea"/>
+                      </a:endParaRPr>
+                    </a:p>
+                  </a:txBody>
+                  <a:tcPr anchor="ctr" anchorCtr="1">
+                    <a:lnL w="12700" cap="flat" cmpd="sng" algn="ctr">
+                      <a:solidFill>
+                        <a:schemeClr val="tx1"/>
+                      </a:solidFill>
+                      <a:prstDash val="solid"/>
+                      <a:round/>
+                      <a:headEnd type="none" w="med" len="med"/>
+                      <a:tailEnd type="none" w="med" len="med"/>
+                    </a:lnL>
+                    <a:lnR w="12700" cap="flat" cmpd="sng" algn="ctr">
+                      <a:solidFill>
+                        <a:schemeClr val="tx1"/>
+                      </a:solidFill>
+                      <a:prstDash val="solid"/>
+                      <a:round/>
+                      <a:headEnd type="none" w="med" len="med"/>
+                      <a:tailEnd type="none" w="med" len="med"/>
+                    </a:lnR>
+                    <a:lnT w="12700" cap="flat" cmpd="sng" algn="ctr">
+                      <a:solidFill>
+                        <a:schemeClr val="tx1"/>
+                      </a:solidFill>
+                      <a:prstDash val="solid"/>
+                      <a:round/>
+                      <a:headEnd type="none" w="med" len="med"/>
+                      <a:tailEnd type="none" w="med" len="med"/>
+                    </a:lnT>
+                    <a:lnB w="12700" cap="flat" cmpd="sng" algn="ctr">
+                      <a:solidFill>
+                        <a:schemeClr val="tx1"/>
+                      </a:solidFill>
+                      <a:prstDash val="solid"/>
+                      <a:round/>
+                      <a:headEnd type="none" w="med" len="med"/>
+                      <a:tailEnd type="none" w="med" len="med"/>
+                    </a:lnB>
+                    <a:noFill/>
+                  </a:tcPr>
+                </a:tc>
+                <a:tc>
+                  <a:txBody>
+                    <a:bodyPr/>
+                    <a:lstStyle/>
+                    <a:p>
+                      <a:pPr algn="ctr"/>
+                      <a:r>
+                        <a:rPr lang="en-US" altLang="ko-Kore-KR" sz="1200" dirty="0">
+                          <a:solidFill>
+                            <a:schemeClr val="tx1"/>
+                          </a:solidFill>
+                          <a:latin typeface="+mn-ea"/>
+                          <a:ea typeface="+mn-ea"/>
+                        </a:rPr>
+                        <a:t>0</a:t>
+                      </a:r>
+                      <a:endParaRPr lang="ko-Kore-KR" altLang="en-US" sz="1200" dirty="0">
+                        <a:solidFill>
+                          <a:schemeClr val="tx1"/>
+                        </a:solidFill>
+                        <a:latin typeface="+mn-ea"/>
+                        <a:ea typeface="+mn-ea"/>
+                      </a:endParaRPr>
+                    </a:p>
+                  </a:txBody>
+                  <a:tcPr anchor="ctr" anchorCtr="1">
+                    <a:lnL w="12700" cap="flat" cmpd="sng" algn="ctr">
+                      <a:solidFill>
+                        <a:schemeClr val="tx1"/>
+                      </a:solidFill>
+                      <a:prstDash val="solid"/>
+                      <a:round/>
+                      <a:headEnd type="none" w="med" len="med"/>
+                      <a:tailEnd type="none" w="med" len="med"/>
+                    </a:lnL>
+                    <a:lnR w="12700" cap="flat" cmpd="sng" algn="ctr">
+                      <a:solidFill>
+                        <a:schemeClr val="tx1"/>
+                      </a:solidFill>
+                      <a:prstDash val="solid"/>
+                      <a:round/>
+                      <a:headEnd type="none" w="med" len="med"/>
+                      <a:tailEnd type="none" w="med" len="med"/>
+                    </a:lnR>
+                    <a:lnT w="12700" cap="flat" cmpd="sng" algn="ctr">
+                      <a:solidFill>
+                        <a:schemeClr val="tx1"/>
+                      </a:solidFill>
+                      <a:prstDash val="solid"/>
+                      <a:round/>
+                      <a:headEnd type="none" w="med" len="med"/>
+                      <a:tailEnd type="none" w="med" len="med"/>
+                    </a:lnT>
+                    <a:lnB w="12700" cap="flat" cmpd="sng" algn="ctr">
+                      <a:solidFill>
+                        <a:schemeClr val="tx1"/>
+                      </a:solidFill>
+                      <a:prstDash val="solid"/>
+                      <a:round/>
+                      <a:headEnd type="none" w="med" len="med"/>
+                      <a:tailEnd type="none" w="med" len="med"/>
+                    </a:lnB>
+                    <a:noFill/>
+                  </a:tcPr>
+                </a:tc>
+                <a:tc>
+                  <a:txBody>
+                    <a:bodyPr/>
+                    <a:lstStyle/>
+                    <a:p>
+                      <a:pPr algn="ctr"/>
+                      <a:r>
+                        <a:rPr lang="en-US" altLang="ko-Kore-KR" sz="1200" dirty="0">
+                          <a:solidFill>
+                            <a:schemeClr val="tx1"/>
+                          </a:solidFill>
+                          <a:latin typeface="+mn-ea"/>
+                          <a:ea typeface="+mn-ea"/>
+                        </a:rPr>
+                        <a:t>0</a:t>
+                      </a:r>
+                      <a:endParaRPr lang="ko-Kore-KR" altLang="en-US" sz="1200" dirty="0">
+                        <a:solidFill>
+                          <a:schemeClr val="tx1"/>
+                        </a:solidFill>
+                        <a:latin typeface="+mn-ea"/>
+                        <a:ea typeface="+mn-ea"/>
+                      </a:endParaRPr>
+                    </a:p>
+                  </a:txBody>
+                  <a:tcPr anchor="ctr" anchorCtr="1">
+                    <a:lnL w="12700" cap="flat" cmpd="sng" algn="ctr">
+                      <a:solidFill>
+                        <a:schemeClr val="tx1"/>
+                      </a:solidFill>
+                      <a:prstDash val="solid"/>
+                      <a:round/>
+                      <a:headEnd type="none" w="med" len="med"/>
+                      <a:tailEnd type="none" w="med" len="med"/>
+                    </a:lnL>
+                    <a:lnR w="12700" cap="flat" cmpd="sng" algn="ctr">
+                      <a:solidFill>
+                        <a:schemeClr val="tx1"/>
+                      </a:solidFill>
+                      <a:prstDash val="solid"/>
+                      <a:round/>
+                      <a:headEnd type="none" w="med" len="med"/>
+                      <a:tailEnd type="none" w="med" len="med"/>
+                    </a:lnR>
+                    <a:lnT w="12700" cap="flat" cmpd="sng" algn="ctr">
+                      <a:solidFill>
+                        <a:schemeClr val="tx1"/>
+                      </a:solidFill>
+                      <a:prstDash val="solid"/>
+                      <a:round/>
+                      <a:headEnd type="none" w="med" len="med"/>
+                      <a:tailEnd type="none" w="med" len="med"/>
+                    </a:lnT>
+                    <a:lnB w="12700" cap="flat" cmpd="sng" algn="ctr">
+                      <a:solidFill>
+                        <a:schemeClr val="tx1"/>
+                      </a:solidFill>
+                      <a:prstDash val="solid"/>
+                      <a:round/>
+                      <a:headEnd type="none" w="med" len="med"/>
+                      <a:tailEnd type="none" w="med" len="med"/>
+                    </a:lnB>
+                    <a:noFill/>
+                  </a:tcPr>
+                </a:tc>
+                <a:tc>
+                  <a:txBody>
+                    <a:bodyPr/>
+                    <a:lstStyle/>
+                    <a:p>
+                      <a:pPr algn="ctr"/>
+                      <a:r>
+                        <a:rPr lang="en-US" altLang="ko-Kore-KR" sz="1200" dirty="0">
+                          <a:solidFill>
+                            <a:schemeClr val="tx1"/>
+                          </a:solidFill>
+                          <a:latin typeface="+mn-ea"/>
+                          <a:ea typeface="+mn-ea"/>
+                        </a:rPr>
+                        <a:t>0</a:t>
+                      </a:r>
+                      <a:endParaRPr lang="ko-Kore-KR" altLang="en-US" sz="1200" dirty="0">
+                        <a:solidFill>
+                          <a:schemeClr val="tx1"/>
+                        </a:solidFill>
+                        <a:latin typeface="+mn-ea"/>
+                        <a:ea typeface="+mn-ea"/>
+                      </a:endParaRPr>
+                    </a:p>
+                  </a:txBody>
+                  <a:tcPr anchor="ctr" anchorCtr="1">
+                    <a:lnL w="12700" cap="flat" cmpd="sng" algn="ctr">
+                      <a:solidFill>
+                        <a:schemeClr val="tx1"/>
+                      </a:solidFill>
+                      <a:prstDash val="solid"/>
+                      <a:round/>
+                      <a:headEnd type="none" w="med" len="med"/>
+                      <a:tailEnd type="none" w="med" len="med"/>
+                    </a:lnL>
+                    <a:lnR w="12700" cap="flat" cmpd="sng" algn="ctr">
+                      <a:solidFill>
+                        <a:schemeClr val="tx1"/>
+                      </a:solidFill>
+                      <a:prstDash val="solid"/>
+                      <a:round/>
+                      <a:headEnd type="none" w="med" len="med"/>
+                      <a:tailEnd type="none" w="med" len="med"/>
+                    </a:lnR>
+                    <a:lnT w="12700" cap="flat" cmpd="sng" algn="ctr">
+                      <a:solidFill>
+                        <a:schemeClr val="tx1"/>
+                      </a:solidFill>
+                      <a:prstDash val="solid"/>
+                      <a:round/>
+                      <a:headEnd type="none" w="med" len="med"/>
+                      <a:tailEnd type="none" w="med" len="med"/>
+                    </a:lnT>
+                    <a:lnB w="12700" cap="flat" cmpd="sng" algn="ctr">
+                      <a:solidFill>
+                        <a:schemeClr val="tx1"/>
+                      </a:solidFill>
+                      <a:prstDash val="solid"/>
+                      <a:round/>
+                      <a:headEnd type="none" w="med" len="med"/>
+                      <a:tailEnd type="none" w="med" len="med"/>
+                    </a:lnB>
+                    <a:noFill/>
+                  </a:tcPr>
+                </a:tc>
+                <a:extLst>
+                  <a:ext uri="{0D108BD9-81ED-4DB2-BD59-A6C34878D82A}">
+                    <a16:rowId xmlns:a16="http://schemas.microsoft.com/office/drawing/2014/main" val="2594889910"/>
+                  </a:ext>
+                </a:extLst>
+              </a:tr>
+              <a:tr h="290981">
+                <a:tc>
+                  <a:txBody>
+                    <a:bodyPr/>
+                    <a:lstStyle/>
+                    <a:p>
+                      <a:pPr algn="ctr"/>
+                      <a:r>
+                        <a:rPr lang="en-US" altLang="ko-Kore-KR" sz="1200" b="1" dirty="0">
+                          <a:solidFill>
+                            <a:schemeClr val="tx1"/>
+                          </a:solidFill>
+                          <a:latin typeface="+mn-ea"/>
+                          <a:ea typeface="+mn-ea"/>
+                        </a:rPr>
+                        <a:t>E</a:t>
+                      </a:r>
+                      <a:endParaRPr lang="ko-Kore-KR" altLang="en-US" sz="1200" b="1" dirty="0">
+                        <a:solidFill>
+                          <a:schemeClr val="tx1"/>
+                        </a:solidFill>
+                        <a:latin typeface="+mn-ea"/>
+                        <a:ea typeface="+mn-ea"/>
+                      </a:endParaRPr>
+                    </a:p>
+                  </a:txBody>
+                  <a:tcPr anchor="ctr" anchorCtr="1">
+                    <a:lnL w="12700" cap="flat" cmpd="sng" algn="ctr">
+                      <a:solidFill>
+                        <a:schemeClr val="tx1"/>
+                      </a:solidFill>
+                      <a:prstDash val="solid"/>
+                      <a:round/>
+                      <a:headEnd type="none" w="med" len="med"/>
+                      <a:tailEnd type="none" w="med" len="med"/>
+                    </a:lnL>
+                    <a:lnR w="12700" cap="flat" cmpd="sng" algn="ctr">
+                      <a:solidFill>
+                        <a:schemeClr val="tx1"/>
+                      </a:solidFill>
+                      <a:prstDash val="solid"/>
+                      <a:round/>
+                      <a:headEnd type="none" w="med" len="med"/>
+                      <a:tailEnd type="none" w="med" len="med"/>
+                    </a:lnR>
+                    <a:lnT w="12700" cap="flat" cmpd="sng" algn="ctr">
+                      <a:solidFill>
+                        <a:schemeClr val="tx1"/>
+                      </a:solidFill>
+                      <a:prstDash val="solid"/>
+                      <a:round/>
+                      <a:headEnd type="none" w="med" len="med"/>
+                      <a:tailEnd type="none" w="med" len="med"/>
+                    </a:lnT>
+                    <a:lnB w="12700" cap="flat" cmpd="sng" algn="ctr">
+                      <a:solidFill>
+                        <a:schemeClr val="tx1"/>
+                      </a:solidFill>
+                      <a:prstDash val="solid"/>
+                      <a:round/>
+                      <a:headEnd type="none" w="med" len="med"/>
+                      <a:tailEnd type="none" w="med" len="med"/>
+                    </a:lnB>
+                    <a:noFill/>
+                  </a:tcPr>
+                </a:tc>
+                <a:tc>
+                  <a:txBody>
+                    <a:bodyPr/>
+                    <a:lstStyle/>
+                    <a:p>
+                      <a:pPr algn="ctr"/>
+                      <a:r>
+                        <a:rPr lang="en-US" altLang="ko-Kore-KR" sz="1200" dirty="0">
+                          <a:solidFill>
+                            <a:schemeClr val="tx1"/>
+                          </a:solidFill>
+                          <a:latin typeface="+mn-ea"/>
+                          <a:ea typeface="+mn-ea"/>
+                        </a:rPr>
+                        <a:t>1</a:t>
+                      </a:r>
+                      <a:endParaRPr lang="ko-Kore-KR" altLang="en-US" sz="1200" dirty="0">
+                        <a:solidFill>
+                          <a:schemeClr val="tx1"/>
+                        </a:solidFill>
+                        <a:latin typeface="+mn-ea"/>
+                        <a:ea typeface="+mn-ea"/>
+                      </a:endParaRPr>
+                    </a:p>
+                  </a:txBody>
+                  <a:tcPr anchor="ctr" anchorCtr="1">
+                    <a:lnL w="12700" cap="flat" cmpd="sng" algn="ctr">
+                      <a:solidFill>
+                        <a:schemeClr val="tx1"/>
+                      </a:solidFill>
+                      <a:prstDash val="solid"/>
+                      <a:round/>
+                      <a:headEnd type="none" w="med" len="med"/>
+                      <a:tailEnd type="none" w="med" len="med"/>
+                    </a:lnL>
+                    <a:lnR w="12700" cap="flat" cmpd="sng" algn="ctr">
+                      <a:solidFill>
+                        <a:schemeClr val="tx1"/>
+                      </a:solidFill>
+                      <a:prstDash val="solid"/>
+                      <a:round/>
+                      <a:headEnd type="none" w="med" len="med"/>
+                      <a:tailEnd type="none" w="med" len="med"/>
+                    </a:lnR>
+                    <a:lnT w="12700" cap="flat" cmpd="sng" algn="ctr">
+                      <a:solidFill>
+                        <a:schemeClr val="tx1"/>
+                      </a:solidFill>
+                      <a:prstDash val="solid"/>
+                      <a:round/>
+                      <a:headEnd type="none" w="med" len="med"/>
+                      <a:tailEnd type="none" w="med" len="med"/>
+                    </a:lnT>
+                    <a:lnB w="12700" cap="flat" cmpd="sng" algn="ctr">
+                      <a:solidFill>
+                        <a:schemeClr val="tx1"/>
+                      </a:solidFill>
+                      <a:prstDash val="solid"/>
+                      <a:round/>
+                      <a:headEnd type="none" w="med" len="med"/>
+                      <a:tailEnd type="none" w="med" len="med"/>
+                    </a:lnB>
+                    <a:noFill/>
+                  </a:tcPr>
+                </a:tc>
+                <a:tc>
+                  <a:txBody>
+                    <a:bodyPr/>
+                    <a:lstStyle/>
+                    <a:p>
+                      <a:pPr algn="ctr"/>
+                      <a:r>
+                        <a:rPr lang="en-US" altLang="ko-Kore-KR" sz="1200" dirty="0">
+                          <a:solidFill>
+                            <a:schemeClr val="tx1"/>
+                          </a:solidFill>
+                          <a:latin typeface="+mn-ea"/>
+                          <a:ea typeface="+mn-ea"/>
+                        </a:rPr>
+                        <a:t>1</a:t>
+                      </a:r>
+                      <a:endParaRPr lang="ko-Kore-KR" altLang="en-US" sz="1200" dirty="0">
+                        <a:solidFill>
+                          <a:schemeClr val="tx1"/>
+                        </a:solidFill>
+                        <a:latin typeface="+mn-ea"/>
+                        <a:ea typeface="+mn-ea"/>
+                      </a:endParaRPr>
+                    </a:p>
+                  </a:txBody>
+                  <a:tcPr anchor="ctr" anchorCtr="1">
+                    <a:lnL w="12700" cap="flat" cmpd="sng" algn="ctr">
+                      <a:solidFill>
+                        <a:schemeClr val="tx1"/>
+                      </a:solidFill>
+                      <a:prstDash val="solid"/>
+                      <a:round/>
+                      <a:headEnd type="none" w="med" len="med"/>
+                      <a:tailEnd type="none" w="med" len="med"/>
+                    </a:lnL>
+                    <a:lnR w="12700" cap="flat" cmpd="sng" algn="ctr">
+                      <a:solidFill>
+                        <a:schemeClr val="tx1"/>
+                      </a:solidFill>
+                      <a:prstDash val="solid"/>
+                      <a:round/>
+                      <a:headEnd type="none" w="med" len="med"/>
+                      <a:tailEnd type="none" w="med" len="med"/>
+                    </a:lnR>
+                    <a:lnT w="12700" cap="flat" cmpd="sng" algn="ctr">
+                      <a:solidFill>
+                        <a:schemeClr val="tx1"/>
+                      </a:solidFill>
+                      <a:prstDash val="solid"/>
+                      <a:round/>
+                      <a:headEnd type="none" w="med" len="med"/>
+                      <a:tailEnd type="none" w="med" len="med"/>
+                    </a:lnT>
+                    <a:lnB w="12700" cap="flat" cmpd="sng" algn="ctr">
+                      <a:solidFill>
+                        <a:schemeClr val="tx1"/>
+                      </a:solidFill>
+                      <a:prstDash val="solid"/>
+                      <a:round/>
+                      <a:headEnd type="none" w="med" len="med"/>
+                      <a:tailEnd type="none" w="med" len="med"/>
+                    </a:lnB>
+                    <a:noFill/>
+                  </a:tcPr>
+                </a:tc>
+                <a:tc>
+                  <a:txBody>
+                    <a:bodyPr/>
+                    <a:lstStyle/>
+                    <a:p>
+                      <a:pPr algn="ctr"/>
+                      <a:r>
+                        <a:rPr lang="en-US" altLang="ko-Kore-KR" sz="1200" dirty="0">
+                          <a:solidFill>
+                            <a:schemeClr val="tx1"/>
+                          </a:solidFill>
+                          <a:latin typeface="+mn-ea"/>
+                          <a:ea typeface="+mn-ea"/>
+                        </a:rPr>
+                        <a:t>0</a:t>
+                      </a:r>
+                      <a:endParaRPr lang="ko-Kore-KR" altLang="en-US" sz="1200" dirty="0">
+                        <a:solidFill>
+                          <a:schemeClr val="tx1"/>
+                        </a:solidFill>
+                        <a:latin typeface="+mn-ea"/>
+                        <a:ea typeface="+mn-ea"/>
+                      </a:endParaRPr>
+                    </a:p>
+                  </a:txBody>
+                  <a:tcPr anchor="ctr" anchorCtr="1">
+                    <a:lnL w="12700" cap="flat" cmpd="sng" algn="ctr">
+                      <a:solidFill>
+                        <a:schemeClr val="tx1"/>
+                      </a:solidFill>
+                      <a:prstDash val="solid"/>
+                      <a:round/>
+                      <a:headEnd type="none" w="med" len="med"/>
+                      <a:tailEnd type="none" w="med" len="med"/>
+                    </a:lnL>
+                    <a:lnR w="12700" cap="flat" cmpd="sng" algn="ctr">
+                      <a:solidFill>
+                        <a:schemeClr val="tx1"/>
+                      </a:solidFill>
+                      <a:prstDash val="solid"/>
+                      <a:round/>
+                      <a:headEnd type="none" w="med" len="med"/>
+                      <a:tailEnd type="none" w="med" len="med"/>
+                    </a:lnR>
+                    <a:lnT w="12700" cap="flat" cmpd="sng" algn="ctr">
+                      <a:solidFill>
+                        <a:schemeClr val="tx1"/>
+                      </a:solidFill>
+                      <a:prstDash val="solid"/>
+                      <a:round/>
+                      <a:headEnd type="none" w="med" len="med"/>
+                      <a:tailEnd type="none" w="med" len="med"/>
+                    </a:lnT>
+                    <a:lnB w="12700" cap="flat" cmpd="sng" algn="ctr">
+                      <a:solidFill>
+                        <a:schemeClr val="tx1"/>
+                      </a:solidFill>
+                      <a:prstDash val="solid"/>
+                      <a:round/>
+                      <a:headEnd type="none" w="med" len="med"/>
+                      <a:tailEnd type="none" w="med" len="med"/>
+                    </a:lnB>
+                    <a:noFill/>
+                  </a:tcPr>
+                </a:tc>
+                <a:tc>
+                  <a:txBody>
+                    <a:bodyPr/>
+                    <a:lstStyle/>
+                    <a:p>
+                      <a:pPr algn="ctr"/>
+                      <a:r>
+                        <a:rPr lang="en-US" altLang="ko-Kore-KR" sz="1200" dirty="0">
+                          <a:solidFill>
+                            <a:schemeClr val="tx1"/>
+                          </a:solidFill>
+                          <a:latin typeface="+mn-ea"/>
+                          <a:ea typeface="+mn-ea"/>
+                        </a:rPr>
+                        <a:t>0</a:t>
+                      </a:r>
+                      <a:endParaRPr lang="ko-Kore-KR" altLang="en-US" sz="1200" dirty="0">
+                        <a:solidFill>
+                          <a:schemeClr val="tx1"/>
+                        </a:solidFill>
+                        <a:latin typeface="+mn-ea"/>
+                        <a:ea typeface="+mn-ea"/>
+                      </a:endParaRPr>
+                    </a:p>
+                  </a:txBody>
+                  <a:tcPr anchor="ctr" anchorCtr="1">
+                    <a:lnL w="12700" cap="flat" cmpd="sng" algn="ctr">
+                      <a:solidFill>
+                        <a:schemeClr val="tx1"/>
+                      </a:solidFill>
+                      <a:prstDash val="solid"/>
+                      <a:round/>
+                      <a:headEnd type="none" w="med" len="med"/>
+                      <a:tailEnd type="none" w="med" len="med"/>
+                    </a:lnL>
+                    <a:lnR w="12700" cap="flat" cmpd="sng" algn="ctr">
+                      <a:solidFill>
+                        <a:schemeClr val="tx1"/>
+                      </a:solidFill>
+                      <a:prstDash val="solid"/>
+                      <a:round/>
+                      <a:headEnd type="none" w="med" len="med"/>
+                      <a:tailEnd type="none" w="med" len="med"/>
+                    </a:lnR>
+                    <a:lnT w="12700" cap="flat" cmpd="sng" algn="ctr">
+                      <a:solidFill>
+                        <a:schemeClr val="tx1"/>
+                      </a:solidFill>
+                      <a:prstDash val="solid"/>
+                      <a:round/>
+                      <a:headEnd type="none" w="med" len="med"/>
+                      <a:tailEnd type="none" w="med" len="med"/>
+                    </a:lnT>
+                    <a:lnB w="12700" cap="flat" cmpd="sng" algn="ctr">
+                      <a:solidFill>
+                        <a:schemeClr val="tx1"/>
+                      </a:solidFill>
+                      <a:prstDash val="solid"/>
+                      <a:round/>
+                      <a:headEnd type="none" w="med" len="med"/>
+                      <a:tailEnd type="none" w="med" len="med"/>
+                    </a:lnB>
+                    <a:noFill/>
+                  </a:tcPr>
+                </a:tc>
+                <a:tc>
+                  <a:txBody>
+                    <a:bodyPr/>
+                    <a:lstStyle/>
+                    <a:p>
+                      <a:pPr algn="ctr"/>
+                      <a:r>
+                        <a:rPr lang="en-US" altLang="ko-Kore-KR" sz="1200" dirty="0">
+                          <a:solidFill>
+                            <a:schemeClr val="tx1"/>
+                          </a:solidFill>
+                          <a:latin typeface="+mn-ea"/>
+                          <a:ea typeface="+mn-ea"/>
+                        </a:rPr>
+                        <a:t>0</a:t>
+                      </a:r>
+                      <a:endParaRPr lang="ko-Kore-KR" altLang="en-US" sz="1200" dirty="0">
+                        <a:solidFill>
+                          <a:schemeClr val="tx1"/>
+                        </a:solidFill>
+                        <a:latin typeface="+mn-ea"/>
+                        <a:ea typeface="+mn-ea"/>
+                      </a:endParaRPr>
+                    </a:p>
+                  </a:txBody>
+                  <a:tcPr anchor="ctr" anchorCtr="1">
+                    <a:lnL w="12700" cap="flat" cmpd="sng" algn="ctr">
+                      <a:solidFill>
+                        <a:schemeClr val="tx1"/>
+                      </a:solidFill>
+                      <a:prstDash val="solid"/>
+                      <a:round/>
+                      <a:headEnd type="none" w="med" len="med"/>
+                      <a:tailEnd type="none" w="med" len="med"/>
+                    </a:lnL>
+                    <a:lnR w="12700" cap="flat" cmpd="sng" algn="ctr">
+                      <a:solidFill>
+                        <a:schemeClr val="tx1"/>
+                      </a:solidFill>
+                      <a:prstDash val="solid"/>
+                      <a:round/>
+                      <a:headEnd type="none" w="med" len="med"/>
+                      <a:tailEnd type="none" w="med" len="med"/>
+                    </a:lnR>
+                    <a:lnT w="12700" cap="flat" cmpd="sng" algn="ctr">
+                      <a:solidFill>
+                        <a:schemeClr val="tx1"/>
+                      </a:solidFill>
+                      <a:prstDash val="solid"/>
+                      <a:round/>
+                      <a:headEnd type="none" w="med" len="med"/>
+                      <a:tailEnd type="none" w="med" len="med"/>
+                    </a:lnT>
+                    <a:lnB w="12700" cap="flat" cmpd="sng" algn="ctr">
+                      <a:solidFill>
+                        <a:schemeClr val="tx1"/>
+                      </a:solidFill>
+                      <a:prstDash val="solid"/>
+                      <a:round/>
+                      <a:headEnd type="none" w="med" len="med"/>
+                      <a:tailEnd type="none" w="med" len="med"/>
+                    </a:lnB>
+                    <a:noFill/>
+                  </a:tcPr>
+                </a:tc>
+                <a:tc>
+                  <a:txBody>
+                    <a:bodyPr/>
+                    <a:lstStyle/>
+                    <a:p>
+                      <a:pPr algn="ctr"/>
+                      <a:r>
+                        <a:rPr lang="en-US" altLang="ko-Kore-KR" sz="1200" dirty="0">
+                          <a:solidFill>
+                            <a:schemeClr val="tx1"/>
+                          </a:solidFill>
+                          <a:latin typeface="+mn-ea"/>
+                          <a:ea typeface="+mn-ea"/>
+                        </a:rPr>
+                        <a:t>1</a:t>
+                      </a:r>
+                      <a:endParaRPr lang="ko-Kore-KR" altLang="en-US" sz="1200" dirty="0">
+                        <a:solidFill>
+                          <a:schemeClr val="tx1"/>
+                        </a:solidFill>
+                        <a:latin typeface="+mn-ea"/>
+                        <a:ea typeface="+mn-ea"/>
+                      </a:endParaRPr>
+                    </a:p>
+                  </a:txBody>
+                  <a:tcPr anchor="ctr" anchorCtr="1">
+                    <a:lnL w="12700" cap="flat" cmpd="sng" algn="ctr">
+                      <a:solidFill>
+                        <a:schemeClr val="tx1"/>
+                      </a:solidFill>
+                      <a:prstDash val="solid"/>
+                      <a:round/>
+                      <a:headEnd type="none" w="med" len="med"/>
+                      <a:tailEnd type="none" w="med" len="med"/>
+                    </a:lnL>
+                    <a:lnR w="12700" cap="flat" cmpd="sng" algn="ctr">
+                      <a:solidFill>
+                        <a:schemeClr val="tx1"/>
+                      </a:solidFill>
+                      <a:prstDash val="solid"/>
+                      <a:round/>
+                      <a:headEnd type="none" w="med" len="med"/>
+                      <a:tailEnd type="none" w="med" len="med"/>
+                    </a:lnR>
+                    <a:lnT w="12700" cap="flat" cmpd="sng" algn="ctr">
+                      <a:solidFill>
+                        <a:schemeClr val="tx1"/>
+                      </a:solidFill>
+                      <a:prstDash val="solid"/>
+                      <a:round/>
+                      <a:headEnd type="none" w="med" len="med"/>
+                      <a:tailEnd type="none" w="med" len="med"/>
+                    </a:lnT>
+                    <a:lnB w="12700" cap="flat" cmpd="sng" algn="ctr">
+                      <a:solidFill>
+                        <a:schemeClr val="tx1"/>
+                      </a:solidFill>
+                      <a:prstDash val="solid"/>
+                      <a:round/>
+                      <a:headEnd type="none" w="med" len="med"/>
+                      <a:tailEnd type="none" w="med" len="med"/>
+                    </a:lnB>
+                    <a:noFill/>
+                  </a:tcPr>
+                </a:tc>
+                <a:extLst>
+                  <a:ext uri="{0D108BD9-81ED-4DB2-BD59-A6C34878D82A}">
+                    <a16:rowId xmlns:a16="http://schemas.microsoft.com/office/drawing/2014/main" val="665740092"/>
+                  </a:ext>
+                </a:extLst>
+              </a:tr>
+              <a:tr h="290981">
+                <a:tc>
+                  <a:txBody>
+                    <a:bodyPr/>
+                    <a:lstStyle/>
+                    <a:p>
+                      <a:pPr algn="ctr"/>
+                      <a:r>
+                        <a:rPr lang="en-US" altLang="ko-Kore-KR" sz="1200" b="1" dirty="0">
+                          <a:solidFill>
+                            <a:schemeClr val="tx1"/>
+                          </a:solidFill>
+                          <a:latin typeface="+mn-ea"/>
+                          <a:ea typeface="+mn-ea"/>
+                        </a:rPr>
+                        <a:t>F</a:t>
+                      </a:r>
+                      <a:endParaRPr lang="ko-Kore-KR" altLang="en-US" sz="1200" b="1" dirty="0">
+                        <a:solidFill>
+                          <a:schemeClr val="tx1"/>
+                        </a:solidFill>
+                        <a:latin typeface="+mn-ea"/>
+                        <a:ea typeface="+mn-ea"/>
+                      </a:endParaRPr>
+                    </a:p>
+                  </a:txBody>
+                  <a:tcPr anchor="ctr" anchorCtr="1">
+                    <a:lnL w="12700" cap="flat" cmpd="sng" algn="ctr">
+                      <a:solidFill>
+                        <a:schemeClr val="tx1"/>
+                      </a:solidFill>
+                      <a:prstDash val="solid"/>
+                      <a:round/>
+                      <a:headEnd type="none" w="med" len="med"/>
+                      <a:tailEnd type="none" w="med" len="med"/>
+                    </a:lnL>
+                    <a:lnR w="12700" cap="flat" cmpd="sng" algn="ctr">
+                      <a:solidFill>
+                        <a:schemeClr val="tx1"/>
+                      </a:solidFill>
+                      <a:prstDash val="solid"/>
+                      <a:round/>
+                      <a:headEnd type="none" w="med" len="med"/>
+                      <a:tailEnd type="none" w="med" len="med"/>
+                    </a:lnR>
+                    <a:lnT w="12700" cap="flat" cmpd="sng" algn="ctr">
+                      <a:solidFill>
+                        <a:schemeClr val="tx1"/>
+                      </a:solidFill>
+                      <a:prstDash val="solid"/>
+                      <a:round/>
+                      <a:headEnd type="none" w="med" len="med"/>
+                      <a:tailEnd type="none" w="med" len="med"/>
+                    </a:lnT>
+                    <a:lnB w="12700" cap="flat" cmpd="sng" algn="ctr">
+                      <a:solidFill>
+                        <a:schemeClr val="tx1"/>
+                      </a:solidFill>
+                      <a:prstDash val="solid"/>
+                      <a:round/>
+                      <a:headEnd type="none" w="med" len="med"/>
+                      <a:tailEnd type="none" w="med" len="med"/>
+                    </a:lnB>
+                    <a:noFill/>
+                  </a:tcPr>
+                </a:tc>
+                <a:tc>
+                  <a:txBody>
+                    <a:bodyPr/>
+                    <a:lstStyle/>
+                    <a:p>
+                      <a:pPr algn="ctr"/>
+                      <a:r>
+                        <a:rPr lang="en-US" altLang="ko-Kore-KR" sz="1200" dirty="0">
+                          <a:solidFill>
+                            <a:schemeClr val="tx1"/>
+                          </a:solidFill>
+                          <a:latin typeface="+mn-ea"/>
+                          <a:ea typeface="+mn-ea"/>
+                        </a:rPr>
+                        <a:t>1</a:t>
+                      </a:r>
+                      <a:endParaRPr lang="ko-Kore-KR" altLang="en-US" sz="1200" dirty="0">
+                        <a:solidFill>
+                          <a:schemeClr val="tx1"/>
+                        </a:solidFill>
+                        <a:latin typeface="+mn-ea"/>
+                        <a:ea typeface="+mn-ea"/>
+                      </a:endParaRPr>
+                    </a:p>
+                  </a:txBody>
+                  <a:tcPr anchor="ctr" anchorCtr="1">
+                    <a:lnL w="12700" cap="flat" cmpd="sng" algn="ctr">
+                      <a:solidFill>
+                        <a:schemeClr val="tx1"/>
+                      </a:solidFill>
+                      <a:prstDash val="solid"/>
+                      <a:round/>
+                      <a:headEnd type="none" w="med" len="med"/>
+                      <a:tailEnd type="none" w="med" len="med"/>
+                    </a:lnL>
+                    <a:lnR w="12700" cap="flat" cmpd="sng" algn="ctr">
+                      <a:solidFill>
+                        <a:schemeClr val="tx1"/>
+                      </a:solidFill>
+                      <a:prstDash val="solid"/>
+                      <a:round/>
+                      <a:headEnd type="none" w="med" len="med"/>
+                      <a:tailEnd type="none" w="med" len="med"/>
+                    </a:lnR>
+                    <a:lnT w="12700" cap="flat" cmpd="sng" algn="ctr">
+                      <a:solidFill>
+                        <a:schemeClr val="tx1"/>
+                      </a:solidFill>
+                      <a:prstDash val="solid"/>
+                      <a:round/>
+                      <a:headEnd type="none" w="med" len="med"/>
+                      <a:tailEnd type="none" w="med" len="med"/>
+                    </a:lnT>
+                    <a:lnB w="12700" cap="flat" cmpd="sng" algn="ctr">
+                      <a:solidFill>
+                        <a:schemeClr val="tx1"/>
+                      </a:solidFill>
+                      <a:prstDash val="solid"/>
+                      <a:round/>
+                      <a:headEnd type="none" w="med" len="med"/>
+                      <a:tailEnd type="none" w="med" len="med"/>
+                    </a:lnB>
+                    <a:noFill/>
+                  </a:tcPr>
+                </a:tc>
+                <a:tc>
+                  <a:txBody>
+                    <a:bodyPr/>
+                    <a:lstStyle/>
+                    <a:p>
+                      <a:pPr algn="ctr"/>
+                      <a:r>
+                        <a:rPr lang="en-US" altLang="ko-Kore-KR" sz="1200" dirty="0">
+                          <a:solidFill>
+                            <a:schemeClr val="tx1"/>
+                          </a:solidFill>
+                          <a:latin typeface="+mn-ea"/>
+                          <a:ea typeface="+mn-ea"/>
+                        </a:rPr>
+                        <a:t>1</a:t>
+                      </a:r>
+                      <a:endParaRPr lang="ko-Kore-KR" altLang="en-US" sz="1200" dirty="0">
+                        <a:solidFill>
+                          <a:schemeClr val="tx1"/>
+                        </a:solidFill>
+                        <a:latin typeface="+mn-ea"/>
+                        <a:ea typeface="+mn-ea"/>
+                      </a:endParaRPr>
+                    </a:p>
+                  </a:txBody>
+                  <a:tcPr anchor="ctr" anchorCtr="1">
+                    <a:lnL w="12700" cap="flat" cmpd="sng" algn="ctr">
+                      <a:solidFill>
+                        <a:schemeClr val="tx1"/>
+                      </a:solidFill>
+                      <a:prstDash val="solid"/>
+                      <a:round/>
+                      <a:headEnd type="none" w="med" len="med"/>
+                      <a:tailEnd type="none" w="med" len="med"/>
+                    </a:lnL>
+                    <a:lnR w="12700" cap="flat" cmpd="sng" algn="ctr">
+                      <a:solidFill>
+                        <a:schemeClr val="tx1"/>
+                      </a:solidFill>
+                      <a:prstDash val="solid"/>
+                      <a:round/>
+                      <a:headEnd type="none" w="med" len="med"/>
+                      <a:tailEnd type="none" w="med" len="med"/>
+                    </a:lnR>
+                    <a:lnT w="12700" cap="flat" cmpd="sng" algn="ctr">
+                      <a:solidFill>
+                        <a:schemeClr val="tx1"/>
+                      </a:solidFill>
+                      <a:prstDash val="solid"/>
+                      <a:round/>
+                      <a:headEnd type="none" w="med" len="med"/>
+                      <a:tailEnd type="none" w="med" len="med"/>
+                    </a:lnT>
+                    <a:lnB w="12700" cap="flat" cmpd="sng" algn="ctr">
+                      <a:solidFill>
+                        <a:schemeClr val="tx1"/>
+                      </a:solidFill>
+                      <a:prstDash val="solid"/>
+                      <a:round/>
+                      <a:headEnd type="none" w="med" len="med"/>
+                      <a:tailEnd type="none" w="med" len="med"/>
+                    </a:lnB>
+                    <a:noFill/>
+                  </a:tcPr>
+                </a:tc>
+                <a:tc>
+                  <a:txBody>
+                    <a:bodyPr/>
+                    <a:lstStyle/>
+                    <a:p>
+                      <a:pPr algn="ctr"/>
+                      <a:r>
+                        <a:rPr lang="en-US" altLang="ko-Kore-KR" sz="1200" dirty="0">
+                          <a:solidFill>
+                            <a:schemeClr val="tx1"/>
+                          </a:solidFill>
+                          <a:latin typeface="+mn-ea"/>
+                          <a:ea typeface="+mn-ea"/>
+                        </a:rPr>
+                        <a:t>0</a:t>
+                      </a:r>
+                      <a:endParaRPr lang="ko-Kore-KR" altLang="en-US" sz="1200" dirty="0">
+                        <a:solidFill>
+                          <a:schemeClr val="tx1"/>
+                        </a:solidFill>
+                        <a:latin typeface="+mn-ea"/>
+                        <a:ea typeface="+mn-ea"/>
+                      </a:endParaRPr>
+                    </a:p>
+                  </a:txBody>
+                  <a:tcPr anchor="ctr" anchorCtr="1">
+                    <a:lnL w="12700" cap="flat" cmpd="sng" algn="ctr">
+                      <a:solidFill>
+                        <a:schemeClr val="tx1"/>
+                      </a:solidFill>
+                      <a:prstDash val="solid"/>
+                      <a:round/>
+                      <a:headEnd type="none" w="med" len="med"/>
+                      <a:tailEnd type="none" w="med" len="med"/>
+                    </a:lnL>
+                    <a:lnR w="12700" cap="flat" cmpd="sng" algn="ctr">
+                      <a:solidFill>
+                        <a:schemeClr val="tx1"/>
+                      </a:solidFill>
+                      <a:prstDash val="solid"/>
+                      <a:round/>
+                      <a:headEnd type="none" w="med" len="med"/>
+                      <a:tailEnd type="none" w="med" len="med"/>
+                    </a:lnR>
+                    <a:lnT w="12700" cap="flat" cmpd="sng" algn="ctr">
+                      <a:solidFill>
+                        <a:schemeClr val="tx1"/>
+                      </a:solidFill>
+                      <a:prstDash val="solid"/>
+                      <a:round/>
+                      <a:headEnd type="none" w="med" len="med"/>
+                      <a:tailEnd type="none" w="med" len="med"/>
+                    </a:lnT>
+                    <a:lnB w="12700" cap="flat" cmpd="sng" algn="ctr">
+                      <a:solidFill>
+                        <a:schemeClr val="tx1"/>
+                      </a:solidFill>
+                      <a:prstDash val="solid"/>
+                      <a:round/>
+                      <a:headEnd type="none" w="med" len="med"/>
+                      <a:tailEnd type="none" w="med" len="med"/>
+                    </a:lnB>
+                    <a:noFill/>
+                  </a:tcPr>
+                </a:tc>
+                <a:tc>
+                  <a:txBody>
+                    <a:bodyPr/>
+                    <a:lstStyle/>
+                    <a:p>
+                      <a:pPr algn="ctr"/>
+                      <a:r>
+                        <a:rPr lang="en-US" altLang="ko-Kore-KR" sz="1200" dirty="0">
+                          <a:solidFill>
+                            <a:schemeClr val="tx1"/>
+                          </a:solidFill>
+                          <a:latin typeface="+mn-ea"/>
+                          <a:ea typeface="+mn-ea"/>
+                        </a:rPr>
+                        <a:t>0</a:t>
+                      </a:r>
+                      <a:endParaRPr lang="ko-Kore-KR" altLang="en-US" sz="1200" dirty="0">
+                        <a:solidFill>
+                          <a:schemeClr val="tx1"/>
+                        </a:solidFill>
+                        <a:latin typeface="+mn-ea"/>
+                        <a:ea typeface="+mn-ea"/>
+                      </a:endParaRPr>
+                    </a:p>
+                  </a:txBody>
+                  <a:tcPr anchor="ctr" anchorCtr="1">
+                    <a:lnL w="12700" cap="flat" cmpd="sng" algn="ctr">
+                      <a:solidFill>
+                        <a:schemeClr val="tx1"/>
+                      </a:solidFill>
+                      <a:prstDash val="solid"/>
+                      <a:round/>
+                      <a:headEnd type="none" w="med" len="med"/>
+                      <a:tailEnd type="none" w="med" len="med"/>
+                    </a:lnL>
+                    <a:lnR w="12700" cap="flat" cmpd="sng" algn="ctr">
+                      <a:solidFill>
+                        <a:schemeClr val="tx1"/>
+                      </a:solidFill>
+                      <a:prstDash val="solid"/>
+                      <a:round/>
+                      <a:headEnd type="none" w="med" len="med"/>
+                      <a:tailEnd type="none" w="med" len="med"/>
+                    </a:lnR>
+                    <a:lnT w="12700" cap="flat" cmpd="sng" algn="ctr">
+                      <a:solidFill>
+                        <a:schemeClr val="tx1"/>
+                      </a:solidFill>
+                      <a:prstDash val="solid"/>
+                      <a:round/>
+                      <a:headEnd type="none" w="med" len="med"/>
+                      <a:tailEnd type="none" w="med" len="med"/>
+                    </a:lnT>
+                    <a:lnB w="12700" cap="flat" cmpd="sng" algn="ctr">
+                      <a:solidFill>
+                        <a:schemeClr val="tx1"/>
+                      </a:solidFill>
+                      <a:prstDash val="solid"/>
+                      <a:round/>
+                      <a:headEnd type="none" w="med" len="med"/>
+                      <a:tailEnd type="none" w="med" len="med"/>
+                    </a:lnB>
+                    <a:noFill/>
+                  </a:tcPr>
+                </a:tc>
+                <a:tc>
+                  <a:txBody>
+                    <a:bodyPr/>
+                    <a:lstStyle/>
+                    <a:p>
+                      <a:pPr algn="ctr"/>
+                      <a:r>
+                        <a:rPr lang="en-US" altLang="ko-Kore-KR" sz="1200" dirty="0">
+                          <a:solidFill>
+                            <a:schemeClr val="tx1"/>
+                          </a:solidFill>
+                          <a:latin typeface="+mn-ea"/>
+                          <a:ea typeface="+mn-ea"/>
+                        </a:rPr>
+                        <a:t>1</a:t>
+                      </a:r>
+                      <a:endParaRPr lang="ko-Kore-KR" altLang="en-US" sz="1200" dirty="0">
+                        <a:solidFill>
+                          <a:schemeClr val="tx1"/>
+                        </a:solidFill>
+                        <a:latin typeface="+mn-ea"/>
+                        <a:ea typeface="+mn-ea"/>
+                      </a:endParaRPr>
+                    </a:p>
+                  </a:txBody>
+                  <a:tcPr anchor="ctr" anchorCtr="1">
+                    <a:lnL w="12700" cap="flat" cmpd="sng" algn="ctr">
+                      <a:solidFill>
+                        <a:schemeClr val="tx1"/>
+                      </a:solidFill>
+                      <a:prstDash val="solid"/>
+                      <a:round/>
+                      <a:headEnd type="none" w="med" len="med"/>
+                      <a:tailEnd type="none" w="med" len="med"/>
+                    </a:lnL>
+                    <a:lnR w="12700" cap="flat" cmpd="sng" algn="ctr">
+                      <a:solidFill>
+                        <a:schemeClr val="tx1"/>
+                      </a:solidFill>
+                      <a:prstDash val="solid"/>
+                      <a:round/>
+                      <a:headEnd type="none" w="med" len="med"/>
+                      <a:tailEnd type="none" w="med" len="med"/>
+                    </a:lnR>
+                    <a:lnT w="12700" cap="flat" cmpd="sng" algn="ctr">
+                      <a:solidFill>
+                        <a:schemeClr val="tx1"/>
+                      </a:solidFill>
+                      <a:prstDash val="solid"/>
+                      <a:round/>
+                      <a:headEnd type="none" w="med" len="med"/>
+                      <a:tailEnd type="none" w="med" len="med"/>
+                    </a:lnT>
+                    <a:lnB w="12700" cap="flat" cmpd="sng" algn="ctr">
+                      <a:solidFill>
+                        <a:schemeClr val="tx1"/>
+                      </a:solidFill>
+                      <a:prstDash val="solid"/>
+                      <a:round/>
+                      <a:headEnd type="none" w="med" len="med"/>
+                      <a:tailEnd type="none" w="med" len="med"/>
+                    </a:lnB>
+                    <a:noFill/>
+                  </a:tcPr>
+                </a:tc>
+                <a:tc>
+                  <a:txBody>
+                    <a:bodyPr/>
+                    <a:lstStyle/>
+                    <a:p>
+                      <a:pPr algn="ctr"/>
+                      <a:r>
+                        <a:rPr lang="en-US" altLang="ko-Kore-KR" sz="1200" dirty="0">
+                          <a:solidFill>
+                            <a:schemeClr val="tx1"/>
+                          </a:solidFill>
+                          <a:latin typeface="+mn-ea"/>
+                          <a:ea typeface="+mn-ea"/>
+                        </a:rPr>
+                        <a:t>0</a:t>
+                      </a:r>
+                      <a:endParaRPr lang="ko-Kore-KR" altLang="en-US" sz="1200" dirty="0">
+                        <a:solidFill>
+                          <a:schemeClr val="tx1"/>
+                        </a:solidFill>
+                        <a:latin typeface="+mn-ea"/>
+                        <a:ea typeface="+mn-ea"/>
+                      </a:endParaRPr>
+                    </a:p>
+                  </a:txBody>
+                  <a:tcPr anchor="ctr" anchorCtr="1">
+                    <a:lnL w="12700" cap="flat" cmpd="sng" algn="ctr">
+                      <a:solidFill>
+                        <a:schemeClr val="tx1"/>
+                      </a:solidFill>
+                      <a:prstDash val="solid"/>
+                      <a:round/>
+                      <a:headEnd type="none" w="med" len="med"/>
+                      <a:tailEnd type="none" w="med" len="med"/>
+                    </a:lnL>
+                    <a:lnR w="12700" cap="flat" cmpd="sng" algn="ctr">
+                      <a:solidFill>
+                        <a:schemeClr val="tx1"/>
+                      </a:solidFill>
+                      <a:prstDash val="solid"/>
+                      <a:round/>
+                      <a:headEnd type="none" w="med" len="med"/>
+                      <a:tailEnd type="none" w="med" len="med"/>
+                    </a:lnR>
+                    <a:lnT w="12700" cap="flat" cmpd="sng" algn="ctr">
+                      <a:solidFill>
+                        <a:schemeClr val="tx1"/>
+                      </a:solidFill>
+                      <a:prstDash val="solid"/>
+                      <a:round/>
+                      <a:headEnd type="none" w="med" len="med"/>
+                      <a:tailEnd type="none" w="med" len="med"/>
+                    </a:lnT>
+                    <a:lnB w="12700" cap="flat" cmpd="sng" algn="ctr">
+                      <a:solidFill>
+                        <a:schemeClr val="tx1"/>
+                      </a:solidFill>
+                      <a:prstDash val="solid"/>
+                      <a:round/>
+                      <a:headEnd type="none" w="med" len="med"/>
+                      <a:tailEnd type="none" w="med" len="med"/>
+                    </a:lnB>
+                    <a:noFill/>
+                  </a:tcPr>
+                </a:tc>
+                <a:extLst>
+                  <a:ext uri="{0D108BD9-81ED-4DB2-BD59-A6C34878D82A}">
+                    <a16:rowId xmlns:a16="http://schemas.microsoft.com/office/drawing/2014/main" val="871603140"/>
+                  </a:ext>
+                </a:extLst>
+              </a:tr>
+            </a:tbl>
+          </a:graphicData>
+        </a:graphic>
+      </p:graphicFrame>
+      <p:cxnSp>
+        <p:nvCxnSpPr>
+          <p:cNvPr id="8" name="직선 연결선[R] 7">
+            <a:extLst>
+              <a:ext uri="{FF2B5EF4-FFF2-40B4-BE49-F238E27FC236}">
+                <a16:creationId xmlns:a16="http://schemas.microsoft.com/office/drawing/2014/main" id="{8C97D970-6F3D-07D2-2162-2DDD75B690EC}"/>
+              </a:ext>
+            </a:extLst>
+          </p:cNvPr>
+          <p:cNvCxnSpPr>
+            <a:cxnSpLocks/>
+          </p:cNvCxnSpPr>
+          <p:nvPr/>
+        </p:nvCxnSpPr>
+        <p:spPr>
+          <a:xfrm>
+            <a:off x="213511" y="4747613"/>
+            <a:ext cx="2094079" cy="2036867"/>
+          </a:xfrm>
+          <a:prstGeom prst="line">
+            <a:avLst/>
+          </a:prstGeom>
+          <a:ln w="38100"/>
+        </p:spPr>
+        <p:style>
+          <a:lnRef idx="1">
+            <a:schemeClr val="accent2"/>
+          </a:lnRef>
+          <a:fillRef idx="0">
+            <a:schemeClr val="accent2"/>
+          </a:fillRef>
+          <a:effectRef idx="0">
+            <a:schemeClr val="accent2"/>
+          </a:effectRef>
+          <a:fontRef idx="minor">
+            <a:schemeClr val="tx1"/>
+          </a:fontRef>
+        </p:style>
+      </p:cxnSp>
+      <p:graphicFrame>
+        <p:nvGraphicFramePr>
+          <p:cNvPr id="12" name="표 11">
+            <a:extLst>
+              <a:ext uri="{FF2B5EF4-FFF2-40B4-BE49-F238E27FC236}">
+                <a16:creationId xmlns:a16="http://schemas.microsoft.com/office/drawing/2014/main" id="{B602415F-87B9-8DE6-E2AE-D5F8A86528B2}"/>
+              </a:ext>
+            </a:extLst>
+          </p:cNvPr>
+          <p:cNvGraphicFramePr>
+            <a:graphicFrameLocks noGrp="1"/>
+          </p:cNvGraphicFramePr>
+          <p:nvPr/>
+        </p:nvGraphicFramePr>
+        <p:xfrm>
+          <a:off x="2365500" y="5413296"/>
+          <a:ext cx="3191844" cy="783618"/>
+        </p:xfrm>
+        <a:graphic>
+          <a:graphicData uri="http://schemas.openxmlformats.org/drawingml/2006/table">
+            <a:tbl>
+              <a:tblPr firstRow="1" bandRow="1">
+                <a:tableStyleId>{5C22544A-7EE6-4342-B048-85BDC9FD1C3A}</a:tableStyleId>
+              </a:tblPr>
+              <a:tblGrid>
+                <a:gridCol w="531974">
+                  <a:extLst>
+                    <a:ext uri="{9D8B030D-6E8A-4147-A177-3AD203B41FA5}">
+                      <a16:colId xmlns:a16="http://schemas.microsoft.com/office/drawing/2014/main" val="4234186306"/>
+                    </a:ext>
+                  </a:extLst>
+                </a:gridCol>
+                <a:gridCol w="531974">
+                  <a:extLst>
+                    <a:ext uri="{9D8B030D-6E8A-4147-A177-3AD203B41FA5}">
+                      <a16:colId xmlns:a16="http://schemas.microsoft.com/office/drawing/2014/main" val="1117207807"/>
+                    </a:ext>
+                  </a:extLst>
+                </a:gridCol>
+                <a:gridCol w="531974">
+                  <a:extLst>
+                    <a:ext uri="{9D8B030D-6E8A-4147-A177-3AD203B41FA5}">
+                      <a16:colId xmlns:a16="http://schemas.microsoft.com/office/drawing/2014/main" val="131181182"/>
+                    </a:ext>
+                  </a:extLst>
+                </a:gridCol>
+                <a:gridCol w="531974">
+                  <a:extLst>
+                    <a:ext uri="{9D8B030D-6E8A-4147-A177-3AD203B41FA5}">
+                      <a16:colId xmlns:a16="http://schemas.microsoft.com/office/drawing/2014/main" val="1555299562"/>
+                    </a:ext>
+                  </a:extLst>
+                </a:gridCol>
+                <a:gridCol w="531974">
+                  <a:extLst>
+                    <a:ext uri="{9D8B030D-6E8A-4147-A177-3AD203B41FA5}">
+                      <a16:colId xmlns:a16="http://schemas.microsoft.com/office/drawing/2014/main" val="646820102"/>
+                    </a:ext>
+                  </a:extLst>
+                </a:gridCol>
+                <a:gridCol w="531974">
+                  <a:extLst>
+                    <a:ext uri="{9D8B030D-6E8A-4147-A177-3AD203B41FA5}">
+                      <a16:colId xmlns:a16="http://schemas.microsoft.com/office/drawing/2014/main" val="1376436687"/>
+                    </a:ext>
+                  </a:extLst>
+                </a:gridCol>
+              </a:tblGrid>
+              <a:tr h="391809">
+                <a:tc>
+                  <a:txBody>
+                    <a:bodyPr/>
+                    <a:lstStyle/>
+                    <a:p>
+                      <a:pPr algn="ctr"/>
+                      <a:r>
+                        <a:rPr lang="en-US" altLang="ko-Kore-KR" dirty="0">
+                          <a:solidFill>
+                            <a:sysClr val="windowText" lastClr="000000"/>
+                          </a:solidFill>
+                        </a:rPr>
+                        <a:t>A</a:t>
+                      </a:r>
+                      <a:endParaRPr lang="ko-Kore-KR" altLang="en-US" dirty="0">
+                        <a:solidFill>
+                          <a:sysClr val="windowText" lastClr="000000"/>
+                        </a:solidFill>
+                      </a:endParaRPr>
+                    </a:p>
+                  </a:txBody>
+                  <a:tcPr>
+                    <a:lnL w="12700" cap="flat" cmpd="sng" algn="ctr">
+                      <a:solidFill>
+                        <a:schemeClr val="tx1"/>
+                      </a:solidFill>
+                      <a:prstDash val="solid"/>
+                      <a:round/>
+                      <a:headEnd type="none" w="med" len="med"/>
+                      <a:tailEnd type="none" w="med" len="med"/>
+                    </a:lnL>
+                    <a:lnR w="12700" cap="flat" cmpd="sng" algn="ctr">
+                      <a:solidFill>
+                        <a:schemeClr val="tx1"/>
+                      </a:solidFill>
+                      <a:prstDash val="solid"/>
+                      <a:round/>
+                      <a:headEnd type="none" w="med" len="med"/>
+                      <a:tailEnd type="none" w="med" len="med"/>
+                    </a:lnR>
+                    <a:lnT w="12700" cap="flat" cmpd="sng" algn="ctr">
+                      <a:solidFill>
+                        <a:schemeClr val="tx1"/>
+                      </a:solidFill>
+                      <a:prstDash val="solid"/>
+                      <a:round/>
+                      <a:headEnd type="none" w="med" len="med"/>
+                      <a:tailEnd type="none" w="med" len="med"/>
+                    </a:lnT>
+                    <a:lnB w="12700" cap="flat" cmpd="sng" algn="ctr">
+                      <a:solidFill>
+                        <a:schemeClr val="tx1"/>
+                      </a:solidFill>
+                      <a:prstDash val="solid"/>
+                      <a:round/>
+                      <a:headEnd type="none" w="med" len="med"/>
+                      <a:tailEnd type="none" w="med" len="med"/>
+                    </a:lnB>
+                    <a:noFill/>
+                  </a:tcPr>
+                </a:tc>
+                <a:tc>
+                  <a:txBody>
+                    <a:bodyPr/>
+                    <a:lstStyle/>
+                    <a:p>
+                      <a:pPr algn="ctr"/>
+                      <a:r>
+                        <a:rPr lang="en-US" altLang="ko-Kore-KR" dirty="0">
+                          <a:solidFill>
+                            <a:sysClr val="windowText" lastClr="000000"/>
+                          </a:solidFill>
+                        </a:rPr>
+                        <a:t>B</a:t>
+                      </a:r>
+                      <a:endParaRPr lang="ko-Kore-KR" altLang="en-US" dirty="0">
+                        <a:solidFill>
+                          <a:sysClr val="windowText" lastClr="000000"/>
+                        </a:solidFill>
+                      </a:endParaRPr>
+                    </a:p>
+                  </a:txBody>
+                  <a:tcPr>
+                    <a:lnL w="12700" cap="flat" cmpd="sng" algn="ctr">
+                      <a:solidFill>
+                        <a:schemeClr val="tx1"/>
+                      </a:solidFill>
+                      <a:prstDash val="solid"/>
+                      <a:round/>
+                      <a:headEnd type="none" w="med" len="med"/>
+                      <a:tailEnd type="none" w="med" len="med"/>
+                    </a:lnL>
+                    <a:lnR w="12700" cap="flat" cmpd="sng" algn="ctr">
+                      <a:solidFill>
+                        <a:schemeClr val="tx1"/>
+                      </a:solidFill>
+                      <a:prstDash val="solid"/>
+                      <a:round/>
+                      <a:headEnd type="none" w="med" len="med"/>
+                      <a:tailEnd type="none" w="med" len="med"/>
+                    </a:lnR>
+                    <a:lnT w="12700" cap="flat" cmpd="sng" algn="ctr">
+                      <a:solidFill>
+                        <a:schemeClr val="tx1"/>
+                      </a:solidFill>
+                      <a:prstDash val="solid"/>
+                      <a:round/>
+                      <a:headEnd type="none" w="med" len="med"/>
+                      <a:tailEnd type="none" w="med" len="med"/>
+                    </a:lnT>
+                    <a:lnB w="12700" cap="flat" cmpd="sng" algn="ctr">
+                      <a:solidFill>
+                        <a:schemeClr val="tx1"/>
+                      </a:solidFill>
+                      <a:prstDash val="solid"/>
+                      <a:round/>
+                      <a:headEnd type="none" w="med" len="med"/>
+                      <a:tailEnd type="none" w="med" len="med"/>
+                    </a:lnB>
+                    <a:noFill/>
+                  </a:tcPr>
+                </a:tc>
+                <a:tc>
+                  <a:txBody>
+                    <a:bodyPr/>
+                    <a:lstStyle/>
+                    <a:p>
+                      <a:pPr algn="ctr"/>
+                      <a:r>
+                        <a:rPr lang="en-US" altLang="ko-Kore-KR" dirty="0">
+                          <a:solidFill>
+                            <a:sysClr val="windowText" lastClr="000000"/>
+                          </a:solidFill>
+                        </a:rPr>
+                        <a:t>C</a:t>
+                      </a:r>
+                      <a:endParaRPr lang="ko-Kore-KR" altLang="en-US" dirty="0">
+                        <a:solidFill>
+                          <a:sysClr val="windowText" lastClr="000000"/>
+                        </a:solidFill>
+                      </a:endParaRPr>
+                    </a:p>
+                  </a:txBody>
+                  <a:tcPr>
+                    <a:lnL w="12700" cap="flat" cmpd="sng" algn="ctr">
+                      <a:solidFill>
+                        <a:schemeClr val="tx1"/>
+                      </a:solidFill>
+                      <a:prstDash val="solid"/>
+                      <a:round/>
+                      <a:headEnd type="none" w="med" len="med"/>
+                      <a:tailEnd type="none" w="med" len="med"/>
+                    </a:lnL>
+                    <a:lnR w="12700" cap="flat" cmpd="sng" algn="ctr">
+                      <a:solidFill>
+                        <a:schemeClr val="tx1"/>
+                      </a:solidFill>
+                      <a:prstDash val="solid"/>
+                      <a:round/>
+                      <a:headEnd type="none" w="med" len="med"/>
+                      <a:tailEnd type="none" w="med" len="med"/>
+                    </a:lnR>
+                    <a:lnT w="12700" cap="flat" cmpd="sng" algn="ctr">
+                      <a:solidFill>
+                        <a:schemeClr val="tx1"/>
+                      </a:solidFill>
+                      <a:prstDash val="solid"/>
+                      <a:round/>
+                      <a:headEnd type="none" w="med" len="med"/>
+                      <a:tailEnd type="none" w="med" len="med"/>
+                    </a:lnT>
+                    <a:lnB w="12700" cap="flat" cmpd="sng" algn="ctr">
+                      <a:solidFill>
+                        <a:schemeClr val="tx1"/>
+                      </a:solidFill>
+                      <a:prstDash val="solid"/>
+                      <a:round/>
+                      <a:headEnd type="none" w="med" len="med"/>
+                      <a:tailEnd type="none" w="med" len="med"/>
+                    </a:lnB>
+                    <a:noFill/>
+                  </a:tcPr>
+                </a:tc>
+                <a:tc>
+                  <a:txBody>
+                    <a:bodyPr/>
+                    <a:lstStyle/>
+                    <a:p>
+                      <a:pPr algn="ctr"/>
+                      <a:r>
+                        <a:rPr lang="en-US" altLang="ko-Kore-KR" dirty="0">
+                          <a:solidFill>
+                            <a:sysClr val="windowText" lastClr="000000"/>
+                          </a:solidFill>
+                        </a:rPr>
+                        <a:t>D</a:t>
+                      </a:r>
+                      <a:endParaRPr lang="ko-Kore-KR" altLang="en-US" dirty="0">
+                        <a:solidFill>
+                          <a:sysClr val="windowText" lastClr="000000"/>
+                        </a:solidFill>
+                      </a:endParaRPr>
+                    </a:p>
+                  </a:txBody>
+                  <a:tcPr>
+                    <a:lnL w="12700" cap="flat" cmpd="sng" algn="ctr">
+                      <a:solidFill>
+                        <a:schemeClr val="tx1"/>
+                      </a:solidFill>
+                      <a:prstDash val="solid"/>
+                      <a:round/>
+                      <a:headEnd type="none" w="med" len="med"/>
+                      <a:tailEnd type="none" w="med" len="med"/>
+                    </a:lnL>
+                    <a:lnR w="12700" cap="flat" cmpd="sng" algn="ctr">
+                      <a:solidFill>
+                        <a:schemeClr val="tx1"/>
+                      </a:solidFill>
+                      <a:prstDash val="solid"/>
+                      <a:round/>
+                      <a:headEnd type="none" w="med" len="med"/>
+                      <a:tailEnd type="none" w="med" len="med"/>
+                    </a:lnR>
+                    <a:lnT w="12700" cap="flat" cmpd="sng" algn="ctr">
+                      <a:solidFill>
+                        <a:schemeClr val="tx1"/>
+                      </a:solidFill>
+                      <a:prstDash val="solid"/>
+                      <a:round/>
+                      <a:headEnd type="none" w="med" len="med"/>
+                      <a:tailEnd type="none" w="med" len="med"/>
+                    </a:lnT>
+                    <a:lnB w="12700" cap="flat" cmpd="sng" algn="ctr">
+                      <a:solidFill>
+                        <a:schemeClr val="tx1"/>
+                      </a:solidFill>
+                      <a:prstDash val="solid"/>
+                      <a:round/>
+                      <a:headEnd type="none" w="med" len="med"/>
+                      <a:tailEnd type="none" w="med" len="med"/>
+                    </a:lnB>
+                    <a:noFill/>
+                  </a:tcPr>
+                </a:tc>
+                <a:tc>
+                  <a:txBody>
+                    <a:bodyPr/>
+                    <a:lstStyle/>
+                    <a:p>
+                      <a:pPr algn="ctr"/>
+                      <a:r>
+                        <a:rPr lang="en-US" altLang="ko-Kore-KR" dirty="0">
+                          <a:solidFill>
+                            <a:sysClr val="windowText" lastClr="000000"/>
+                          </a:solidFill>
+                        </a:rPr>
+                        <a:t>E</a:t>
+                      </a:r>
+                      <a:endParaRPr lang="ko-Kore-KR" altLang="en-US" dirty="0">
+                        <a:solidFill>
+                          <a:sysClr val="windowText" lastClr="000000"/>
+                        </a:solidFill>
+                      </a:endParaRPr>
+                    </a:p>
+                  </a:txBody>
+                  <a:tcPr>
+                    <a:lnL w="12700" cap="flat" cmpd="sng" algn="ctr">
+                      <a:solidFill>
+                        <a:schemeClr val="tx1"/>
+                      </a:solidFill>
+                      <a:prstDash val="solid"/>
+                      <a:round/>
+                      <a:headEnd type="none" w="med" len="med"/>
+                      <a:tailEnd type="none" w="med" len="med"/>
+                    </a:lnL>
+                    <a:lnR w="12700" cap="flat" cmpd="sng" algn="ctr">
+                      <a:solidFill>
+                        <a:schemeClr val="tx1"/>
+                      </a:solidFill>
+                      <a:prstDash val="solid"/>
+                      <a:round/>
+                      <a:headEnd type="none" w="med" len="med"/>
+                      <a:tailEnd type="none" w="med" len="med"/>
+                    </a:lnR>
+                    <a:lnT w="12700" cap="flat" cmpd="sng" algn="ctr">
+                      <a:solidFill>
+                        <a:schemeClr val="tx1"/>
+                      </a:solidFill>
+                      <a:prstDash val="solid"/>
+                      <a:round/>
+                      <a:headEnd type="none" w="med" len="med"/>
+                      <a:tailEnd type="none" w="med" len="med"/>
+                    </a:lnT>
+                    <a:lnB w="12700" cap="flat" cmpd="sng" algn="ctr">
+                      <a:solidFill>
+                        <a:schemeClr val="tx1"/>
+                      </a:solidFill>
+                      <a:prstDash val="solid"/>
+                      <a:round/>
+                      <a:headEnd type="none" w="med" len="med"/>
+                      <a:tailEnd type="none" w="med" len="med"/>
+                    </a:lnB>
+                    <a:noFill/>
+                  </a:tcPr>
+                </a:tc>
+                <a:tc>
+                  <a:txBody>
+                    <a:bodyPr/>
+                    <a:lstStyle/>
+                    <a:p>
+                      <a:pPr algn="ctr"/>
+                      <a:r>
+                        <a:rPr lang="en-US" altLang="ko-Kore-KR" dirty="0">
+                          <a:solidFill>
+                            <a:sysClr val="windowText" lastClr="000000"/>
+                          </a:solidFill>
+                        </a:rPr>
+                        <a:t>F</a:t>
+                      </a:r>
+                      <a:endParaRPr lang="ko-Kore-KR" altLang="en-US" dirty="0">
+                        <a:solidFill>
+                          <a:sysClr val="windowText" lastClr="000000"/>
+                        </a:solidFill>
+                      </a:endParaRPr>
+                    </a:p>
+                  </a:txBody>
+                  <a:tcPr>
+                    <a:lnL w="12700" cap="flat" cmpd="sng" algn="ctr">
+                      <a:solidFill>
+                        <a:schemeClr val="tx1"/>
+                      </a:solidFill>
+                      <a:prstDash val="solid"/>
+                      <a:round/>
+                      <a:headEnd type="none" w="med" len="med"/>
+                      <a:tailEnd type="none" w="med" len="med"/>
+                    </a:lnL>
+                    <a:lnR w="12700" cap="flat" cmpd="sng" algn="ctr">
+                      <a:solidFill>
+                        <a:schemeClr val="tx1"/>
+                      </a:solidFill>
+                      <a:prstDash val="solid"/>
+                      <a:round/>
+                      <a:headEnd type="none" w="med" len="med"/>
+                      <a:tailEnd type="none" w="med" len="med"/>
+                    </a:lnR>
+                    <a:lnT w="12700" cap="flat" cmpd="sng" algn="ctr">
+                      <a:solidFill>
+                        <a:schemeClr val="tx1"/>
+                      </a:solidFill>
+                      <a:prstDash val="solid"/>
+                      <a:round/>
+                      <a:headEnd type="none" w="med" len="med"/>
+                      <a:tailEnd type="none" w="med" len="med"/>
+                    </a:lnT>
+                    <a:lnB w="12700" cap="flat" cmpd="sng" algn="ctr">
+                      <a:solidFill>
+                        <a:schemeClr val="tx1"/>
+                      </a:solidFill>
+                      <a:prstDash val="solid"/>
+                      <a:round/>
+                      <a:headEnd type="none" w="med" len="med"/>
+                      <a:tailEnd type="none" w="med" len="med"/>
+                    </a:lnB>
+                    <a:noFill/>
+                  </a:tcPr>
+                </a:tc>
+                <a:extLst>
+                  <a:ext uri="{0D108BD9-81ED-4DB2-BD59-A6C34878D82A}">
+                    <a16:rowId xmlns:a16="http://schemas.microsoft.com/office/drawing/2014/main" val="3630900417"/>
+                  </a:ext>
+                </a:extLst>
+              </a:tr>
+              <a:tr h="391809">
+                <a:tc>
+                  <a:txBody>
+                    <a:bodyPr/>
+                    <a:lstStyle/>
+                    <a:p>
+                      <a:pPr algn="ctr"/>
+                      <a:r>
+                        <a:rPr lang="en-US" altLang="ko-Kore-KR" dirty="0">
+                          <a:solidFill>
+                            <a:sysClr val="windowText" lastClr="000000"/>
+                          </a:solidFill>
+                        </a:rPr>
+                        <a:t>1</a:t>
+                      </a:r>
+                      <a:endParaRPr lang="ko-Kore-KR" altLang="en-US" dirty="0">
+                        <a:solidFill>
+                          <a:sysClr val="windowText" lastClr="000000"/>
+                        </a:solidFill>
+                      </a:endParaRPr>
+                    </a:p>
+                  </a:txBody>
+                  <a:tcPr>
+                    <a:lnL w="12700" cap="flat" cmpd="sng" algn="ctr">
+                      <a:solidFill>
+                        <a:schemeClr val="tx1"/>
+                      </a:solidFill>
+                      <a:prstDash val="solid"/>
+                      <a:round/>
+                      <a:headEnd type="none" w="med" len="med"/>
+                      <a:tailEnd type="none" w="med" len="med"/>
+                    </a:lnL>
+                    <a:lnR w="12700" cap="flat" cmpd="sng" algn="ctr">
+                      <a:solidFill>
+                        <a:schemeClr val="tx1"/>
+                      </a:solidFill>
+                      <a:prstDash val="solid"/>
+                      <a:round/>
+                      <a:headEnd type="none" w="med" len="med"/>
+                      <a:tailEnd type="none" w="med" len="med"/>
+                    </a:lnR>
+                    <a:lnT w="12700" cap="flat" cmpd="sng" algn="ctr">
+                      <a:solidFill>
+                        <a:schemeClr val="tx1"/>
+                      </a:solidFill>
+                      <a:prstDash val="solid"/>
+                      <a:round/>
+                      <a:headEnd type="none" w="med" len="med"/>
+                      <a:tailEnd type="none" w="med" len="med"/>
+                    </a:lnT>
+                    <a:lnB w="12700" cap="flat" cmpd="sng" algn="ctr">
+                      <a:solidFill>
+                        <a:schemeClr val="tx1"/>
+                      </a:solidFill>
+                      <a:prstDash val="solid"/>
+                      <a:round/>
+                      <a:headEnd type="none" w="med" len="med"/>
+                      <a:tailEnd type="none" w="med" len="med"/>
+                    </a:lnB>
+                    <a:noFill/>
+                  </a:tcPr>
+                </a:tc>
+                <a:tc>
+                  <a:txBody>
+                    <a:bodyPr/>
+                    <a:lstStyle/>
+                    <a:p>
+                      <a:pPr algn="ctr"/>
+                      <a:r>
+                        <a:rPr lang="en-US" altLang="ko-Kore-KR" dirty="0">
+                          <a:solidFill>
+                            <a:sysClr val="windowText" lastClr="000000"/>
+                          </a:solidFill>
+                        </a:rPr>
+                        <a:t>2</a:t>
+                      </a:r>
+                      <a:endParaRPr lang="ko-Kore-KR" altLang="en-US" dirty="0">
+                        <a:solidFill>
+                          <a:sysClr val="windowText" lastClr="000000"/>
+                        </a:solidFill>
+                      </a:endParaRPr>
+                    </a:p>
+                  </a:txBody>
+                  <a:tcPr>
+                    <a:lnL w="12700" cap="flat" cmpd="sng" algn="ctr">
+                      <a:solidFill>
+                        <a:schemeClr val="tx1"/>
+                      </a:solidFill>
+                      <a:prstDash val="solid"/>
+                      <a:round/>
+                      <a:headEnd type="none" w="med" len="med"/>
+                      <a:tailEnd type="none" w="med" len="med"/>
+                    </a:lnL>
+                    <a:lnR w="12700" cap="flat" cmpd="sng" algn="ctr">
+                      <a:solidFill>
+                        <a:schemeClr val="tx1"/>
+                      </a:solidFill>
+                      <a:prstDash val="solid"/>
+                      <a:round/>
+                      <a:headEnd type="none" w="med" len="med"/>
+                      <a:tailEnd type="none" w="med" len="med"/>
+                    </a:lnR>
+                    <a:lnT w="12700" cap="flat" cmpd="sng" algn="ctr">
+                      <a:solidFill>
+                        <a:schemeClr val="tx1"/>
+                      </a:solidFill>
+                      <a:prstDash val="solid"/>
+                      <a:round/>
+                      <a:headEnd type="none" w="med" len="med"/>
+                      <a:tailEnd type="none" w="med" len="med"/>
+                    </a:lnT>
+                    <a:lnB w="12700" cap="flat" cmpd="sng" algn="ctr">
+                      <a:solidFill>
+                        <a:schemeClr val="tx1"/>
+                      </a:solidFill>
+                      <a:prstDash val="solid"/>
+                      <a:round/>
+                      <a:headEnd type="none" w="med" len="med"/>
+                      <a:tailEnd type="none" w="med" len="med"/>
+                    </a:lnB>
+                    <a:noFill/>
+                  </a:tcPr>
+                </a:tc>
+                <a:tc>
+                  <a:txBody>
+                    <a:bodyPr/>
+                    <a:lstStyle/>
+                    <a:p>
+                      <a:pPr algn="ctr"/>
+                      <a:r>
+                        <a:rPr lang="en-US" altLang="ko-Kore-KR" dirty="0">
+                          <a:solidFill>
+                            <a:sysClr val="windowText" lastClr="000000"/>
+                          </a:solidFill>
+                        </a:rPr>
+                        <a:t>?</a:t>
+                      </a:r>
+                      <a:endParaRPr lang="ko-Kore-KR" altLang="en-US" dirty="0">
+                        <a:solidFill>
+                          <a:sysClr val="windowText" lastClr="000000"/>
+                        </a:solidFill>
+                      </a:endParaRPr>
+                    </a:p>
+                  </a:txBody>
+                  <a:tcPr>
+                    <a:lnL w="12700" cap="flat" cmpd="sng" algn="ctr">
+                      <a:solidFill>
+                        <a:schemeClr val="tx1"/>
+                      </a:solidFill>
+                      <a:prstDash val="solid"/>
+                      <a:round/>
+                      <a:headEnd type="none" w="med" len="med"/>
+                      <a:tailEnd type="none" w="med" len="med"/>
+                    </a:lnL>
+                    <a:lnR w="12700" cap="flat" cmpd="sng" algn="ctr">
+                      <a:solidFill>
+                        <a:schemeClr val="tx1"/>
+                      </a:solidFill>
+                      <a:prstDash val="solid"/>
+                      <a:round/>
+                      <a:headEnd type="none" w="med" len="med"/>
+                      <a:tailEnd type="none" w="med" len="med"/>
+                    </a:lnR>
+                    <a:lnT w="12700" cap="flat" cmpd="sng" algn="ctr">
+                      <a:solidFill>
+                        <a:schemeClr val="tx1"/>
+                      </a:solidFill>
+                      <a:prstDash val="solid"/>
+                      <a:round/>
+                      <a:headEnd type="none" w="med" len="med"/>
+                      <a:tailEnd type="none" w="med" len="med"/>
+                    </a:lnT>
+                    <a:lnB w="12700" cap="flat" cmpd="sng" algn="ctr">
+                      <a:solidFill>
+                        <a:schemeClr val="tx1"/>
+                      </a:solidFill>
+                      <a:prstDash val="solid"/>
+                      <a:round/>
+                      <a:headEnd type="none" w="med" len="med"/>
+                      <a:tailEnd type="none" w="med" len="med"/>
+                    </a:lnB>
+                    <a:noFill/>
+                  </a:tcPr>
+                </a:tc>
+                <a:tc>
+                  <a:txBody>
+                    <a:bodyPr/>
+                    <a:lstStyle/>
+                    <a:p>
+                      <a:pPr algn="ctr"/>
+                      <a:endParaRPr lang="ko-Kore-KR" altLang="en-US" dirty="0">
+                        <a:solidFill>
+                          <a:sysClr val="windowText" lastClr="000000"/>
+                        </a:solidFill>
+                      </a:endParaRPr>
+                    </a:p>
+                  </a:txBody>
+                  <a:tcPr>
+                    <a:lnL w="12700" cap="flat" cmpd="sng" algn="ctr">
+                      <a:solidFill>
+                        <a:schemeClr val="tx1"/>
+                      </a:solidFill>
+                      <a:prstDash val="solid"/>
+                      <a:round/>
+                      <a:headEnd type="none" w="med" len="med"/>
+                      <a:tailEnd type="none" w="med" len="med"/>
+                    </a:lnL>
+                    <a:lnR w="12700" cap="flat" cmpd="sng" algn="ctr">
+                      <a:solidFill>
+                        <a:schemeClr val="tx1"/>
+                      </a:solidFill>
+                      <a:prstDash val="solid"/>
+                      <a:round/>
+                      <a:headEnd type="none" w="med" len="med"/>
+                      <a:tailEnd type="none" w="med" len="med"/>
+                    </a:lnR>
+                    <a:lnT w="12700" cap="flat" cmpd="sng" algn="ctr">
+                      <a:solidFill>
+                        <a:schemeClr val="tx1"/>
+                      </a:solidFill>
+                      <a:prstDash val="solid"/>
+                      <a:round/>
+                      <a:headEnd type="none" w="med" len="med"/>
+                      <a:tailEnd type="none" w="med" len="med"/>
+                    </a:lnT>
+                    <a:lnB w="12700" cap="flat" cmpd="sng" algn="ctr">
+                      <a:solidFill>
+                        <a:schemeClr val="tx1"/>
+                      </a:solidFill>
+                      <a:prstDash val="solid"/>
+                      <a:round/>
+                      <a:headEnd type="none" w="med" len="med"/>
+                      <a:tailEnd type="none" w="med" len="med"/>
+                    </a:lnB>
+                    <a:noFill/>
+                  </a:tcPr>
+                </a:tc>
+                <a:tc>
+                  <a:txBody>
+                    <a:bodyPr/>
+                    <a:lstStyle/>
+                    <a:p>
+                      <a:pPr algn="ctr"/>
+                      <a:endParaRPr lang="ko-Kore-KR" altLang="en-US" dirty="0">
+                        <a:solidFill>
+                          <a:sysClr val="windowText" lastClr="000000"/>
+                        </a:solidFill>
+                      </a:endParaRPr>
+                    </a:p>
+                  </a:txBody>
+                  <a:tcPr>
+                    <a:lnL w="12700" cap="flat" cmpd="sng" algn="ctr">
+                      <a:solidFill>
+                        <a:schemeClr val="tx1"/>
+                      </a:solidFill>
+                      <a:prstDash val="solid"/>
+                      <a:round/>
+                      <a:headEnd type="none" w="med" len="med"/>
+                      <a:tailEnd type="none" w="med" len="med"/>
+                    </a:lnL>
+                    <a:lnR w="12700" cap="flat" cmpd="sng" algn="ctr">
+                      <a:solidFill>
+                        <a:schemeClr val="tx1"/>
+                      </a:solidFill>
+                      <a:prstDash val="solid"/>
+                      <a:round/>
+                      <a:headEnd type="none" w="med" len="med"/>
+                      <a:tailEnd type="none" w="med" len="med"/>
+                    </a:lnR>
+                    <a:lnT w="12700" cap="flat" cmpd="sng" algn="ctr">
+                      <a:solidFill>
+                        <a:schemeClr val="tx1"/>
+                      </a:solidFill>
+                      <a:prstDash val="solid"/>
+                      <a:round/>
+                      <a:headEnd type="none" w="med" len="med"/>
+                      <a:tailEnd type="none" w="med" len="med"/>
+                    </a:lnT>
+                    <a:lnB w="12700" cap="flat" cmpd="sng" algn="ctr">
+                      <a:solidFill>
+                        <a:schemeClr val="tx1"/>
+                      </a:solidFill>
+                      <a:prstDash val="solid"/>
+                      <a:round/>
+                      <a:headEnd type="none" w="med" len="med"/>
+                      <a:tailEnd type="none" w="med" len="med"/>
+                    </a:lnB>
+                    <a:noFill/>
+                  </a:tcPr>
+                </a:tc>
+                <a:tc>
+                  <a:txBody>
+                    <a:bodyPr/>
+                    <a:lstStyle/>
+                    <a:p>
+                      <a:pPr algn="ctr"/>
+                      <a:endParaRPr lang="ko-Kore-KR" altLang="en-US" dirty="0">
+                        <a:solidFill>
+                          <a:sysClr val="windowText" lastClr="000000"/>
+                        </a:solidFill>
+                      </a:endParaRPr>
+                    </a:p>
+                  </a:txBody>
+                  <a:tcPr>
+                    <a:lnL w="12700" cap="flat" cmpd="sng" algn="ctr">
+                      <a:solidFill>
+                        <a:schemeClr val="tx1"/>
+                      </a:solidFill>
+                      <a:prstDash val="solid"/>
+                      <a:round/>
+                      <a:headEnd type="none" w="med" len="med"/>
+                      <a:tailEnd type="none" w="med" len="med"/>
+                    </a:lnL>
+                    <a:lnR w="12700" cap="flat" cmpd="sng" algn="ctr">
+                      <a:solidFill>
+                        <a:schemeClr val="tx1"/>
+                      </a:solidFill>
+                      <a:prstDash val="solid"/>
+                      <a:round/>
+                      <a:headEnd type="none" w="med" len="med"/>
+                      <a:tailEnd type="none" w="med" len="med"/>
+                    </a:lnR>
+                    <a:lnT w="12700" cap="flat" cmpd="sng" algn="ctr">
+                      <a:solidFill>
+                        <a:schemeClr val="tx1"/>
+                      </a:solidFill>
+                      <a:prstDash val="solid"/>
+                      <a:round/>
+                      <a:headEnd type="none" w="med" len="med"/>
+                      <a:tailEnd type="none" w="med" len="med"/>
+                    </a:lnT>
+                    <a:lnB w="12700" cap="flat" cmpd="sng" algn="ctr">
+                      <a:solidFill>
+                        <a:schemeClr val="tx1"/>
+                      </a:solidFill>
+                      <a:prstDash val="solid"/>
+                      <a:round/>
+                      <a:headEnd type="none" w="med" len="med"/>
+                      <a:tailEnd type="none" w="med" len="med"/>
+                    </a:lnB>
+                    <a:noFill/>
+                  </a:tcPr>
+                </a:tc>
+                <a:extLst>
+                  <a:ext uri="{0D108BD9-81ED-4DB2-BD59-A6C34878D82A}">
+                    <a16:rowId xmlns:a16="http://schemas.microsoft.com/office/drawing/2014/main" val="960202063"/>
+                  </a:ext>
+                </a:extLst>
+              </a:tr>
+            </a:tbl>
+          </a:graphicData>
+        </a:graphic>
+      </p:graphicFrame>
+      <p:sp>
+        <p:nvSpPr>
+          <p:cNvPr id="17" name="직사각형 16">
+            <a:extLst>
+              <a:ext uri="{FF2B5EF4-FFF2-40B4-BE49-F238E27FC236}">
+                <a16:creationId xmlns:a16="http://schemas.microsoft.com/office/drawing/2014/main" id="{F9CC2AD2-C8EE-1F59-1080-C17E8A1DDBC0}"/>
+              </a:ext>
+            </a:extLst>
+          </p:cNvPr>
+          <p:cNvSpPr/>
+          <p:nvPr/>
+        </p:nvSpPr>
+        <p:spPr>
+          <a:xfrm>
+            <a:off x="877376" y="3680815"/>
+            <a:ext cx="2782956" cy="331304"/>
+          </a:xfrm>
+          <a:prstGeom prst="rect">
+            <a:avLst/>
+          </a:prstGeom>
+          <a:solidFill>
+            <a:srgbClr val="FFFF00">
+              <a:alpha val="22899"/>
+            </a:srgbClr>
+          </a:solidFill>
+          <a:ln>
+            <a:solidFill>
+              <a:srgbClr val="FF0000"/>
+            </a:solidFill>
+          </a:ln>
+        </p:spPr>
+        <p:style>
+          <a:lnRef idx="2">
+            <a:schemeClr val="accent3"/>
+          </a:lnRef>
+          <a:fillRef idx="1">
+            <a:schemeClr val="lt1"/>
+          </a:fillRef>
+          <a:effectRef idx="0">
+            <a:schemeClr val="accent3"/>
+          </a:effectRef>
+          <a:fontRef idx="minor">
+            <a:schemeClr val="dk1"/>
+          </a:fontRef>
+        </p:style>
+        <p:txBody>
+          <a:bodyPr rtlCol="0" anchor="ctr"/>
+          <a:lstStyle/>
+          <a:p>
+            <a:pPr marL="0" marR="0" lvl="0" indent="0" algn="ctr" defTabSz="914400" rtl="0" eaLnBrk="1" fontAlgn="auto" latinLnBrk="0" hangingPunct="1">
+              <a:lnSpc>
+                <a:spcPct val="100000"/>
+              </a:lnSpc>
+              <a:spcBef>
+                <a:spcPts val="0"/>
+              </a:spcBef>
+              <a:spcAft>
+                <a:spcPts val="0"/>
+              </a:spcAft>
+              <a:buClrTx/>
+              <a:buSzTx/>
+              <a:buFontTx/>
+              <a:buNone/>
+              <a:tabLst/>
+              <a:defRPr/>
+            </a:pPr>
+            <a:endParaRPr kumimoji="1" lang="ko-Kore-KR" altLang="en-US" sz="1800" b="0" i="0" u="none" strike="noStrike" kern="1200" cap="none" spc="0" normalizeH="0" baseline="0" noProof="0">
+              <a:ln>
+                <a:noFill/>
+              </a:ln>
+              <a:solidFill>
+                <a:prstClr val="black"/>
+              </a:solidFill>
+              <a:effectLst/>
+              <a:uLnTx/>
+              <a:uFillTx/>
+              <a:latin typeface="Calibri"/>
+              <a:ea typeface="+mn-ea"/>
+              <a:cs typeface="+mn-cs"/>
+            </a:endParaRPr>
+          </a:p>
+        </p:txBody>
+      </p:sp>
+      <p:cxnSp>
+        <p:nvCxnSpPr>
+          <p:cNvPr id="19" name="직선 화살표 연결선 18">
+            <a:extLst>
+              <a:ext uri="{FF2B5EF4-FFF2-40B4-BE49-F238E27FC236}">
+                <a16:creationId xmlns:a16="http://schemas.microsoft.com/office/drawing/2014/main" id="{3859657D-A1E6-3381-D9F5-8680BC36548D}"/>
+              </a:ext>
+            </a:extLst>
+          </p:cNvPr>
+          <p:cNvCxnSpPr>
+            <a:cxnSpLocks/>
+            <a:stCxn id="17" idx="2"/>
+          </p:cNvCxnSpPr>
+          <p:nvPr/>
+        </p:nvCxnSpPr>
+        <p:spPr>
+          <a:xfrm>
+            <a:off x="2268854" y="4012119"/>
+            <a:ext cx="1692568" cy="1407669"/>
+          </a:xfrm>
+          <a:prstGeom prst="straightConnector1">
+            <a:avLst/>
+          </a:prstGeom>
+          <a:ln w="31750">
+            <a:solidFill>
+              <a:srgbClr val="FF0000"/>
+            </a:solidFill>
+            <a:tailEnd type="triangle"/>
+          </a:ln>
+        </p:spPr>
+        <p:style>
+          <a:lnRef idx="1">
+            <a:schemeClr val="accent1"/>
+          </a:lnRef>
+          <a:fillRef idx="0">
+            <a:schemeClr val="accent1"/>
+          </a:fillRef>
+          <a:effectRef idx="0">
+            <a:schemeClr val="accent1"/>
+          </a:effectRef>
+          <a:fontRef idx="minor">
+            <a:schemeClr val="tx1"/>
+          </a:fontRef>
+        </p:style>
+      </p:cxnSp>
+      <p:sp>
+        <p:nvSpPr>
+          <p:cNvPr id="21" name="직사각형 20">
+            <a:extLst>
+              <a:ext uri="{FF2B5EF4-FFF2-40B4-BE49-F238E27FC236}">
+                <a16:creationId xmlns:a16="http://schemas.microsoft.com/office/drawing/2014/main" id="{3793A23B-5C78-E43B-07A8-325A73630FEC}"/>
+              </a:ext>
+            </a:extLst>
+          </p:cNvPr>
+          <p:cNvSpPr/>
+          <p:nvPr/>
+        </p:nvSpPr>
+        <p:spPr>
+          <a:xfrm>
+            <a:off x="6639338" y="4962768"/>
+            <a:ext cx="1378227" cy="371232"/>
+          </a:xfrm>
+          <a:prstGeom prst="rect">
+            <a:avLst/>
+          </a:prstGeom>
+          <a:solidFill>
+            <a:srgbClr val="FFFF00">
+              <a:alpha val="22899"/>
+            </a:srgbClr>
+          </a:solidFill>
+          <a:ln>
+            <a:solidFill>
+              <a:srgbClr val="FF0000"/>
+            </a:solidFill>
+          </a:ln>
+        </p:spPr>
+        <p:style>
+          <a:lnRef idx="2">
+            <a:schemeClr val="accent3"/>
+          </a:lnRef>
+          <a:fillRef idx="1">
+            <a:schemeClr val="lt1"/>
+          </a:fillRef>
+          <a:effectRef idx="0">
+            <a:schemeClr val="accent3"/>
+          </a:effectRef>
+          <a:fontRef idx="minor">
+            <a:schemeClr val="dk1"/>
+          </a:fontRef>
+        </p:style>
+        <p:txBody>
+          <a:bodyPr rtlCol="0" anchor="ctr"/>
+          <a:lstStyle/>
+          <a:p>
+            <a:pPr marL="0" marR="0" lvl="0" indent="0" algn="ctr" defTabSz="914400" rtl="0" eaLnBrk="1" fontAlgn="auto" latinLnBrk="0" hangingPunct="1">
+              <a:lnSpc>
+                <a:spcPct val="100000"/>
+              </a:lnSpc>
+              <a:spcBef>
+                <a:spcPts val="0"/>
+              </a:spcBef>
+              <a:spcAft>
+                <a:spcPts val="0"/>
+              </a:spcAft>
+              <a:buClrTx/>
+              <a:buSzTx/>
+              <a:buFontTx/>
+              <a:buNone/>
+              <a:tabLst/>
+              <a:defRPr/>
+            </a:pPr>
+            <a:endParaRPr kumimoji="1" lang="ko-Kore-KR" altLang="en-US" sz="1800" b="0" i="0" u="none" strike="noStrike" kern="1200" cap="none" spc="0" normalizeH="0" baseline="0" noProof="0">
+              <a:ln>
+                <a:noFill/>
+              </a:ln>
+              <a:solidFill>
+                <a:prstClr val="black"/>
+              </a:solidFill>
+              <a:effectLst/>
+              <a:uLnTx/>
+              <a:uFillTx/>
+              <a:latin typeface="Calibri"/>
+              <a:ea typeface="+mn-ea"/>
+              <a:cs typeface="+mn-cs"/>
+            </a:endParaRPr>
+          </a:p>
+        </p:txBody>
+      </p:sp>
+      <p:cxnSp>
+        <p:nvCxnSpPr>
+          <p:cNvPr id="22" name="직선 화살표 연결선 21">
+            <a:extLst>
+              <a:ext uri="{FF2B5EF4-FFF2-40B4-BE49-F238E27FC236}">
+                <a16:creationId xmlns:a16="http://schemas.microsoft.com/office/drawing/2014/main" id="{BAB8212C-B3B2-7C9E-E9B7-40D472C1C23D}"/>
+              </a:ext>
+            </a:extLst>
+          </p:cNvPr>
+          <p:cNvCxnSpPr>
+            <a:cxnSpLocks/>
+            <a:stCxn id="21" idx="1"/>
+          </p:cNvCxnSpPr>
+          <p:nvPr/>
+        </p:nvCxnSpPr>
+        <p:spPr>
+          <a:xfrm flipH="1">
+            <a:off x="5615254" y="5148384"/>
+            <a:ext cx="1024084" cy="622392"/>
+          </a:xfrm>
+          <a:prstGeom prst="straightConnector1">
+            <a:avLst/>
+          </a:prstGeom>
+          <a:ln w="31750">
+            <a:solidFill>
+              <a:srgbClr val="FF0000"/>
+            </a:solidFill>
+            <a:tailEnd type="triangle"/>
+          </a:ln>
+        </p:spPr>
+        <p:style>
+          <a:lnRef idx="1">
+            <a:schemeClr val="accent1"/>
+          </a:lnRef>
+          <a:fillRef idx="0">
+            <a:schemeClr val="accent1"/>
+          </a:fillRef>
+          <a:effectRef idx="0">
+            <a:schemeClr val="accent1"/>
+          </a:effectRef>
+          <a:fontRef idx="minor">
+            <a:schemeClr val="tx1"/>
+          </a:fontRef>
+        </p:style>
+      </p:cxnSp>
+      <p:pic>
+        <p:nvPicPr>
+          <p:cNvPr id="9" name="그림 8">
+            <a:extLst>
+              <a:ext uri="{FF2B5EF4-FFF2-40B4-BE49-F238E27FC236}">
+                <a16:creationId xmlns:a16="http://schemas.microsoft.com/office/drawing/2014/main" id="{DFE76EAB-19D0-F664-2E25-6F19D33C5267}"/>
+              </a:ext>
+            </a:extLst>
+          </p:cNvPr>
+          <p:cNvPicPr>
+            <a:picLocks noChangeAspect="1"/>
+          </p:cNvPicPr>
+          <p:nvPr/>
+        </p:nvPicPr>
+        <p:blipFill>
+          <a:blip r:embed="rId5"/>
+          <a:stretch>
+            <a:fillRect/>
+          </a:stretch>
+        </p:blipFill>
+        <p:spPr>
+          <a:xfrm>
+            <a:off x="339681" y="1524000"/>
+            <a:ext cx="5381806" cy="1163378"/>
+          </a:xfrm>
+          <a:prstGeom prst="rect">
+            <a:avLst/>
+          </a:prstGeom>
+        </p:spPr>
+      </p:pic>
+      <p:sp>
+        <p:nvSpPr>
+          <p:cNvPr id="4" name="TextBox 3">
+            <a:extLst>
+              <a:ext uri="{FF2B5EF4-FFF2-40B4-BE49-F238E27FC236}">
+                <a16:creationId xmlns:a16="http://schemas.microsoft.com/office/drawing/2014/main" id="{CECEF0F7-5D93-FC99-B8B4-CF66F2DC34D7}"/>
+              </a:ext>
+            </a:extLst>
+          </p:cNvPr>
+          <p:cNvSpPr txBox="1"/>
+          <p:nvPr/>
+        </p:nvSpPr>
+        <p:spPr>
+          <a:xfrm>
+            <a:off x="3418491" y="6204071"/>
+            <a:ext cx="575799" cy="369332"/>
+          </a:xfrm>
+          <a:prstGeom prst="rect">
+            <a:avLst/>
+          </a:prstGeom>
+          <a:noFill/>
+        </p:spPr>
+        <p:txBody>
+          <a:bodyPr wrap="none" rtlCol="0">
+            <a:spAutoFit/>
+          </a:bodyPr>
+          <a:lstStyle/>
+          <a:p>
+            <a:pPr marL="0" marR="0" lvl="0" indent="0" algn="l" defTabSz="914400" rtl="0" eaLnBrk="1" fontAlgn="auto" latinLnBrk="0" hangingPunct="1">
+              <a:lnSpc>
+                <a:spcPct val="100000"/>
+              </a:lnSpc>
+              <a:spcBef>
+                <a:spcPts val="0"/>
+              </a:spcBef>
+              <a:spcAft>
+                <a:spcPts val="0"/>
+              </a:spcAft>
+              <a:buClrTx/>
+              <a:buSzTx/>
+              <a:buFontTx/>
+              <a:buNone/>
+              <a:tabLst/>
+              <a:defRPr/>
+            </a:pPr>
+            <a:r>
+              <a:rPr kumimoji="1" lang="en-US" altLang="ko-Kore-KR" sz="1800" b="0" i="0" u="none" strike="noStrike" kern="1200" cap="none" spc="0" normalizeH="0" baseline="0" noProof="0" dirty="0" err="1">
+                <a:ln>
+                  <a:noFill/>
+                </a:ln>
+                <a:solidFill>
+                  <a:prstClr val="black"/>
+                </a:solidFill>
+                <a:effectLst/>
+                <a:uLnTx/>
+                <a:uFillTx/>
+                <a:latin typeface="Calibri"/>
+                <a:ea typeface="+mn-ea"/>
+                <a:cs typeface="+mn-cs"/>
+              </a:rPr>
+              <a:t>i</a:t>
+            </a:r>
+            <a:r>
+              <a:rPr kumimoji="1" lang="en-US" altLang="ko-Kore-KR" sz="1800" b="0" i="0" u="none" strike="noStrike" kern="1200" cap="none" spc="0" normalizeH="0" baseline="0" noProof="0" dirty="0">
+                <a:ln>
+                  <a:noFill/>
+                </a:ln>
+                <a:solidFill>
+                  <a:prstClr val="black"/>
+                </a:solidFill>
+                <a:effectLst/>
+                <a:uLnTx/>
+                <a:uFillTx/>
+                <a:latin typeface="Calibri"/>
+                <a:ea typeface="+mn-ea"/>
+                <a:cs typeface="+mn-cs"/>
+              </a:rPr>
+              <a:t> = 2</a:t>
+            </a:r>
+            <a:endParaRPr kumimoji="1" lang="ko-Kore-KR" altLang="en-US" sz="1800" b="0" i="0" u="none" strike="noStrike" kern="1200" cap="none" spc="0" normalizeH="0" baseline="0" noProof="0" dirty="0">
+              <a:ln>
+                <a:noFill/>
+              </a:ln>
+              <a:solidFill>
+                <a:prstClr val="black"/>
+              </a:solidFill>
+              <a:effectLst/>
+              <a:uLnTx/>
+              <a:uFillTx/>
+              <a:latin typeface="Calibri"/>
+              <a:ea typeface="+mn-ea"/>
+              <a:cs typeface="+mn-cs"/>
+            </a:endParaRPr>
+          </a:p>
+        </p:txBody>
+      </p:sp>
+      <p:sp>
+        <p:nvSpPr>
+          <p:cNvPr id="14" name="TextBox 13">
+            <a:extLst>
+              <a:ext uri="{FF2B5EF4-FFF2-40B4-BE49-F238E27FC236}">
+                <a16:creationId xmlns:a16="http://schemas.microsoft.com/office/drawing/2014/main" id="{77A1F407-795C-B7E9-0220-738DF253C6AB}"/>
+              </a:ext>
+            </a:extLst>
+          </p:cNvPr>
+          <p:cNvSpPr txBox="1"/>
+          <p:nvPr/>
+        </p:nvSpPr>
+        <p:spPr>
+          <a:xfrm>
+            <a:off x="2365500" y="6204071"/>
+            <a:ext cx="577402" cy="369332"/>
+          </a:xfrm>
+          <a:prstGeom prst="rect">
+            <a:avLst/>
+          </a:prstGeom>
+          <a:noFill/>
+        </p:spPr>
+        <p:txBody>
+          <a:bodyPr wrap="none" rtlCol="0">
+            <a:spAutoFit/>
+          </a:bodyPr>
+          <a:lstStyle/>
+          <a:p>
+            <a:pPr marL="0" marR="0" lvl="0" indent="0" algn="l" defTabSz="914400" rtl="0" eaLnBrk="1" fontAlgn="auto" latinLnBrk="0" hangingPunct="1">
+              <a:lnSpc>
+                <a:spcPct val="100000"/>
+              </a:lnSpc>
+              <a:spcBef>
+                <a:spcPts val="0"/>
+              </a:spcBef>
+              <a:spcAft>
+                <a:spcPts val="0"/>
+              </a:spcAft>
+              <a:buClrTx/>
+              <a:buSzTx/>
+              <a:buFontTx/>
+              <a:buNone/>
+              <a:tabLst/>
+              <a:defRPr/>
+            </a:pPr>
+            <a:r>
+              <a:rPr kumimoji="1" lang="en-US" altLang="ko-Kore-KR" sz="1800" b="0" i="0" u="none" strike="noStrike" kern="1200" cap="none" spc="0" normalizeH="0" baseline="0" noProof="0" dirty="0">
+                <a:ln>
+                  <a:noFill/>
+                </a:ln>
+                <a:solidFill>
+                  <a:prstClr val="black"/>
+                </a:solidFill>
+                <a:effectLst/>
+                <a:uLnTx/>
+                <a:uFillTx/>
+                <a:latin typeface="Calibri"/>
+                <a:ea typeface="+mn-ea"/>
+                <a:cs typeface="+mn-cs"/>
+              </a:rPr>
+              <a:t>j = 0</a:t>
+            </a:r>
+            <a:endParaRPr kumimoji="1" lang="ko-Kore-KR" altLang="en-US" sz="1800" b="0" i="0" u="none" strike="noStrike" kern="1200" cap="none" spc="0" normalizeH="0" baseline="0" noProof="0" dirty="0">
+              <a:ln>
+                <a:noFill/>
+              </a:ln>
+              <a:solidFill>
+                <a:prstClr val="black"/>
+              </a:solidFill>
+              <a:effectLst/>
+              <a:uLnTx/>
+              <a:uFillTx/>
+              <a:latin typeface="Calibri"/>
+              <a:ea typeface="+mn-ea"/>
+              <a:cs typeface="+mn-cs"/>
+            </a:endParaRPr>
+          </a:p>
+        </p:txBody>
+      </p:sp>
+      <p:sp>
+        <p:nvSpPr>
+          <p:cNvPr id="15" name="TextBox 14">
+            <a:extLst>
+              <a:ext uri="{FF2B5EF4-FFF2-40B4-BE49-F238E27FC236}">
+                <a16:creationId xmlns:a16="http://schemas.microsoft.com/office/drawing/2014/main" id="{2E8C187E-0F36-F235-0BEC-CFFBA615A183}"/>
+              </a:ext>
+            </a:extLst>
+          </p:cNvPr>
+          <p:cNvSpPr txBox="1"/>
+          <p:nvPr/>
+        </p:nvSpPr>
+        <p:spPr>
+          <a:xfrm>
+            <a:off x="2875562" y="6204071"/>
+            <a:ext cx="577402" cy="369332"/>
+          </a:xfrm>
+          <a:prstGeom prst="rect">
+            <a:avLst/>
+          </a:prstGeom>
+          <a:noFill/>
+        </p:spPr>
+        <p:txBody>
+          <a:bodyPr wrap="none" rtlCol="0">
+            <a:spAutoFit/>
+          </a:bodyPr>
+          <a:lstStyle/>
+          <a:p>
+            <a:pPr marL="0" marR="0" lvl="0" indent="0" algn="l" defTabSz="914400" rtl="0" eaLnBrk="1" fontAlgn="auto" latinLnBrk="0" hangingPunct="1">
+              <a:lnSpc>
+                <a:spcPct val="100000"/>
+              </a:lnSpc>
+              <a:spcBef>
+                <a:spcPts val="0"/>
+              </a:spcBef>
+              <a:spcAft>
+                <a:spcPts val="0"/>
+              </a:spcAft>
+              <a:buClrTx/>
+              <a:buSzTx/>
+              <a:buFontTx/>
+              <a:buNone/>
+              <a:tabLst/>
+              <a:defRPr/>
+            </a:pPr>
+            <a:r>
+              <a:rPr kumimoji="1" lang="en-US" altLang="ko-Kore-KR" sz="1800" b="0" i="0" u="none" strike="noStrike" kern="1200" cap="none" spc="0" normalizeH="0" baseline="0" noProof="0" dirty="0">
+                <a:ln>
+                  <a:noFill/>
+                </a:ln>
+                <a:solidFill>
+                  <a:prstClr val="black"/>
+                </a:solidFill>
+                <a:effectLst/>
+                <a:uLnTx/>
+                <a:uFillTx/>
+                <a:latin typeface="Calibri"/>
+                <a:ea typeface="+mn-ea"/>
+                <a:cs typeface="+mn-cs"/>
+              </a:rPr>
+              <a:t>j = 1</a:t>
+            </a:r>
+            <a:endParaRPr kumimoji="1" lang="ko-Kore-KR" altLang="en-US" sz="1800" b="0" i="0" u="none" strike="noStrike" kern="1200" cap="none" spc="0" normalizeH="0" baseline="0" noProof="0" dirty="0">
+              <a:ln>
+                <a:noFill/>
+              </a:ln>
+              <a:solidFill>
+                <a:prstClr val="black"/>
+              </a:solidFill>
+              <a:effectLst/>
+              <a:uLnTx/>
+              <a:uFillTx/>
+              <a:latin typeface="Calibri"/>
+              <a:ea typeface="+mn-ea"/>
+              <a:cs typeface="+mn-cs"/>
+            </a:endParaRPr>
+          </a:p>
+        </p:txBody>
+      </p:sp>
     </p:spTree>
     <p:extLst>
       <p:ext uri="{BB962C8B-B14F-4D97-AF65-F5344CB8AC3E}">
@@ -20245,10 +24251,10 @@
       </p:pic>
       <p:pic>
         <p:nvPicPr>
-          <p:cNvPr id="11" name="그림 10">
+          <p:cNvPr id="15" name="그림 14">
             <a:extLst>
               <a:ext uri="{FF2B5EF4-FFF2-40B4-BE49-F238E27FC236}">
-                <a16:creationId xmlns:a16="http://schemas.microsoft.com/office/drawing/2014/main" id="{86184477-2601-E4EF-9FF0-01DDA0EE7E18}"/>
+                <a16:creationId xmlns:a16="http://schemas.microsoft.com/office/drawing/2014/main" id="{ED799EE5-F328-B29B-F6A1-F118BD86B61F}"/>
               </a:ext>
             </a:extLst>
           </p:cNvPr>
@@ -20265,8 +24271,8 @@
         </p:blipFill>
         <p:spPr>
           <a:xfrm>
-            <a:off x="135144" y="3221384"/>
-            <a:ext cx="2901408" cy="1477784"/>
+            <a:off x="142385" y="3190329"/>
+            <a:ext cx="2882596" cy="592792"/>
           </a:xfrm>
           <a:prstGeom prst="rect">
             <a:avLst/>
@@ -20275,10 +24281,10 @@
       </p:pic>
       <p:pic>
         <p:nvPicPr>
-          <p:cNvPr id="15" name="그림 14">
+          <p:cNvPr id="4" name="그림 3">
             <a:extLst>
               <a:ext uri="{FF2B5EF4-FFF2-40B4-BE49-F238E27FC236}">
-                <a16:creationId xmlns:a16="http://schemas.microsoft.com/office/drawing/2014/main" id="{ED799EE5-F328-B29B-F6A1-F118BD86B61F}"/>
+                <a16:creationId xmlns:a16="http://schemas.microsoft.com/office/drawing/2014/main" id="{176E2175-9BE3-3744-81C7-884F94D79525}"/>
               </a:ext>
             </a:extLst>
           </p:cNvPr>
@@ -20295,8 +24301,8 @@
         </p:blipFill>
         <p:spPr>
           <a:xfrm>
-            <a:off x="135144" y="2560544"/>
-            <a:ext cx="2882596" cy="592792"/>
+            <a:off x="142384" y="4242851"/>
+            <a:ext cx="2880627" cy="432094"/>
           </a:xfrm>
           <a:prstGeom prst="rect">
             <a:avLst/>
@@ -20831,7 +24837,11 @@
             </a:r>
             <a:r>
               <a:rPr kumimoji="1" lang="ko-KR" altLang="en-US" dirty="0"/>
-              <a:t> 위의 케이스들이 사실상 순서만 바뀐 같은 케이스</a:t>
+              <a:t> 위의 케이스들이 </a:t>
+            </a:r>
+            <a:r>
+              <a:rPr kumimoji="1" lang="ko-KR" altLang="en-US" b="1" dirty="0"/>
+              <a:t>사실상 순서만 바뀐 같은 케이스</a:t>
             </a:r>
             <a:r>
               <a:rPr kumimoji="1" lang="en-US" altLang="ko-KR" dirty="0"/>

--- a/MidtermPj_2018440017_김민석(제출용).pptx
+++ b/MidtermPj_2018440017_김민석(제출용).pptx
@@ -24817,7 +24817,7 @@
         </p:nvSpPr>
         <p:spPr>
           <a:xfrm>
-            <a:off x="803462" y="3534583"/>
+            <a:off x="803462" y="3596921"/>
             <a:ext cx="5415265" cy="369332"/>
           </a:xfrm>
           <a:prstGeom prst="rect">
@@ -24922,10 +24922,10 @@
       </p:sp>
       <p:pic>
         <p:nvPicPr>
-          <p:cNvPr id="33" name="그림 32">
+          <p:cNvPr id="6" name="그림 5">
             <a:extLst>
               <a:ext uri="{FF2B5EF4-FFF2-40B4-BE49-F238E27FC236}">
-                <a16:creationId xmlns:a16="http://schemas.microsoft.com/office/drawing/2014/main" id="{90EABAC0-5844-0817-AC21-A1DA9B8AAFCC}"/>
+                <a16:creationId xmlns:a16="http://schemas.microsoft.com/office/drawing/2014/main" id="{5CF3EDAA-6A71-B78E-45F0-4BD374A6175F}"/>
               </a:ext>
             </a:extLst>
           </p:cNvPr>
@@ -24942,8 +24942,8 @@
         </p:blipFill>
         <p:spPr>
           <a:xfrm>
-            <a:off x="1006663" y="4521377"/>
-            <a:ext cx="2235200" cy="863600"/>
+            <a:off x="1030176" y="4449841"/>
+            <a:ext cx="2388412" cy="1001592"/>
           </a:xfrm>
           <a:prstGeom prst="rect">
             <a:avLst/>
@@ -24952,10 +24952,10 @@
       </p:pic>
       <p:pic>
         <p:nvPicPr>
-          <p:cNvPr id="34" name="그림 33">
+          <p:cNvPr id="8" name="그림 7">
             <a:extLst>
               <a:ext uri="{FF2B5EF4-FFF2-40B4-BE49-F238E27FC236}">
-                <a16:creationId xmlns:a16="http://schemas.microsoft.com/office/drawing/2014/main" id="{EC7B7BC0-4BAC-2B09-A4D0-FDF840ECEB9B}"/>
+                <a16:creationId xmlns:a16="http://schemas.microsoft.com/office/drawing/2014/main" id="{4469D859-E1E2-3CB8-E07A-ACB5C753D495}"/>
               </a:ext>
             </a:extLst>
           </p:cNvPr>
@@ -24972,8 +24972,8 @@
         </p:blipFill>
         <p:spPr>
           <a:xfrm>
-            <a:off x="3266515" y="4521376"/>
-            <a:ext cx="962160" cy="2240253"/>
+            <a:off x="3536897" y="4449843"/>
+            <a:ext cx="1072807" cy="2408157"/>
           </a:xfrm>
           <a:prstGeom prst="rect">
             <a:avLst/>
@@ -24982,10 +24982,10 @@
       </p:pic>
       <p:pic>
         <p:nvPicPr>
-          <p:cNvPr id="35" name="그림 34">
+          <p:cNvPr id="9" name="그림 8">
             <a:extLst>
               <a:ext uri="{FF2B5EF4-FFF2-40B4-BE49-F238E27FC236}">
-                <a16:creationId xmlns:a16="http://schemas.microsoft.com/office/drawing/2014/main" id="{9AA4E8F9-2365-9543-F101-11DE750BC6B6}"/>
+                <a16:creationId xmlns:a16="http://schemas.microsoft.com/office/drawing/2014/main" id="{5F59F9D5-25AC-4A4E-EF89-BAC94FEFBA6F}"/>
               </a:ext>
             </a:extLst>
           </p:cNvPr>
@@ -25002,8 +25002,8 @@
         </p:blipFill>
         <p:spPr>
           <a:xfrm>
-            <a:off x="4253327" y="4507010"/>
-            <a:ext cx="841107" cy="2255992"/>
+            <a:off x="4728013" y="4449843"/>
+            <a:ext cx="1072807" cy="2416189"/>
           </a:xfrm>
           <a:prstGeom prst="rect">
             <a:avLst/>
@@ -25012,10 +25012,10 @@
       </p:pic>
       <p:pic>
         <p:nvPicPr>
-          <p:cNvPr id="36" name="그림 35">
+          <p:cNvPr id="10" name="그림 9">
             <a:extLst>
               <a:ext uri="{FF2B5EF4-FFF2-40B4-BE49-F238E27FC236}">
-                <a16:creationId xmlns:a16="http://schemas.microsoft.com/office/drawing/2014/main" id="{57102DB9-5B09-6309-5490-75DB16ED6480}"/>
+                <a16:creationId xmlns:a16="http://schemas.microsoft.com/office/drawing/2014/main" id="{2BBC0E35-0390-8FDB-EB38-39E963326D52}"/>
               </a:ext>
             </a:extLst>
           </p:cNvPr>
@@ -25032,50 +25032,74 @@
         </p:blipFill>
         <p:spPr>
           <a:xfrm>
-            <a:off x="5119087" y="4505637"/>
-            <a:ext cx="686606" cy="2255992"/>
+            <a:off x="5903042" y="4449841"/>
+            <a:ext cx="1072808" cy="2416191"/>
           </a:xfrm>
           <a:prstGeom prst="rect">
             <a:avLst/>
           </a:prstGeom>
         </p:spPr>
       </p:pic>
-      <p:sp>
-        <p:nvSpPr>
-          <p:cNvPr id="37" name="TextBox 36">
+      <p:pic>
+        <p:nvPicPr>
+          <p:cNvPr id="11" name="그림 10">
             <a:extLst>
               <a:ext uri="{FF2B5EF4-FFF2-40B4-BE49-F238E27FC236}">
-                <a16:creationId xmlns:a16="http://schemas.microsoft.com/office/drawing/2014/main" id="{FAC02587-E026-DEDA-AEA6-49D48E1D56B7}"/>
+                <a16:creationId xmlns:a16="http://schemas.microsoft.com/office/drawing/2014/main" id="{FE9BA117-C3F4-824E-5F9D-ACEE4D9BC150}"/>
               </a:ext>
             </a:extLst>
           </p:cNvPr>
-          <p:cNvSpPr txBox="1"/>
+          <p:cNvPicPr>
+            <a:picLocks noChangeAspect="1"/>
+          </p:cNvPicPr>
           <p:nvPr/>
-        </p:nvSpPr>
+        </p:nvPicPr>
+        <p:blipFill>
+          <a:blip r:embed="rId7"/>
+          <a:stretch>
+            <a:fillRect/>
+          </a:stretch>
+        </p:blipFill>
         <p:spPr>
           <a:xfrm>
-            <a:off x="5958459" y="5200311"/>
-            <a:ext cx="554960" cy="369332"/>
+            <a:off x="7122421" y="4449841"/>
+            <a:ext cx="1059152" cy="2416191"/>
           </a:xfrm>
           <a:prstGeom prst="rect">
             <a:avLst/>
           </a:prstGeom>
-          <a:noFill/>
         </p:spPr>
-        <p:txBody>
-          <a:bodyPr wrap="none" rtlCol="0">
-            <a:spAutoFit/>
-          </a:bodyPr>
-          <a:lstStyle/>
-          <a:p>
-            <a:r>
-              <a:rPr kumimoji="1" lang="en-US" altLang="ko-Kore-KR" dirty="0"/>
-              <a:t>… …</a:t>
-            </a:r>
-            <a:endParaRPr kumimoji="1" lang="ko-Kore-KR" altLang="en-US" dirty="0"/>
-          </a:p>
-        </p:txBody>
-      </p:sp>
+      </p:pic>
+      <p:pic>
+        <p:nvPicPr>
+          <p:cNvPr id="14" name="그림 13">
+            <a:extLst>
+              <a:ext uri="{FF2B5EF4-FFF2-40B4-BE49-F238E27FC236}">
+                <a16:creationId xmlns:a16="http://schemas.microsoft.com/office/drawing/2014/main" id="{0B98CA15-F932-E7DC-762E-DD0A43022C89}"/>
+              </a:ext>
+            </a:extLst>
+          </p:cNvPr>
+          <p:cNvPicPr>
+            <a:picLocks noChangeAspect="1"/>
+          </p:cNvPicPr>
+          <p:nvPr/>
+        </p:nvPicPr>
+        <p:blipFill>
+          <a:blip r:embed="rId8"/>
+          <a:stretch>
+            <a:fillRect/>
+          </a:stretch>
+        </p:blipFill>
+        <p:spPr>
+          <a:xfrm>
+            <a:off x="991262" y="5655342"/>
+            <a:ext cx="2443413" cy="266114"/>
+          </a:xfrm>
+          <a:prstGeom prst="rect">
+            <a:avLst/>
+          </a:prstGeom>
+        </p:spPr>
+      </p:pic>
     </p:spTree>
     <p:extLst>
       <p:ext uri="{BB962C8B-B14F-4D97-AF65-F5344CB8AC3E}">
